--- a/Amazon Reviews Sentiment Analysis.pptx
+++ b/Amazon Reviews Sentiment Analysis.pptx
@@ -813,7 +813,7 @@
   <p:cSld>
     <p:spTree>
       <p:nvGrpSpPr>
-        <p:cNvPr id="121" name="Shape 121"/>
+        <p:cNvPr id="122" name="Shape 122"/>
         <p:cNvGrpSpPr/>
         <p:nvPr/>
       </p:nvGrpSpPr>
@@ -827,7 +827,7 @@
       </p:grpSpPr>
       <p:sp>
         <p:nvSpPr>
-          <p:cNvPr id="122" name="Google Shape;122;g2f90f497f53_6_0:notes"/>
+          <p:cNvPr id="123" name="Google Shape;123;g2f90f497f53_4_16:notes"/>
           <p:cNvSpPr/>
           <p:nvPr>
             <p:ph idx="2" type="sldImg"/>
@@ -862,7 +862,7 @@
       </p:sp>
       <p:sp>
         <p:nvSpPr>
-          <p:cNvPr id="123" name="Google Shape;123;g2f90f497f53_6_0:notes"/>
+          <p:cNvPr id="124" name="Google Shape;124;g2f90f497f53_4_16:notes"/>
           <p:cNvSpPr txBox="1"/>
           <p:nvPr>
             <p:ph idx="1" type="body"/>
@@ -926,7 +926,7 @@
       </p:grpSpPr>
       <p:sp>
         <p:nvSpPr>
-          <p:cNvPr id="130" name="Google Shape;130;g2f90f497f53_6_10:notes"/>
+          <p:cNvPr id="130" name="Google Shape;130;g2f90f497f53_4_28:notes"/>
           <p:cNvSpPr/>
           <p:nvPr>
             <p:ph idx="2" type="sldImg"/>
@@ -961,7 +961,7 @@
       </p:sp>
       <p:sp>
         <p:nvSpPr>
-          <p:cNvPr id="131" name="Google Shape;131;g2f90f497f53_6_10:notes"/>
+          <p:cNvPr id="131" name="Google Shape;131;g2f90f497f53_4_28:notes"/>
           <p:cNvSpPr txBox="1"/>
           <p:nvPr>
             <p:ph idx="1" type="body"/>
@@ -1011,7 +1011,7 @@
   <p:cSld>
     <p:spTree>
       <p:nvGrpSpPr>
-        <p:cNvPr id="138" name="Shape 138"/>
+        <p:cNvPr id="137" name="Shape 137"/>
         <p:cNvGrpSpPr/>
         <p:nvPr/>
       </p:nvGrpSpPr>
@@ -1025,7 +1025,7 @@
       </p:grpSpPr>
       <p:sp>
         <p:nvSpPr>
-          <p:cNvPr id="139" name="Google Shape;139;g304842f7885_0_19:notes"/>
+          <p:cNvPr id="138" name="Google Shape;138;g2f90f497f53_4_35:notes"/>
           <p:cNvSpPr/>
           <p:nvPr>
             <p:ph idx="2" type="sldImg"/>
@@ -1060,7 +1060,7 @@
       </p:sp>
       <p:sp>
         <p:nvSpPr>
-          <p:cNvPr id="140" name="Google Shape;140;g304842f7885_0_19:notes"/>
+          <p:cNvPr id="139" name="Google Shape;139;g2f90f497f53_4_35:notes"/>
           <p:cNvSpPr txBox="1"/>
           <p:nvPr>
             <p:ph idx="1" type="body"/>
@@ -1110,7 +1110,7 @@
   <p:cSld>
     <p:spTree>
       <p:nvGrpSpPr>
-        <p:cNvPr id="145" name="Shape 145"/>
+        <p:cNvPr id="146" name="Shape 146"/>
         <p:cNvGrpSpPr/>
         <p:nvPr/>
       </p:nvGrpSpPr>
@@ -1124,7 +1124,7 @@
       </p:grpSpPr>
       <p:sp>
         <p:nvSpPr>
-          <p:cNvPr id="146" name="Google Shape;146;g2f90f497f53_0_0:notes"/>
+          <p:cNvPr id="147" name="Google Shape;147;g2f90f497f53_4_22:notes"/>
           <p:cNvSpPr/>
           <p:nvPr>
             <p:ph idx="2" type="sldImg"/>
@@ -1159,7 +1159,7 @@
       </p:sp>
       <p:sp>
         <p:nvSpPr>
-          <p:cNvPr id="147" name="Google Shape;147;g2f90f497f53_0_0:notes"/>
+          <p:cNvPr id="148" name="Google Shape;148;g2f90f497f53_4_22:notes"/>
           <p:cNvSpPr txBox="1"/>
           <p:nvPr>
             <p:ph idx="1" type="body"/>
@@ -1817,7 +1817,7 @@
       </p:grpSpPr>
       <p:sp>
         <p:nvSpPr>
-          <p:cNvPr id="108" name="Google Shape;108;g2f90f497f53_4_7:notes"/>
+          <p:cNvPr id="108" name="Google Shape;108;g304842f7885_0_19:notes"/>
           <p:cNvSpPr/>
           <p:nvPr>
             <p:ph idx="2" type="sldImg"/>
@@ -1852,7 +1852,7 @@
       </p:sp>
       <p:sp>
         <p:nvSpPr>
-          <p:cNvPr id="109" name="Google Shape;109;g2f90f497f53_4_7:notes"/>
+          <p:cNvPr id="109" name="Google Shape;109;g304842f7885_0_19:notes"/>
           <p:cNvSpPr txBox="1"/>
           <p:nvPr>
             <p:ph idx="1" type="body"/>
@@ -1916,7 +1916,7 @@
       </p:grpSpPr>
       <p:sp>
         <p:nvSpPr>
-          <p:cNvPr id="115" name="Google Shape;115;g2f90f497f53_0_8:notes"/>
+          <p:cNvPr id="115" name="Google Shape;115;g2f90f497f53_0_0:notes"/>
           <p:cNvSpPr/>
           <p:nvPr>
             <p:ph idx="2" type="sldImg"/>
@@ -1951,7 +1951,7 @@
       </p:sp>
       <p:sp>
         <p:nvSpPr>
-          <p:cNvPr id="116" name="Google Shape;116;g2f90f497f53_0_8:notes"/>
+          <p:cNvPr id="116" name="Google Shape;116;g2f90f497f53_0_0:notes"/>
           <p:cNvSpPr txBox="1"/>
           <p:nvPr>
             <p:ph idx="1" type="body"/>
@@ -7439,7 +7439,7 @@
   <p:cSld>
     <p:spTree>
       <p:nvGrpSpPr>
-        <p:cNvPr id="124" name="Shape 124"/>
+        <p:cNvPr id="125" name="Shape 125"/>
         <p:cNvGrpSpPr/>
         <p:nvPr/>
       </p:nvGrpSpPr>
@@ -7453,7 +7453,7 @@
       </p:grpSpPr>
       <p:sp>
         <p:nvSpPr>
-          <p:cNvPr id="125" name="Google Shape;125;p22"/>
+          <p:cNvPr id="126" name="Google Shape;126;p22"/>
           <p:cNvSpPr txBox="1"/>
           <p:nvPr>
             <p:ph type="title"/>
@@ -7485,41 +7485,17 @@
             </a:pPr>
             <a:r>
               <a:rPr lang="en"/>
-              <a:t>Roberta (Full DataSet)</a:t>
+              <a:t>roBERTa-base</a:t>
             </a:r>
             <a:endParaRPr/>
           </a:p>
-        </p:txBody>
-      </p:sp>
-      <p:sp>
-        <p:nvSpPr>
-          <p:cNvPr id="126" name="Google Shape;126;p22"/>
-          <p:cNvSpPr txBox="1"/>
-          <p:nvPr>
-            <p:ph idx="1" type="body"/>
-          </p:nvPr>
-        </p:nvSpPr>
-        <p:spPr>
-          <a:xfrm>
-            <a:off x="311700" y="1152475"/>
-            <a:ext cx="8520600" cy="3416400"/>
-          </a:xfrm>
-          <a:prstGeom prst="rect">
-            <a:avLst/>
-          </a:prstGeom>
-        </p:spPr>
-        <p:txBody>
-          <a:bodyPr anchorCtr="0" anchor="t" bIns="91425" lIns="91425" spcFirstLastPara="1" rIns="91425" wrap="square" tIns="91425">
-            <a:normAutofit/>
-          </a:bodyPr>
-          <a:lstStyle/>
           <a:p>
             <a:pPr indent="0" lvl="0" marL="0" rtl="0" algn="l">
               <a:spcBef>
                 <a:spcPts val="0"/>
               </a:spcBef>
               <a:spcAft>
-                <a:spcPts val="1200"/>
+                <a:spcPts val="0"/>
               </a:spcAft>
               <a:buNone/>
             </a:pPr>
@@ -7586,8 +7562,8 @@
         </p:blipFill>
         <p:spPr>
           <a:xfrm>
-            <a:off x="311700" y="1152475"/>
-            <a:ext cx="8520599" cy="3416400"/>
+            <a:off x="384950" y="1156450"/>
+            <a:ext cx="8185450" cy="3796655"/>
           </a:xfrm>
           <a:prstGeom prst="rect">
             <a:avLst/>
@@ -7657,7 +7633,11 @@
             </a:pPr>
             <a:r>
               <a:rPr lang="en"/>
-              <a:t>Roberta (Full DataSet)</a:t>
+              <a:t>T</a:t>
+            </a:r>
+            <a:r>
+              <a:rPr lang="en"/>
+              <a:t>witter based Roberta Base</a:t>
             </a:r>
             <a:endParaRPr/>
           </a:p>
@@ -7758,6 +7738,193 @@
         </p:blipFill>
         <p:spPr>
           <a:xfrm>
+            <a:off x="311700" y="1152475"/>
+            <a:ext cx="8520599" cy="3416400"/>
+          </a:xfrm>
+          <a:prstGeom prst="rect">
+            <a:avLst/>
+          </a:prstGeom>
+          <a:noFill/>
+          <a:ln>
+            <a:noFill/>
+          </a:ln>
+        </p:spPr>
+      </p:pic>
+    </p:spTree>
+  </p:cSld>
+  <p:clrMapOvr>
+    <a:masterClrMapping/>
+  </p:clrMapOvr>
+</p:sld>
+</file>
+
+<file path=ppt/slides/slide12.xml><?xml version="1.0" encoding="utf-8"?>
+<p:sld xmlns:a="http://schemas.openxmlformats.org/drawingml/2006/main" xmlns:r="http://schemas.openxmlformats.org/officeDocument/2006/relationships" xmlns:mc="http://schemas.openxmlformats.org/markup-compatibility/2006" xmlns:mv="urn:schemas-microsoft-com:mac:vml" xmlns:p="http://schemas.openxmlformats.org/presentationml/2006/main" xmlns:c="http://schemas.openxmlformats.org/drawingml/2006/chart" xmlns:dgm="http://schemas.openxmlformats.org/drawingml/2006/diagram" xmlns:o="urn:schemas-microsoft-com:office:office" xmlns:v="urn:schemas-microsoft-com:vml" xmlns:pvml="urn:schemas-microsoft-com:office:powerpoint" xmlns:com="http://schemas.openxmlformats.org/drawingml/2006/compatibility" xmlns:p14="http://schemas.microsoft.com/office/powerpoint/2010/main" xmlns:p15="http://schemas.microsoft.com/office/powerpoint/2012/main" xmlns:ahyp="http://schemas.microsoft.com/office/drawing/2018/hyperlinkcolor">
+  <p:cSld>
+    <p:spTree>
+      <p:nvGrpSpPr>
+        <p:cNvPr id="140" name="Shape 140"/>
+        <p:cNvGrpSpPr/>
+        <p:nvPr/>
+      </p:nvGrpSpPr>
+      <p:grpSpPr>
+        <a:xfrm>
+          <a:off x="0" y="0"/>
+          <a:ext cx="0" cy="0"/>
+          <a:chOff x="0" y="0"/>
+          <a:chExt cx="0" cy="0"/>
+        </a:xfrm>
+      </p:grpSpPr>
+      <p:sp>
+        <p:nvSpPr>
+          <p:cNvPr id="141" name="Google Shape;141;p24"/>
+          <p:cNvSpPr txBox="1"/>
+          <p:nvPr>
+            <p:ph type="title"/>
+          </p:nvPr>
+        </p:nvSpPr>
+        <p:spPr>
+          <a:xfrm>
+            <a:off x="311700" y="445025"/>
+            <a:ext cx="8520600" cy="572700"/>
+          </a:xfrm>
+          <a:prstGeom prst="rect">
+            <a:avLst/>
+          </a:prstGeom>
+        </p:spPr>
+        <p:txBody>
+          <a:bodyPr anchorCtr="0" anchor="t" bIns="91425" lIns="91425" spcFirstLastPara="1" rIns="91425" wrap="square" tIns="91425">
+            <a:normAutofit fontScale="90000"/>
+          </a:bodyPr>
+          <a:lstStyle/>
+          <a:p>
+            <a:pPr indent="0" lvl="0" marL="0" rtl="0" algn="l">
+              <a:spcBef>
+                <a:spcPts val="0"/>
+              </a:spcBef>
+              <a:spcAft>
+                <a:spcPts val="0"/>
+              </a:spcAft>
+              <a:buNone/>
+            </a:pPr>
+            <a:r>
+              <a:rPr lang="en"/>
+              <a:t>Twitter based Roberta Base</a:t>
+            </a:r>
+            <a:endParaRPr/>
+          </a:p>
+          <a:p>
+            <a:pPr indent="0" lvl="0" marL="0" rtl="0" algn="l">
+              <a:spcBef>
+                <a:spcPts val="0"/>
+              </a:spcBef>
+              <a:spcAft>
+                <a:spcPts val="0"/>
+              </a:spcAft>
+              <a:buNone/>
+            </a:pPr>
+            <a:r>
+              <a:t/>
+            </a:r>
+            <a:endParaRPr/>
+          </a:p>
+        </p:txBody>
+      </p:sp>
+      <p:sp>
+        <p:nvSpPr>
+          <p:cNvPr id="142" name="Google Shape;142;p24"/>
+          <p:cNvSpPr txBox="1"/>
+          <p:nvPr>
+            <p:ph idx="1" type="body"/>
+          </p:nvPr>
+        </p:nvSpPr>
+        <p:spPr>
+          <a:xfrm>
+            <a:off x="311700" y="1152475"/>
+            <a:ext cx="8520600" cy="3416400"/>
+          </a:xfrm>
+          <a:prstGeom prst="rect">
+            <a:avLst/>
+          </a:prstGeom>
+        </p:spPr>
+        <p:txBody>
+          <a:bodyPr anchorCtr="0" anchor="t" bIns="91425" lIns="91425" spcFirstLastPara="1" rIns="91425" wrap="square" tIns="91425">
+            <a:normAutofit/>
+          </a:bodyPr>
+          <a:lstStyle/>
+          <a:p>
+            <a:pPr indent="0" lvl="0" marL="0" rtl="0" algn="l">
+              <a:spcBef>
+                <a:spcPts val="0"/>
+              </a:spcBef>
+              <a:spcAft>
+                <a:spcPts val="1200"/>
+              </a:spcAft>
+              <a:buNone/>
+            </a:pPr>
+            <a:r>
+              <a:t/>
+            </a:r>
+            <a:endParaRPr/>
+          </a:p>
+        </p:txBody>
+      </p:sp>
+      <p:sp>
+        <p:nvSpPr>
+          <p:cNvPr id="143" name="Google Shape;143;p24"/>
+          <p:cNvSpPr txBox="1"/>
+          <p:nvPr>
+            <p:ph idx="12" type="sldNum"/>
+          </p:nvPr>
+        </p:nvSpPr>
+        <p:spPr>
+          <a:xfrm>
+            <a:off x="8490250" y="4681009"/>
+            <a:ext cx="548700" cy="393600"/>
+          </a:xfrm>
+          <a:prstGeom prst="rect">
+            <a:avLst/>
+          </a:prstGeom>
+        </p:spPr>
+        <p:txBody>
+          <a:bodyPr anchorCtr="0" anchor="ctr" bIns="91425" lIns="91425" spcFirstLastPara="1" rIns="91425" wrap="square" tIns="91425">
+            <a:normAutofit/>
+          </a:bodyPr>
+          <a:lstStyle/>
+          <a:p>
+            <a:pPr indent="0" lvl="0" marL="0" rtl="0" algn="r">
+              <a:spcBef>
+                <a:spcPts val="0"/>
+              </a:spcBef>
+              <a:spcAft>
+                <a:spcPts val="0"/>
+              </a:spcAft>
+              <a:buNone/>
+            </a:pPr>
+            <a:fld id="{00000000-1234-1234-1234-123412341234}" type="slidenum">
+              <a:rPr lang="en"/>
+              <a:t>‹#›</a:t>
+            </a:fld>
+            <a:endParaRPr/>
+          </a:p>
+        </p:txBody>
+      </p:sp>
+      <p:pic>
+        <p:nvPicPr>
+          <p:cNvPr id="144" name="Google Shape;144;p24"/>
+          <p:cNvPicPr preferRelativeResize="0"/>
+          <p:nvPr/>
+        </p:nvPicPr>
+        <p:blipFill>
+          <a:blip r:embed="rId3">
+            <a:alphaModFix/>
+          </a:blip>
+          <a:stretch>
+            <a:fillRect/>
+          </a:stretch>
+        </p:blipFill>
+        <p:spPr>
+          <a:xfrm>
             <a:off x="316075" y="1152475"/>
             <a:ext cx="4135307" cy="3416400"/>
           </a:xfrm>
@@ -7772,7 +7939,7 @@
       </p:pic>
       <p:sp>
         <p:nvSpPr>
-          <p:cNvPr id="137" name="Google Shape;137;p23"/>
+          <p:cNvPr id="145" name="Google Shape;145;p24"/>
           <p:cNvSpPr txBox="1"/>
           <p:nvPr/>
         </p:nvSpPr>
@@ -7978,12 +8145,12 @@
 </p:sld>
 </file>
 
-<file path=ppt/slides/slide12.xml><?xml version="1.0" encoding="utf-8"?>
+<file path=ppt/slides/slide13.xml><?xml version="1.0" encoding="utf-8"?>
 <p:sld xmlns:a="http://schemas.openxmlformats.org/drawingml/2006/main" xmlns:r="http://schemas.openxmlformats.org/officeDocument/2006/relationships" xmlns:mc="http://schemas.openxmlformats.org/markup-compatibility/2006" xmlns:mv="urn:schemas-microsoft-com:mac:vml" xmlns:p="http://schemas.openxmlformats.org/presentationml/2006/main" xmlns:c="http://schemas.openxmlformats.org/drawingml/2006/chart" xmlns:dgm="http://schemas.openxmlformats.org/drawingml/2006/diagram" xmlns:o="urn:schemas-microsoft-com:office:office" xmlns:v="urn:schemas-microsoft-com:vml" xmlns:pvml="urn:schemas-microsoft-com:office:powerpoint" xmlns:com="http://schemas.openxmlformats.org/drawingml/2006/compatibility" xmlns:p14="http://schemas.microsoft.com/office/powerpoint/2010/main" xmlns:p15="http://schemas.microsoft.com/office/powerpoint/2012/main" xmlns:ahyp="http://schemas.microsoft.com/office/drawing/2018/hyperlinkcolor">
   <p:cSld>
     <p:spTree>
       <p:nvGrpSpPr>
-        <p:cNvPr id="141" name="Shape 141"/>
+        <p:cNvPr id="149" name="Shape 149"/>
         <p:cNvGrpSpPr/>
         <p:nvPr/>
       </p:nvGrpSpPr>
@@ -7997,7 +8164,7 @@
       </p:grpSpPr>
       <p:sp>
         <p:nvSpPr>
-          <p:cNvPr id="142" name="Google Shape;142;p24"/>
+          <p:cNvPr id="150" name="Google Shape;150;p25"/>
           <p:cNvSpPr txBox="1"/>
           <p:nvPr>
             <p:ph type="title"/>
@@ -8029,6 +8196,3738 @@
             </a:pPr>
             <a:r>
               <a:rPr lang="en"/>
+              <a:t>Bidirectional LSTM</a:t>
+            </a:r>
+            <a:endParaRPr/>
+          </a:p>
+        </p:txBody>
+      </p:sp>
+      <p:sp>
+        <p:nvSpPr>
+          <p:cNvPr id="151" name="Google Shape;151;p25"/>
+          <p:cNvSpPr txBox="1"/>
+          <p:nvPr>
+            <p:ph idx="12" type="sldNum"/>
+          </p:nvPr>
+        </p:nvSpPr>
+        <p:spPr>
+          <a:xfrm>
+            <a:off x="8490250" y="4681009"/>
+            <a:ext cx="548700" cy="393600"/>
+          </a:xfrm>
+          <a:prstGeom prst="rect">
+            <a:avLst/>
+          </a:prstGeom>
+        </p:spPr>
+        <p:txBody>
+          <a:bodyPr anchorCtr="0" anchor="ctr" bIns="91425" lIns="91425" spcFirstLastPara="1" rIns="91425" wrap="square" tIns="91425">
+            <a:normAutofit/>
+          </a:bodyPr>
+          <a:lstStyle/>
+          <a:p>
+            <a:pPr indent="0" lvl="0" marL="0" rtl="0" algn="r">
+              <a:spcBef>
+                <a:spcPts val="0"/>
+              </a:spcBef>
+              <a:spcAft>
+                <a:spcPts val="0"/>
+              </a:spcAft>
+              <a:buNone/>
+            </a:pPr>
+            <a:fld id="{00000000-1234-1234-1234-123412341234}" type="slidenum">
+              <a:rPr lang="en"/>
+              <a:t>‹#›</a:t>
+            </a:fld>
+            <a:endParaRPr/>
+          </a:p>
+        </p:txBody>
+      </p:sp>
+      <p:pic>
+        <p:nvPicPr>
+          <p:cNvPr id="152" name="Google Shape;152;p25"/>
+          <p:cNvPicPr preferRelativeResize="0"/>
+          <p:nvPr/>
+        </p:nvPicPr>
+        <p:blipFill>
+          <a:blip r:embed="rId3">
+            <a:alphaModFix/>
+          </a:blip>
+          <a:stretch>
+            <a:fillRect/>
+          </a:stretch>
+        </p:blipFill>
+        <p:spPr>
+          <a:xfrm>
+            <a:off x="2277891" y="1152475"/>
+            <a:ext cx="4588222" cy="3416400"/>
+          </a:xfrm>
+          <a:prstGeom prst="rect">
+            <a:avLst/>
+          </a:prstGeom>
+          <a:noFill/>
+          <a:ln>
+            <a:noFill/>
+          </a:ln>
+        </p:spPr>
+      </p:pic>
+    </p:spTree>
+  </p:cSld>
+  <p:clrMapOvr>
+    <a:masterClrMapping/>
+  </p:clrMapOvr>
+</p:sld>
+</file>
+
+<file path=ppt/slides/slide2.xml><?xml version="1.0" encoding="utf-8"?>
+<p:sld xmlns:a="http://schemas.openxmlformats.org/drawingml/2006/main" xmlns:r="http://schemas.openxmlformats.org/officeDocument/2006/relationships" xmlns:mc="http://schemas.openxmlformats.org/markup-compatibility/2006" xmlns:mv="urn:schemas-microsoft-com:mac:vml" xmlns:p="http://schemas.openxmlformats.org/presentationml/2006/main" xmlns:c="http://schemas.openxmlformats.org/drawingml/2006/chart" xmlns:dgm="http://schemas.openxmlformats.org/drawingml/2006/diagram" xmlns:o="urn:schemas-microsoft-com:office:office" xmlns:v="urn:schemas-microsoft-com:vml" xmlns:pvml="urn:schemas-microsoft-com:office:powerpoint" xmlns:com="http://schemas.openxmlformats.org/drawingml/2006/compatibility" xmlns:p14="http://schemas.microsoft.com/office/powerpoint/2010/main" xmlns:p15="http://schemas.microsoft.com/office/powerpoint/2012/main" xmlns:ahyp="http://schemas.microsoft.com/office/drawing/2018/hyperlinkcolor">
+  <p:cSld>
+    <p:spTree>
+      <p:nvGrpSpPr>
+        <p:cNvPr id="65" name="Shape 65"/>
+        <p:cNvGrpSpPr/>
+        <p:nvPr/>
+      </p:nvGrpSpPr>
+      <p:grpSpPr>
+        <a:xfrm>
+          <a:off x="0" y="0"/>
+          <a:ext cx="0" cy="0"/>
+          <a:chOff x="0" y="0"/>
+          <a:chExt cx="0" cy="0"/>
+        </a:xfrm>
+      </p:grpSpPr>
+      <p:sp>
+        <p:nvSpPr>
+          <p:cNvPr id="66" name="Google Shape;66;p14"/>
+          <p:cNvSpPr txBox="1"/>
+          <p:nvPr>
+            <p:ph type="title"/>
+          </p:nvPr>
+        </p:nvSpPr>
+        <p:spPr>
+          <a:xfrm>
+            <a:off x="311700" y="445025"/>
+            <a:ext cx="8520600" cy="572700"/>
+          </a:xfrm>
+          <a:prstGeom prst="rect">
+            <a:avLst/>
+          </a:prstGeom>
+        </p:spPr>
+        <p:txBody>
+          <a:bodyPr anchorCtr="0" anchor="t" bIns="91425" lIns="91425" spcFirstLastPara="1" rIns="91425" wrap="square" tIns="91425">
+            <a:normAutofit fontScale="90000"/>
+          </a:bodyPr>
+          <a:lstStyle/>
+          <a:p>
+            <a:pPr indent="0" lvl="0" marL="0" rtl="0" algn="l">
+              <a:spcBef>
+                <a:spcPts val="0"/>
+              </a:spcBef>
+              <a:spcAft>
+                <a:spcPts val="0"/>
+              </a:spcAft>
+              <a:buNone/>
+            </a:pPr>
+            <a:r>
+              <a:rPr lang="en"/>
+              <a:t>Table of Contents</a:t>
+            </a:r>
+            <a:endParaRPr/>
+          </a:p>
+        </p:txBody>
+      </p:sp>
+      <p:sp>
+        <p:nvSpPr>
+          <p:cNvPr id="67" name="Google Shape;67;p14"/>
+          <p:cNvSpPr txBox="1"/>
+          <p:nvPr>
+            <p:ph idx="1" type="body"/>
+          </p:nvPr>
+        </p:nvSpPr>
+        <p:spPr>
+          <a:xfrm>
+            <a:off x="311700" y="1152475"/>
+            <a:ext cx="8520600" cy="3416400"/>
+          </a:xfrm>
+          <a:prstGeom prst="rect">
+            <a:avLst/>
+          </a:prstGeom>
+        </p:spPr>
+        <p:txBody>
+          <a:bodyPr anchorCtr="0" anchor="t" bIns="91425" lIns="91425" spcFirstLastPara="1" rIns="91425" wrap="square" tIns="914400">
+            <a:normAutofit/>
+          </a:bodyPr>
+          <a:lstStyle/>
+          <a:p>
+            <a:pPr indent="-342900" lvl="0" marL="457200" rtl="0" algn="l">
+              <a:spcBef>
+                <a:spcPts val="0"/>
+              </a:spcBef>
+              <a:spcAft>
+                <a:spcPts val="0"/>
+              </a:spcAft>
+              <a:buSzPts val="1800"/>
+              <a:buChar char="-"/>
+            </a:pPr>
+            <a:r>
+              <a:rPr lang="en"/>
+              <a:t>Data </a:t>
+            </a:r>
+            <a:r>
+              <a:rPr lang="en"/>
+              <a:t>Analysis</a:t>
+            </a:r>
+            <a:endParaRPr/>
+          </a:p>
+          <a:p>
+            <a:pPr indent="-342900" lvl="0" marL="457200" rtl="0" algn="l">
+              <a:spcBef>
+                <a:spcPts val="0"/>
+              </a:spcBef>
+              <a:spcAft>
+                <a:spcPts val="0"/>
+              </a:spcAft>
+              <a:buSzPts val="1800"/>
+              <a:buChar char="-"/>
+            </a:pPr>
+            <a:r>
+              <a:rPr lang="en"/>
+              <a:t>Models performances</a:t>
+            </a:r>
+            <a:endParaRPr/>
+          </a:p>
+          <a:p>
+            <a:pPr indent="-342900" lvl="0" marL="457200" rtl="0" algn="l">
+              <a:spcBef>
+                <a:spcPts val="0"/>
+              </a:spcBef>
+              <a:spcAft>
+                <a:spcPts val="0"/>
+              </a:spcAft>
+              <a:buSzPts val="1800"/>
+              <a:buChar char="-"/>
+            </a:pPr>
+            <a:r>
+              <a:rPr lang="en"/>
+              <a:t>Model Variances</a:t>
+            </a:r>
+            <a:endParaRPr/>
+          </a:p>
+          <a:p>
+            <a:pPr indent="-342900" lvl="0" marL="457200" rtl="0" algn="l">
+              <a:spcBef>
+                <a:spcPts val="0"/>
+              </a:spcBef>
+              <a:spcAft>
+                <a:spcPts val="0"/>
+              </a:spcAft>
+              <a:buSzPts val="1800"/>
+              <a:buChar char="-"/>
+            </a:pPr>
+            <a:r>
+              <a:rPr lang="en"/>
+              <a:t>Preprocessing pipeline</a:t>
+            </a:r>
+            <a:endParaRPr/>
+          </a:p>
+        </p:txBody>
+      </p:sp>
+      <p:sp>
+        <p:nvSpPr>
+          <p:cNvPr id="68" name="Google Shape;68;p14"/>
+          <p:cNvSpPr txBox="1"/>
+          <p:nvPr>
+            <p:ph idx="12" type="sldNum"/>
+          </p:nvPr>
+        </p:nvSpPr>
+        <p:spPr>
+          <a:xfrm>
+            <a:off x="8490250" y="4681009"/>
+            <a:ext cx="548700" cy="393600"/>
+          </a:xfrm>
+          <a:prstGeom prst="rect">
+            <a:avLst/>
+          </a:prstGeom>
+        </p:spPr>
+        <p:txBody>
+          <a:bodyPr anchorCtr="0" anchor="ctr" bIns="91425" lIns="91425" spcFirstLastPara="1" rIns="91425" wrap="square" tIns="91425">
+            <a:normAutofit/>
+          </a:bodyPr>
+          <a:lstStyle/>
+          <a:p>
+            <a:pPr indent="0" lvl="0" marL="0" rtl="0" algn="r">
+              <a:spcBef>
+                <a:spcPts val="0"/>
+              </a:spcBef>
+              <a:spcAft>
+                <a:spcPts val="0"/>
+              </a:spcAft>
+              <a:buNone/>
+            </a:pPr>
+            <a:fld id="{00000000-1234-1234-1234-123412341234}" type="slidenum">
+              <a:rPr lang="en"/>
+              <a:t>‹#›</a:t>
+            </a:fld>
+            <a:endParaRPr/>
+          </a:p>
+        </p:txBody>
+      </p:sp>
+    </p:spTree>
+  </p:cSld>
+  <p:clrMapOvr>
+    <a:masterClrMapping/>
+  </p:clrMapOvr>
+</p:sld>
+</file>
+
+<file path=ppt/slides/slide3.xml><?xml version="1.0" encoding="utf-8"?>
+<p:sld xmlns:a="http://schemas.openxmlformats.org/drawingml/2006/main" xmlns:r="http://schemas.openxmlformats.org/officeDocument/2006/relationships" xmlns:mc="http://schemas.openxmlformats.org/markup-compatibility/2006" xmlns:mv="urn:schemas-microsoft-com:mac:vml" xmlns:p="http://schemas.openxmlformats.org/presentationml/2006/main" xmlns:c="http://schemas.openxmlformats.org/drawingml/2006/chart" xmlns:dgm="http://schemas.openxmlformats.org/drawingml/2006/diagram" xmlns:o="urn:schemas-microsoft-com:office:office" xmlns:v="urn:schemas-microsoft-com:vml" xmlns:pvml="urn:schemas-microsoft-com:office:powerpoint" xmlns:com="http://schemas.openxmlformats.org/drawingml/2006/compatibility" xmlns:p14="http://schemas.microsoft.com/office/powerpoint/2010/main" xmlns:p15="http://schemas.microsoft.com/office/powerpoint/2012/main" xmlns:ahyp="http://schemas.microsoft.com/office/drawing/2018/hyperlinkcolor">
+  <p:cSld>
+    <p:spTree>
+      <p:nvGrpSpPr>
+        <p:cNvPr id="72" name="Shape 72"/>
+        <p:cNvGrpSpPr/>
+        <p:nvPr/>
+      </p:nvGrpSpPr>
+      <p:grpSpPr>
+        <a:xfrm>
+          <a:off x="0" y="0"/>
+          <a:ext cx="0" cy="0"/>
+          <a:chOff x="0" y="0"/>
+          <a:chExt cx="0" cy="0"/>
+        </a:xfrm>
+      </p:grpSpPr>
+      <p:sp>
+        <p:nvSpPr>
+          <p:cNvPr id="73" name="Google Shape;73;p15"/>
+          <p:cNvSpPr txBox="1"/>
+          <p:nvPr>
+            <p:ph type="title"/>
+          </p:nvPr>
+        </p:nvSpPr>
+        <p:spPr>
+          <a:xfrm>
+            <a:off x="311700" y="445025"/>
+            <a:ext cx="8520600" cy="572700"/>
+          </a:xfrm>
+          <a:prstGeom prst="rect">
+            <a:avLst/>
+          </a:prstGeom>
+        </p:spPr>
+        <p:txBody>
+          <a:bodyPr anchorCtr="0" anchor="t" bIns="91425" lIns="91425" spcFirstLastPara="1" rIns="91425" wrap="square" tIns="91425">
+            <a:normAutofit fontScale="90000"/>
+          </a:bodyPr>
+          <a:lstStyle/>
+          <a:p>
+            <a:pPr indent="0" lvl="0" marL="0" rtl="0" algn="l">
+              <a:spcBef>
+                <a:spcPts val="0"/>
+              </a:spcBef>
+              <a:spcAft>
+                <a:spcPts val="0"/>
+              </a:spcAft>
+              <a:buNone/>
+            </a:pPr>
+            <a:r>
+              <a:rPr lang="en"/>
+              <a:t>Data Analysis</a:t>
+            </a:r>
+            <a:endParaRPr/>
+          </a:p>
+        </p:txBody>
+      </p:sp>
+      <p:sp>
+        <p:nvSpPr>
+          <p:cNvPr id="74" name="Google Shape;74;p15"/>
+          <p:cNvSpPr txBox="1"/>
+          <p:nvPr>
+            <p:ph idx="12" type="sldNum"/>
+          </p:nvPr>
+        </p:nvSpPr>
+        <p:spPr>
+          <a:xfrm>
+            <a:off x="8490250" y="4681009"/>
+            <a:ext cx="548700" cy="393600"/>
+          </a:xfrm>
+          <a:prstGeom prst="rect">
+            <a:avLst/>
+          </a:prstGeom>
+        </p:spPr>
+        <p:txBody>
+          <a:bodyPr anchorCtr="0" anchor="ctr" bIns="91425" lIns="91425" spcFirstLastPara="1" rIns="91425" wrap="square" tIns="91425">
+            <a:normAutofit/>
+          </a:bodyPr>
+          <a:lstStyle/>
+          <a:p>
+            <a:pPr indent="0" lvl="0" marL="0" rtl="0" algn="r">
+              <a:spcBef>
+                <a:spcPts val="0"/>
+              </a:spcBef>
+              <a:spcAft>
+                <a:spcPts val="0"/>
+              </a:spcAft>
+              <a:buNone/>
+            </a:pPr>
+            <a:fld id="{00000000-1234-1234-1234-123412341234}" type="slidenum">
+              <a:rPr lang="en"/>
+              <a:t>‹#›</a:t>
+            </a:fld>
+            <a:endParaRPr/>
+          </a:p>
+        </p:txBody>
+      </p:sp>
+      <p:pic>
+        <p:nvPicPr>
+          <p:cNvPr id="75" name="Google Shape;75;p15"/>
+          <p:cNvPicPr preferRelativeResize="0"/>
+          <p:nvPr/>
+        </p:nvPicPr>
+        <p:blipFill>
+          <a:blip r:embed="rId3">
+            <a:alphaModFix/>
+          </a:blip>
+          <a:stretch>
+            <a:fillRect/>
+          </a:stretch>
+        </p:blipFill>
+        <p:spPr>
+          <a:xfrm>
+            <a:off x="974750" y="1017725"/>
+            <a:ext cx="7194511" cy="3820974"/>
+          </a:xfrm>
+          <a:prstGeom prst="rect">
+            <a:avLst/>
+          </a:prstGeom>
+          <a:noFill/>
+          <a:ln>
+            <a:noFill/>
+          </a:ln>
+        </p:spPr>
+      </p:pic>
+    </p:spTree>
+  </p:cSld>
+  <p:clrMapOvr>
+    <a:masterClrMapping/>
+  </p:clrMapOvr>
+</p:sld>
+</file>
+
+<file path=ppt/slides/slide4.xml><?xml version="1.0" encoding="utf-8"?>
+<p:sld xmlns:a="http://schemas.openxmlformats.org/drawingml/2006/main" xmlns:r="http://schemas.openxmlformats.org/officeDocument/2006/relationships" xmlns:mc="http://schemas.openxmlformats.org/markup-compatibility/2006" xmlns:mv="urn:schemas-microsoft-com:mac:vml" xmlns:p="http://schemas.openxmlformats.org/presentationml/2006/main" xmlns:c="http://schemas.openxmlformats.org/drawingml/2006/chart" xmlns:dgm="http://schemas.openxmlformats.org/drawingml/2006/diagram" xmlns:o="urn:schemas-microsoft-com:office:office" xmlns:v="urn:schemas-microsoft-com:vml" xmlns:pvml="urn:schemas-microsoft-com:office:powerpoint" xmlns:com="http://schemas.openxmlformats.org/drawingml/2006/compatibility" xmlns:p14="http://schemas.microsoft.com/office/powerpoint/2010/main" xmlns:p15="http://schemas.microsoft.com/office/powerpoint/2012/main" xmlns:ahyp="http://schemas.microsoft.com/office/drawing/2018/hyperlinkcolor">
+  <p:cSld>
+    <p:spTree>
+      <p:nvGrpSpPr>
+        <p:cNvPr id="79" name="Shape 79"/>
+        <p:cNvGrpSpPr/>
+        <p:nvPr/>
+      </p:nvGrpSpPr>
+      <p:grpSpPr>
+        <a:xfrm>
+          <a:off x="0" y="0"/>
+          <a:ext cx="0" cy="0"/>
+          <a:chOff x="0" y="0"/>
+          <a:chExt cx="0" cy="0"/>
+        </a:xfrm>
+      </p:grpSpPr>
+      <p:sp>
+        <p:nvSpPr>
+          <p:cNvPr id="80" name="Google Shape;80;p16"/>
+          <p:cNvSpPr txBox="1"/>
+          <p:nvPr>
+            <p:ph type="title"/>
+          </p:nvPr>
+        </p:nvSpPr>
+        <p:spPr>
+          <a:xfrm>
+            <a:off x="311700" y="445025"/>
+            <a:ext cx="8520600" cy="572700"/>
+          </a:xfrm>
+          <a:prstGeom prst="rect">
+            <a:avLst/>
+          </a:prstGeom>
+        </p:spPr>
+        <p:txBody>
+          <a:bodyPr anchorCtr="0" anchor="t" bIns="91425" lIns="91425" spcFirstLastPara="1" rIns="91425" wrap="square" tIns="91425">
+            <a:normAutofit fontScale="90000"/>
+          </a:bodyPr>
+          <a:lstStyle/>
+          <a:p>
+            <a:pPr indent="0" lvl="0" marL="0" rtl="0" algn="l">
+              <a:spcBef>
+                <a:spcPts val="0"/>
+              </a:spcBef>
+              <a:spcAft>
+                <a:spcPts val="0"/>
+              </a:spcAft>
+              <a:buNone/>
+            </a:pPr>
+            <a:r>
+              <a:rPr lang="en"/>
+              <a:t>Data Analysis</a:t>
+            </a:r>
+            <a:endParaRPr/>
+          </a:p>
+        </p:txBody>
+      </p:sp>
+      <p:sp>
+        <p:nvSpPr>
+          <p:cNvPr id="81" name="Google Shape;81;p16"/>
+          <p:cNvSpPr txBox="1"/>
+          <p:nvPr>
+            <p:ph idx="12" type="sldNum"/>
+          </p:nvPr>
+        </p:nvSpPr>
+        <p:spPr>
+          <a:xfrm>
+            <a:off x="8490250" y="4681009"/>
+            <a:ext cx="548700" cy="393600"/>
+          </a:xfrm>
+          <a:prstGeom prst="rect">
+            <a:avLst/>
+          </a:prstGeom>
+        </p:spPr>
+        <p:txBody>
+          <a:bodyPr anchorCtr="0" anchor="ctr" bIns="91425" lIns="91425" spcFirstLastPara="1" rIns="91425" wrap="square" tIns="91425">
+            <a:normAutofit/>
+          </a:bodyPr>
+          <a:lstStyle/>
+          <a:p>
+            <a:pPr indent="0" lvl="0" marL="0" rtl="0" algn="r">
+              <a:spcBef>
+                <a:spcPts val="0"/>
+              </a:spcBef>
+              <a:spcAft>
+                <a:spcPts val="0"/>
+              </a:spcAft>
+              <a:buNone/>
+            </a:pPr>
+            <a:fld id="{00000000-1234-1234-1234-123412341234}" type="slidenum">
+              <a:rPr lang="en"/>
+              <a:t>‹#›</a:t>
+            </a:fld>
+            <a:endParaRPr/>
+          </a:p>
+        </p:txBody>
+      </p:sp>
+      <p:pic>
+        <p:nvPicPr>
+          <p:cNvPr id="82" name="Google Shape;82;p16"/>
+          <p:cNvPicPr preferRelativeResize="0"/>
+          <p:nvPr/>
+        </p:nvPicPr>
+        <p:blipFill>
+          <a:blip r:embed="rId3">
+            <a:alphaModFix/>
+          </a:blip>
+          <a:stretch>
+            <a:fillRect/>
+          </a:stretch>
+        </p:blipFill>
+        <p:spPr>
+          <a:xfrm>
+            <a:off x="984100" y="1017725"/>
+            <a:ext cx="7175791" cy="3820975"/>
+          </a:xfrm>
+          <a:prstGeom prst="rect">
+            <a:avLst/>
+          </a:prstGeom>
+          <a:noFill/>
+          <a:ln>
+            <a:noFill/>
+          </a:ln>
+        </p:spPr>
+      </p:pic>
+    </p:spTree>
+  </p:cSld>
+  <p:clrMapOvr>
+    <a:masterClrMapping/>
+  </p:clrMapOvr>
+</p:sld>
+</file>
+
+<file path=ppt/slides/slide5.xml><?xml version="1.0" encoding="utf-8"?>
+<p:sld xmlns:a="http://schemas.openxmlformats.org/drawingml/2006/main" xmlns:r="http://schemas.openxmlformats.org/officeDocument/2006/relationships" xmlns:mc="http://schemas.openxmlformats.org/markup-compatibility/2006" xmlns:mv="urn:schemas-microsoft-com:mac:vml" xmlns:p="http://schemas.openxmlformats.org/presentationml/2006/main" xmlns:c="http://schemas.openxmlformats.org/drawingml/2006/chart" xmlns:dgm="http://schemas.openxmlformats.org/drawingml/2006/diagram" xmlns:o="urn:schemas-microsoft-com:office:office" xmlns:v="urn:schemas-microsoft-com:vml" xmlns:pvml="urn:schemas-microsoft-com:office:powerpoint" xmlns:com="http://schemas.openxmlformats.org/drawingml/2006/compatibility" xmlns:p14="http://schemas.microsoft.com/office/powerpoint/2010/main" xmlns:p15="http://schemas.microsoft.com/office/powerpoint/2012/main" xmlns:ahyp="http://schemas.microsoft.com/office/drawing/2018/hyperlinkcolor">
+  <p:cSld>
+    <p:spTree>
+      <p:nvGrpSpPr>
+        <p:cNvPr id="86" name="Shape 86"/>
+        <p:cNvGrpSpPr/>
+        <p:nvPr/>
+      </p:nvGrpSpPr>
+      <p:grpSpPr>
+        <a:xfrm>
+          <a:off x="0" y="0"/>
+          <a:ext cx="0" cy="0"/>
+          <a:chOff x="0" y="0"/>
+          <a:chExt cx="0" cy="0"/>
+        </a:xfrm>
+      </p:grpSpPr>
+      <p:sp>
+        <p:nvSpPr>
+          <p:cNvPr id="87" name="Google Shape;87;p17"/>
+          <p:cNvSpPr txBox="1"/>
+          <p:nvPr>
+            <p:ph type="title"/>
+          </p:nvPr>
+        </p:nvSpPr>
+        <p:spPr>
+          <a:xfrm>
+            <a:off x="311700" y="445025"/>
+            <a:ext cx="8520600" cy="572700"/>
+          </a:xfrm>
+          <a:prstGeom prst="rect">
+            <a:avLst/>
+          </a:prstGeom>
+        </p:spPr>
+        <p:txBody>
+          <a:bodyPr anchorCtr="0" anchor="t" bIns="91425" lIns="91425" spcFirstLastPara="1" rIns="91425" wrap="square" tIns="91425">
+            <a:normAutofit fontScale="90000"/>
+          </a:bodyPr>
+          <a:lstStyle/>
+          <a:p>
+            <a:pPr indent="0" lvl="0" marL="0" rtl="0" algn="l">
+              <a:spcBef>
+                <a:spcPts val="0"/>
+              </a:spcBef>
+              <a:spcAft>
+                <a:spcPts val="0"/>
+              </a:spcAft>
+              <a:buNone/>
+            </a:pPr>
+            <a:r>
+              <a:rPr lang="en"/>
+              <a:t>Data Analysis</a:t>
+            </a:r>
+            <a:endParaRPr/>
+          </a:p>
+        </p:txBody>
+      </p:sp>
+      <p:sp>
+        <p:nvSpPr>
+          <p:cNvPr id="88" name="Google Shape;88;p17"/>
+          <p:cNvSpPr txBox="1"/>
+          <p:nvPr>
+            <p:ph idx="12" type="sldNum"/>
+          </p:nvPr>
+        </p:nvSpPr>
+        <p:spPr>
+          <a:xfrm>
+            <a:off x="8490250" y="4681009"/>
+            <a:ext cx="548700" cy="393600"/>
+          </a:xfrm>
+          <a:prstGeom prst="rect">
+            <a:avLst/>
+          </a:prstGeom>
+        </p:spPr>
+        <p:txBody>
+          <a:bodyPr anchorCtr="0" anchor="ctr" bIns="91425" lIns="91425" spcFirstLastPara="1" rIns="91425" wrap="square" tIns="91425">
+            <a:normAutofit/>
+          </a:bodyPr>
+          <a:lstStyle/>
+          <a:p>
+            <a:pPr indent="0" lvl="0" marL="0" rtl="0" algn="r">
+              <a:spcBef>
+                <a:spcPts val="0"/>
+              </a:spcBef>
+              <a:spcAft>
+                <a:spcPts val="0"/>
+              </a:spcAft>
+              <a:buNone/>
+            </a:pPr>
+            <a:fld id="{00000000-1234-1234-1234-123412341234}" type="slidenum">
+              <a:rPr lang="en"/>
+              <a:t>‹#›</a:t>
+            </a:fld>
+            <a:endParaRPr/>
+          </a:p>
+        </p:txBody>
+      </p:sp>
+      <p:pic>
+        <p:nvPicPr>
+          <p:cNvPr id="89" name="Google Shape;89;p17"/>
+          <p:cNvPicPr preferRelativeResize="0"/>
+          <p:nvPr/>
+        </p:nvPicPr>
+        <p:blipFill>
+          <a:blip r:embed="rId3">
+            <a:alphaModFix/>
+          </a:blip>
+          <a:stretch>
+            <a:fillRect/>
+          </a:stretch>
+        </p:blipFill>
+        <p:spPr>
+          <a:xfrm>
+            <a:off x="123175" y="1170125"/>
+            <a:ext cx="4020624" cy="2987051"/>
+          </a:xfrm>
+          <a:prstGeom prst="rect">
+            <a:avLst/>
+          </a:prstGeom>
+          <a:noFill/>
+          <a:ln>
+            <a:noFill/>
+          </a:ln>
+        </p:spPr>
+      </p:pic>
+      <p:pic>
+        <p:nvPicPr>
+          <p:cNvPr id="90" name="Google Shape;90;p17"/>
+          <p:cNvPicPr preferRelativeResize="0"/>
+          <p:nvPr/>
+        </p:nvPicPr>
+        <p:blipFill>
+          <a:blip r:embed="rId4">
+            <a:alphaModFix/>
+          </a:blip>
+          <a:stretch>
+            <a:fillRect/>
+          </a:stretch>
+        </p:blipFill>
+        <p:spPr>
+          <a:xfrm>
+            <a:off x="4897499" y="1174625"/>
+            <a:ext cx="4020625" cy="2978038"/>
+          </a:xfrm>
+          <a:prstGeom prst="rect">
+            <a:avLst/>
+          </a:prstGeom>
+          <a:noFill/>
+          <a:ln>
+            <a:noFill/>
+          </a:ln>
+        </p:spPr>
+      </p:pic>
+      <p:cxnSp>
+        <p:nvCxnSpPr>
+          <p:cNvPr id="91" name="Google Shape;91;p17"/>
+          <p:cNvCxnSpPr>
+            <a:stCxn id="89" idx="3"/>
+            <a:endCxn id="90" idx="1"/>
+          </p:cNvCxnSpPr>
+          <p:nvPr/>
+        </p:nvCxnSpPr>
+        <p:spPr>
+          <a:xfrm>
+            <a:off x="4143799" y="2663650"/>
+            <a:ext cx="753600" cy="0"/>
+          </a:xfrm>
+          <a:prstGeom prst="straightConnector1">
+            <a:avLst/>
+          </a:prstGeom>
+          <a:noFill/>
+          <a:ln cap="flat" cmpd="sng" w="28575">
+            <a:solidFill>
+              <a:schemeClr val="dk2"/>
+            </a:solidFill>
+            <a:prstDash val="solid"/>
+            <a:round/>
+            <a:headEnd len="med" w="med" type="none"/>
+            <a:tailEnd len="med" w="med" type="triangle"/>
+          </a:ln>
+        </p:spPr>
+      </p:cxnSp>
+    </p:spTree>
+  </p:cSld>
+  <p:clrMapOvr>
+    <a:masterClrMapping/>
+  </p:clrMapOvr>
+</p:sld>
+</file>
+
+<file path=ppt/slides/slide6.xml><?xml version="1.0" encoding="utf-8"?>
+<p:sld xmlns:a="http://schemas.openxmlformats.org/drawingml/2006/main" xmlns:r="http://schemas.openxmlformats.org/officeDocument/2006/relationships" xmlns:mc="http://schemas.openxmlformats.org/markup-compatibility/2006" xmlns:mv="urn:schemas-microsoft-com:mac:vml" xmlns:p="http://schemas.openxmlformats.org/presentationml/2006/main" xmlns:c="http://schemas.openxmlformats.org/drawingml/2006/chart" xmlns:dgm="http://schemas.openxmlformats.org/drawingml/2006/diagram" xmlns:o="urn:schemas-microsoft-com:office:office" xmlns:v="urn:schemas-microsoft-com:vml" xmlns:pvml="urn:schemas-microsoft-com:office:powerpoint" xmlns:com="http://schemas.openxmlformats.org/drawingml/2006/compatibility" xmlns:p14="http://schemas.microsoft.com/office/powerpoint/2010/main" xmlns:p15="http://schemas.microsoft.com/office/powerpoint/2012/main" xmlns:ahyp="http://schemas.microsoft.com/office/drawing/2018/hyperlinkcolor">
+  <p:cSld>
+    <p:spTree>
+      <p:nvGrpSpPr>
+        <p:cNvPr id="95" name="Shape 95"/>
+        <p:cNvGrpSpPr/>
+        <p:nvPr/>
+      </p:nvGrpSpPr>
+      <p:grpSpPr>
+        <a:xfrm>
+          <a:off x="0" y="0"/>
+          <a:ext cx="0" cy="0"/>
+          <a:chOff x="0" y="0"/>
+          <a:chExt cx="0" cy="0"/>
+        </a:xfrm>
+      </p:grpSpPr>
+      <p:sp>
+        <p:nvSpPr>
+          <p:cNvPr id="96" name="Google Shape;96;p18"/>
+          <p:cNvSpPr txBox="1"/>
+          <p:nvPr>
+            <p:ph type="title"/>
+          </p:nvPr>
+        </p:nvSpPr>
+        <p:spPr>
+          <a:xfrm>
+            <a:off x="311700" y="555600"/>
+            <a:ext cx="2808000" cy="755700"/>
+          </a:xfrm>
+          <a:prstGeom prst="rect">
+            <a:avLst/>
+          </a:prstGeom>
+        </p:spPr>
+        <p:txBody>
+          <a:bodyPr anchorCtr="0" anchor="b" bIns="91425" lIns="91425" spcFirstLastPara="1" rIns="91425" wrap="square" tIns="91425">
+            <a:normAutofit/>
+          </a:bodyPr>
+          <a:lstStyle/>
+          <a:p>
+            <a:pPr indent="0" lvl="0" marL="0" rtl="0" algn="l">
+              <a:spcBef>
+                <a:spcPts val="0"/>
+              </a:spcBef>
+              <a:spcAft>
+                <a:spcPts val="0"/>
+              </a:spcAft>
+              <a:buNone/>
+            </a:pPr>
+            <a:r>
+              <a:rPr lang="en"/>
+              <a:t>Pre-processing Pipeline</a:t>
+            </a:r>
+            <a:endParaRPr/>
+          </a:p>
+        </p:txBody>
+      </p:sp>
+      <p:pic>
+        <p:nvPicPr>
+          <p:cNvPr id="97" name="Google Shape;97;p18"/>
+          <p:cNvPicPr preferRelativeResize="0"/>
+          <p:nvPr/>
+        </p:nvPicPr>
+        <p:blipFill>
+          <a:blip r:embed="rId3">
+            <a:alphaModFix/>
+          </a:blip>
+          <a:stretch>
+            <a:fillRect/>
+          </a:stretch>
+        </p:blipFill>
+        <p:spPr>
+          <a:xfrm>
+            <a:off x="4957354" y="445024"/>
+            <a:ext cx="3203575" cy="4517875"/>
+          </a:xfrm>
+          <a:prstGeom prst="rect">
+            <a:avLst/>
+          </a:prstGeom>
+          <a:noFill/>
+          <a:ln>
+            <a:noFill/>
+          </a:ln>
+        </p:spPr>
+      </p:pic>
+      <p:sp>
+        <p:nvSpPr>
+          <p:cNvPr id="98" name="Google Shape;98;p18"/>
+          <p:cNvSpPr txBox="1"/>
+          <p:nvPr>
+            <p:ph idx="1" type="body"/>
+          </p:nvPr>
+        </p:nvSpPr>
+        <p:spPr>
+          <a:xfrm>
+            <a:off x="311700" y="1389600"/>
+            <a:ext cx="2808000" cy="3179400"/>
+          </a:xfrm>
+          <a:prstGeom prst="rect">
+            <a:avLst/>
+          </a:prstGeom>
+        </p:spPr>
+        <p:txBody>
+          <a:bodyPr anchorCtr="0" anchor="t" bIns="91425" lIns="91425" spcFirstLastPara="1" rIns="91425" wrap="square" tIns="91425">
+            <a:normAutofit/>
+          </a:bodyPr>
+          <a:lstStyle/>
+          <a:p>
+            <a:pPr indent="0" lvl="0" marL="0" rtl="0" algn="l">
+              <a:spcBef>
+                <a:spcPts val="0"/>
+              </a:spcBef>
+              <a:spcAft>
+                <a:spcPts val="0"/>
+              </a:spcAft>
+              <a:buNone/>
+            </a:pPr>
+            <a:r>
+              <a:rPr lang="en" sz="1400"/>
+              <a:t>Initial features:</a:t>
+            </a:r>
+            <a:endParaRPr sz="1400"/>
+          </a:p>
+          <a:p>
+            <a:pPr indent="-317500" lvl="0" marL="457200" rtl="0" algn="l">
+              <a:spcBef>
+                <a:spcPts val="1200"/>
+              </a:spcBef>
+              <a:spcAft>
+                <a:spcPts val="0"/>
+              </a:spcAft>
+              <a:buSzPts val="1400"/>
+              <a:buChar char="-"/>
+            </a:pPr>
+            <a:r>
+              <a:rPr lang="en" sz="1400"/>
+              <a:t>Id</a:t>
+            </a:r>
+            <a:endParaRPr sz="1400"/>
+          </a:p>
+          <a:p>
+            <a:pPr indent="-317500" lvl="0" marL="457200" rtl="0" algn="l">
+              <a:spcBef>
+                <a:spcPts val="0"/>
+              </a:spcBef>
+              <a:spcAft>
+                <a:spcPts val="0"/>
+              </a:spcAft>
+              <a:buSzPts val="1400"/>
+              <a:buChar char="-"/>
+            </a:pPr>
+            <a:r>
+              <a:rPr lang="en" sz="1400"/>
+              <a:t>ProductId</a:t>
+            </a:r>
+            <a:endParaRPr sz="1400"/>
+          </a:p>
+          <a:p>
+            <a:pPr indent="-317500" lvl="0" marL="457200" rtl="0" algn="l">
+              <a:spcBef>
+                <a:spcPts val="0"/>
+              </a:spcBef>
+              <a:spcAft>
+                <a:spcPts val="0"/>
+              </a:spcAft>
+              <a:buSzPts val="1400"/>
+              <a:buChar char="-"/>
+            </a:pPr>
+            <a:r>
+              <a:rPr lang="en" sz="1400"/>
+              <a:t>UserId</a:t>
+            </a:r>
+            <a:endParaRPr sz="1400"/>
+          </a:p>
+          <a:p>
+            <a:pPr indent="-317500" lvl="0" marL="457200" rtl="0" algn="l">
+              <a:spcBef>
+                <a:spcPts val="0"/>
+              </a:spcBef>
+              <a:spcAft>
+                <a:spcPts val="0"/>
+              </a:spcAft>
+              <a:buSzPts val="1400"/>
+              <a:buChar char="-"/>
+            </a:pPr>
+            <a:r>
+              <a:rPr lang="en" sz="1400"/>
+              <a:t>ProfileName</a:t>
+            </a:r>
+            <a:endParaRPr sz="1400"/>
+          </a:p>
+          <a:p>
+            <a:pPr indent="-317500" lvl="0" marL="457200" rtl="0" algn="l">
+              <a:spcBef>
+                <a:spcPts val="0"/>
+              </a:spcBef>
+              <a:spcAft>
+                <a:spcPts val="0"/>
+              </a:spcAft>
+              <a:buSzPts val="1400"/>
+              <a:buChar char="-"/>
+            </a:pPr>
+            <a:r>
+              <a:rPr lang="en" sz="1400"/>
+              <a:t>HelpfulnessNumerator</a:t>
+            </a:r>
+            <a:endParaRPr sz="1400"/>
+          </a:p>
+          <a:p>
+            <a:pPr indent="-317500" lvl="0" marL="457200" rtl="0" algn="l">
+              <a:spcBef>
+                <a:spcPts val="0"/>
+              </a:spcBef>
+              <a:spcAft>
+                <a:spcPts val="0"/>
+              </a:spcAft>
+              <a:buSzPts val="1400"/>
+              <a:buChar char="-"/>
+            </a:pPr>
+            <a:r>
+              <a:rPr lang="en" sz="1400"/>
+              <a:t>HelpfulnessDenominator</a:t>
+            </a:r>
+            <a:endParaRPr sz="1400"/>
+          </a:p>
+          <a:p>
+            <a:pPr indent="-317500" lvl="0" marL="457200" rtl="0" algn="l">
+              <a:spcBef>
+                <a:spcPts val="0"/>
+              </a:spcBef>
+              <a:spcAft>
+                <a:spcPts val="0"/>
+              </a:spcAft>
+              <a:buSzPts val="1400"/>
+              <a:buChar char="-"/>
+            </a:pPr>
+            <a:r>
+              <a:rPr lang="en" sz="1400"/>
+              <a:t>Score</a:t>
+            </a:r>
+            <a:endParaRPr sz="1400"/>
+          </a:p>
+          <a:p>
+            <a:pPr indent="-317500" lvl="0" marL="457200" rtl="0" algn="l">
+              <a:spcBef>
+                <a:spcPts val="0"/>
+              </a:spcBef>
+              <a:spcAft>
+                <a:spcPts val="0"/>
+              </a:spcAft>
+              <a:buSzPts val="1400"/>
+              <a:buChar char="-"/>
+            </a:pPr>
+            <a:r>
+              <a:rPr lang="en" sz="1400"/>
+              <a:t>Time</a:t>
+            </a:r>
+            <a:endParaRPr sz="1400"/>
+          </a:p>
+          <a:p>
+            <a:pPr indent="-317500" lvl="0" marL="457200" rtl="0" algn="l">
+              <a:spcBef>
+                <a:spcPts val="0"/>
+              </a:spcBef>
+              <a:spcAft>
+                <a:spcPts val="0"/>
+              </a:spcAft>
+              <a:buSzPts val="1400"/>
+              <a:buChar char="-"/>
+            </a:pPr>
+            <a:r>
+              <a:rPr lang="en" sz="1400"/>
+              <a:t>Summary</a:t>
+            </a:r>
+            <a:endParaRPr sz="1400"/>
+          </a:p>
+          <a:p>
+            <a:pPr indent="-317500" lvl="0" marL="457200" rtl="0" algn="l">
+              <a:spcBef>
+                <a:spcPts val="0"/>
+              </a:spcBef>
+              <a:spcAft>
+                <a:spcPts val="0"/>
+              </a:spcAft>
+              <a:buSzPts val="1400"/>
+              <a:buChar char="-"/>
+            </a:pPr>
+            <a:r>
+              <a:rPr lang="en" sz="1400"/>
+              <a:t>Text</a:t>
+            </a:r>
+            <a:endParaRPr sz="1400"/>
+          </a:p>
+        </p:txBody>
+      </p:sp>
+      <p:sp>
+        <p:nvSpPr>
+          <p:cNvPr id="99" name="Google Shape;99;p18"/>
+          <p:cNvSpPr txBox="1"/>
+          <p:nvPr>
+            <p:ph idx="12" type="sldNum"/>
+          </p:nvPr>
+        </p:nvSpPr>
+        <p:spPr>
+          <a:xfrm>
+            <a:off x="8490250" y="4681009"/>
+            <a:ext cx="548700" cy="393600"/>
+          </a:xfrm>
+          <a:prstGeom prst="rect">
+            <a:avLst/>
+          </a:prstGeom>
+        </p:spPr>
+        <p:txBody>
+          <a:bodyPr anchorCtr="0" anchor="ctr" bIns="91425" lIns="91425" spcFirstLastPara="1" rIns="91425" wrap="square" tIns="91425">
+            <a:normAutofit/>
+          </a:bodyPr>
+          <a:lstStyle/>
+          <a:p>
+            <a:pPr indent="0" lvl="0" marL="0" rtl="0" algn="r">
+              <a:spcBef>
+                <a:spcPts val="0"/>
+              </a:spcBef>
+              <a:spcAft>
+                <a:spcPts val="0"/>
+              </a:spcAft>
+              <a:buNone/>
+            </a:pPr>
+            <a:fld id="{00000000-1234-1234-1234-123412341234}" type="slidenum">
+              <a:rPr lang="en"/>
+              <a:t>‹#›</a:t>
+            </a:fld>
+            <a:endParaRPr/>
+          </a:p>
+        </p:txBody>
+      </p:sp>
+    </p:spTree>
+  </p:cSld>
+  <p:clrMapOvr>
+    <a:masterClrMapping/>
+  </p:clrMapOvr>
+</p:sld>
+</file>
+
+<file path=ppt/slides/slide7.xml><?xml version="1.0" encoding="utf-8"?>
+<p:sld xmlns:a="http://schemas.openxmlformats.org/drawingml/2006/main" xmlns:r="http://schemas.openxmlformats.org/officeDocument/2006/relationships" xmlns:mc="http://schemas.openxmlformats.org/markup-compatibility/2006" xmlns:mv="urn:schemas-microsoft-com:mac:vml" xmlns:p="http://schemas.openxmlformats.org/presentationml/2006/main" xmlns:c="http://schemas.openxmlformats.org/drawingml/2006/chart" xmlns:dgm="http://schemas.openxmlformats.org/drawingml/2006/diagram" xmlns:o="urn:schemas-microsoft-com:office:office" xmlns:v="urn:schemas-microsoft-com:vml" xmlns:pvml="urn:schemas-microsoft-com:office:powerpoint" xmlns:com="http://schemas.openxmlformats.org/drawingml/2006/compatibility" xmlns:p14="http://schemas.microsoft.com/office/powerpoint/2010/main" xmlns:p15="http://schemas.microsoft.com/office/powerpoint/2012/main" xmlns:ahyp="http://schemas.microsoft.com/office/drawing/2018/hyperlinkcolor">
+  <p:cSld>
+    <p:spTree>
+      <p:nvGrpSpPr>
+        <p:cNvPr id="103" name="Shape 103"/>
+        <p:cNvGrpSpPr/>
+        <p:nvPr/>
+      </p:nvGrpSpPr>
+      <p:grpSpPr>
+        <a:xfrm>
+          <a:off x="0" y="0"/>
+          <a:ext cx="0" cy="0"/>
+          <a:chOff x="0" y="0"/>
+          <a:chExt cx="0" cy="0"/>
+        </a:xfrm>
+      </p:grpSpPr>
+      <p:sp>
+        <p:nvSpPr>
+          <p:cNvPr id="104" name="Google Shape;104;p19"/>
+          <p:cNvSpPr txBox="1"/>
+          <p:nvPr>
+            <p:ph type="title"/>
+          </p:nvPr>
+        </p:nvSpPr>
+        <p:spPr>
+          <a:xfrm>
+            <a:off x="311700" y="445025"/>
+            <a:ext cx="8520600" cy="572700"/>
+          </a:xfrm>
+          <a:prstGeom prst="rect">
+            <a:avLst/>
+          </a:prstGeom>
+        </p:spPr>
+        <p:txBody>
+          <a:bodyPr anchorCtr="0" anchor="t" bIns="91425" lIns="91425" spcFirstLastPara="1" rIns="91425" wrap="square" tIns="91425">
+            <a:normAutofit fontScale="90000"/>
+          </a:bodyPr>
+          <a:lstStyle/>
+          <a:p>
+            <a:pPr indent="0" lvl="0" marL="0" rtl="0" algn="l">
+              <a:spcBef>
+                <a:spcPts val="0"/>
+              </a:spcBef>
+              <a:spcAft>
+                <a:spcPts val="0"/>
+              </a:spcAft>
+              <a:buNone/>
+            </a:pPr>
+            <a:r>
+              <a:rPr lang="en"/>
+              <a:t>Models Performances and hyperparameters</a:t>
+            </a:r>
+            <a:endParaRPr/>
+          </a:p>
+        </p:txBody>
+      </p:sp>
+      <p:graphicFrame>
+        <p:nvGraphicFramePr>
+          <p:cNvPr id="105" name="Google Shape;105;p19"/>
+          <p:cNvGraphicFramePr/>
+          <p:nvPr/>
+        </p:nvGraphicFramePr>
+        <p:xfrm>
+          <a:off x="425700" y="1470725"/>
+          <a:ext cx="3000000" cy="3000000"/>
+        </p:xfrm>
+        <a:graphic>
+          <a:graphicData uri="http://schemas.openxmlformats.org/drawingml/2006/table">
+            <a:tbl>
+              <a:tblPr>
+                <a:noFill/>
+                <a:tableStyleId>{C3D4E4CD-E16E-434F-B8B0-35DC26B2A438}</a:tableStyleId>
+              </a:tblPr>
+              <a:tblGrid>
+                <a:gridCol w="1468550"/>
+                <a:gridCol w="908075"/>
+                <a:gridCol w="1111575"/>
+                <a:gridCol w="1111575"/>
+                <a:gridCol w="1111575"/>
+                <a:gridCol w="1111575"/>
+                <a:gridCol w="1338050"/>
+              </a:tblGrid>
+              <a:tr h="493900">
+                <a:tc rowSpan="2">
+                  <a:txBody>
+                    <a:bodyPr/>
+                    <a:lstStyle/>
+                    <a:p>
+                      <a:pPr indent="0" lvl="0" marL="0" rtl="0" algn="l">
+                        <a:lnSpc>
+                          <a:spcPct val="115000"/>
+                        </a:lnSpc>
+                        <a:spcBef>
+                          <a:spcPts val="0"/>
+                        </a:spcBef>
+                        <a:spcAft>
+                          <a:spcPts val="0"/>
+                        </a:spcAft>
+                        <a:buNone/>
+                      </a:pPr>
+                      <a:r>
+                        <a:rPr lang="en">
+                          <a:solidFill>
+                            <a:schemeClr val="dk1"/>
+                          </a:solidFill>
+                        </a:rPr>
+                        <a:t>Model</a:t>
+                      </a:r>
+                      <a:endParaRPr>
+                        <a:solidFill>
+                          <a:schemeClr val="dk1"/>
+                        </a:solidFill>
+                      </a:endParaRPr>
+                    </a:p>
+                  </a:txBody>
+                  <a:tcPr marT="19050" marB="19050" marR="28575" marL="28575" anchor="b">
+                    <a:lnL cap="flat" cmpd="sng" w="9525">
+                      <a:solidFill>
+                        <a:srgbClr val="CCCCCC"/>
+                      </a:solidFill>
+                      <a:prstDash val="solid"/>
+                      <a:round/>
+                      <a:headEnd len="sm" w="sm" type="none"/>
+                      <a:tailEnd len="sm" w="sm" type="none"/>
+                    </a:lnL>
+                    <a:lnR cap="flat" cmpd="sng" w="9525">
+                      <a:solidFill>
+                        <a:srgbClr val="CCCCCC"/>
+                      </a:solidFill>
+                      <a:prstDash val="solid"/>
+                      <a:round/>
+                      <a:headEnd len="sm" w="sm" type="none"/>
+                      <a:tailEnd len="sm" w="sm" type="none"/>
+                    </a:lnR>
+                    <a:lnT cap="flat" cmpd="sng" w="9525">
+                      <a:solidFill>
+                        <a:srgbClr val="CCCCCC"/>
+                      </a:solidFill>
+                      <a:prstDash val="solid"/>
+                      <a:round/>
+                      <a:headEnd len="sm" w="sm" type="none"/>
+                      <a:tailEnd len="sm" w="sm" type="none"/>
+                    </a:lnT>
+                    <a:lnB cap="flat" cmpd="sng" w="9525">
+                      <a:solidFill>
+                        <a:srgbClr val="CCCCCC"/>
+                      </a:solidFill>
+                      <a:prstDash val="solid"/>
+                      <a:round/>
+                      <a:headEnd len="sm" w="sm" type="none"/>
+                      <a:tailEnd len="sm" w="sm" type="none"/>
+                    </a:lnB>
+                  </a:tcPr>
+                </a:tc>
+                <a:tc rowSpan="2">
+                  <a:txBody>
+                    <a:bodyPr/>
+                    <a:lstStyle/>
+                    <a:p>
+                      <a:pPr indent="0" lvl="0" marL="0" rtl="0" algn="l">
+                        <a:lnSpc>
+                          <a:spcPct val="115000"/>
+                        </a:lnSpc>
+                        <a:spcBef>
+                          <a:spcPts val="0"/>
+                        </a:spcBef>
+                        <a:spcAft>
+                          <a:spcPts val="0"/>
+                        </a:spcAft>
+                        <a:buNone/>
+                      </a:pPr>
+                      <a:r>
+                        <a:rPr lang="en">
+                          <a:solidFill>
+                            <a:schemeClr val="dk1"/>
+                          </a:solidFill>
+                        </a:rPr>
+                        <a:t>Dataset size</a:t>
+                      </a:r>
+                      <a:endParaRPr>
+                        <a:solidFill>
+                          <a:schemeClr val="dk1"/>
+                        </a:solidFill>
+                      </a:endParaRPr>
+                    </a:p>
+                  </a:txBody>
+                  <a:tcPr marT="19050" marB="19050" marR="28575" marL="28575" anchor="b">
+                    <a:lnL cap="flat" cmpd="sng" w="9525">
+                      <a:solidFill>
+                        <a:srgbClr val="CCCCCC"/>
+                      </a:solidFill>
+                      <a:prstDash val="solid"/>
+                      <a:round/>
+                      <a:headEnd len="sm" w="sm" type="none"/>
+                      <a:tailEnd len="sm" w="sm" type="none"/>
+                    </a:lnL>
+                    <a:lnR cap="flat" cmpd="sng" w="9525">
+                      <a:solidFill>
+                        <a:srgbClr val="CCCCCC"/>
+                      </a:solidFill>
+                      <a:prstDash val="solid"/>
+                      <a:round/>
+                      <a:headEnd len="sm" w="sm" type="none"/>
+                      <a:tailEnd len="sm" w="sm" type="none"/>
+                    </a:lnR>
+                    <a:lnT cap="flat" cmpd="sng" w="9525">
+                      <a:solidFill>
+                        <a:srgbClr val="CCCCCC"/>
+                      </a:solidFill>
+                      <a:prstDash val="solid"/>
+                      <a:round/>
+                      <a:headEnd len="sm" w="sm" type="none"/>
+                      <a:tailEnd len="sm" w="sm" type="none"/>
+                    </a:lnT>
+                    <a:lnB cap="flat" cmpd="sng" w="9525">
+                      <a:solidFill>
+                        <a:srgbClr val="CCCCCC"/>
+                      </a:solidFill>
+                      <a:prstDash val="solid"/>
+                      <a:round/>
+                      <a:headEnd len="sm" w="sm" type="none"/>
+                      <a:tailEnd len="sm" w="sm" type="none"/>
+                    </a:lnB>
+                  </a:tcPr>
+                </a:tc>
+                <a:tc rowSpan="2">
+                  <a:txBody>
+                    <a:bodyPr/>
+                    <a:lstStyle/>
+                    <a:p>
+                      <a:pPr indent="0" lvl="0" marL="0" rtl="0" algn="l">
+                        <a:lnSpc>
+                          <a:spcPct val="115000"/>
+                        </a:lnSpc>
+                        <a:spcBef>
+                          <a:spcPts val="0"/>
+                        </a:spcBef>
+                        <a:spcAft>
+                          <a:spcPts val="0"/>
+                        </a:spcAft>
+                        <a:buNone/>
+                      </a:pPr>
+                      <a:r>
+                        <a:rPr lang="en">
+                          <a:solidFill>
+                            <a:schemeClr val="dk1"/>
+                          </a:solidFill>
+                        </a:rPr>
+                        <a:t># Epochs</a:t>
+                      </a:r>
+                      <a:endParaRPr>
+                        <a:solidFill>
+                          <a:schemeClr val="dk1"/>
+                        </a:solidFill>
+                      </a:endParaRPr>
+                    </a:p>
+                  </a:txBody>
+                  <a:tcPr marT="19050" marB="19050" marR="28575" marL="28575" anchor="b">
+                    <a:lnL cap="flat" cmpd="sng" w="9525">
+                      <a:solidFill>
+                        <a:srgbClr val="CCCCCC"/>
+                      </a:solidFill>
+                      <a:prstDash val="solid"/>
+                      <a:round/>
+                      <a:headEnd len="sm" w="sm" type="none"/>
+                      <a:tailEnd len="sm" w="sm" type="none"/>
+                    </a:lnL>
+                    <a:lnR cap="flat" cmpd="sng" w="9525">
+                      <a:solidFill>
+                        <a:srgbClr val="CCCCCC"/>
+                      </a:solidFill>
+                      <a:prstDash val="solid"/>
+                      <a:round/>
+                      <a:headEnd len="sm" w="sm" type="none"/>
+                      <a:tailEnd len="sm" w="sm" type="none"/>
+                    </a:lnR>
+                    <a:lnT cap="flat" cmpd="sng" w="9525">
+                      <a:solidFill>
+                        <a:srgbClr val="CCCCCC"/>
+                      </a:solidFill>
+                      <a:prstDash val="solid"/>
+                      <a:round/>
+                      <a:headEnd len="sm" w="sm" type="none"/>
+                      <a:tailEnd len="sm" w="sm" type="none"/>
+                    </a:lnT>
+                    <a:lnB cap="flat" cmpd="sng" w="9525">
+                      <a:solidFill>
+                        <a:srgbClr val="CCCCCC"/>
+                      </a:solidFill>
+                      <a:prstDash val="solid"/>
+                      <a:round/>
+                      <a:headEnd len="sm" w="sm" type="none"/>
+                      <a:tailEnd len="sm" w="sm" type="none"/>
+                    </a:lnB>
+                  </a:tcPr>
+                </a:tc>
+                <a:tc rowSpan="2">
+                  <a:txBody>
+                    <a:bodyPr/>
+                    <a:lstStyle/>
+                    <a:p>
+                      <a:pPr indent="0" lvl="0" marL="0" rtl="0" algn="l">
+                        <a:lnSpc>
+                          <a:spcPct val="115000"/>
+                        </a:lnSpc>
+                        <a:spcBef>
+                          <a:spcPts val="0"/>
+                        </a:spcBef>
+                        <a:spcAft>
+                          <a:spcPts val="0"/>
+                        </a:spcAft>
+                        <a:buNone/>
+                      </a:pPr>
+                      <a:r>
+                        <a:rPr lang="en">
+                          <a:solidFill>
+                            <a:schemeClr val="dk1"/>
+                          </a:solidFill>
+                        </a:rPr>
+                        <a:t>Optimizer</a:t>
+                      </a:r>
+                      <a:endParaRPr>
+                        <a:solidFill>
+                          <a:schemeClr val="dk1"/>
+                        </a:solidFill>
+                      </a:endParaRPr>
+                    </a:p>
+                  </a:txBody>
+                  <a:tcPr marT="19050" marB="19050" marR="28575" marL="28575" anchor="b">
+                    <a:lnL cap="flat" cmpd="sng" w="9525">
+                      <a:solidFill>
+                        <a:srgbClr val="CCCCCC"/>
+                      </a:solidFill>
+                      <a:prstDash val="solid"/>
+                      <a:round/>
+                      <a:headEnd len="sm" w="sm" type="none"/>
+                      <a:tailEnd len="sm" w="sm" type="none"/>
+                    </a:lnL>
+                    <a:lnR cap="flat" cmpd="sng" w="9525">
+                      <a:solidFill>
+                        <a:srgbClr val="CCCCCC"/>
+                      </a:solidFill>
+                      <a:prstDash val="solid"/>
+                      <a:round/>
+                      <a:headEnd len="sm" w="sm" type="none"/>
+                      <a:tailEnd len="sm" w="sm" type="none"/>
+                    </a:lnR>
+                    <a:lnT cap="flat" cmpd="sng" w="9525">
+                      <a:solidFill>
+                        <a:srgbClr val="CCCCCC"/>
+                      </a:solidFill>
+                      <a:prstDash val="solid"/>
+                      <a:round/>
+                      <a:headEnd len="sm" w="sm" type="none"/>
+                      <a:tailEnd len="sm" w="sm" type="none"/>
+                    </a:lnT>
+                    <a:lnB cap="flat" cmpd="sng" w="9525">
+                      <a:solidFill>
+                        <a:srgbClr val="CCCCCC"/>
+                      </a:solidFill>
+                      <a:prstDash val="solid"/>
+                      <a:round/>
+                      <a:headEnd len="sm" w="sm" type="none"/>
+                      <a:tailEnd len="sm" w="sm" type="none"/>
+                    </a:lnB>
+                  </a:tcPr>
+                </a:tc>
+                <a:tc rowSpan="2">
+                  <a:txBody>
+                    <a:bodyPr/>
+                    <a:lstStyle/>
+                    <a:p>
+                      <a:pPr indent="0" lvl="0" marL="0" rtl="0" algn="l">
+                        <a:lnSpc>
+                          <a:spcPct val="115000"/>
+                        </a:lnSpc>
+                        <a:spcBef>
+                          <a:spcPts val="0"/>
+                        </a:spcBef>
+                        <a:spcAft>
+                          <a:spcPts val="0"/>
+                        </a:spcAft>
+                        <a:buNone/>
+                      </a:pPr>
+                      <a:r>
+                        <a:rPr lang="en">
+                          <a:solidFill>
+                            <a:schemeClr val="dk1"/>
+                          </a:solidFill>
+                        </a:rPr>
+                        <a:t>Learning Rate</a:t>
+                      </a:r>
+                      <a:endParaRPr>
+                        <a:solidFill>
+                          <a:schemeClr val="dk1"/>
+                        </a:solidFill>
+                      </a:endParaRPr>
+                    </a:p>
+                  </a:txBody>
+                  <a:tcPr marT="19050" marB="19050" marR="28575" marL="28575" anchor="b">
+                    <a:lnL cap="flat" cmpd="sng" w="9525">
+                      <a:solidFill>
+                        <a:srgbClr val="CCCCCC"/>
+                      </a:solidFill>
+                      <a:prstDash val="solid"/>
+                      <a:round/>
+                      <a:headEnd len="sm" w="sm" type="none"/>
+                      <a:tailEnd len="sm" w="sm" type="none"/>
+                    </a:lnL>
+                    <a:lnR cap="flat" cmpd="sng" w="9525">
+                      <a:solidFill>
+                        <a:srgbClr val="CCCCCC"/>
+                      </a:solidFill>
+                      <a:prstDash val="solid"/>
+                      <a:round/>
+                      <a:headEnd len="sm" w="sm" type="none"/>
+                      <a:tailEnd len="sm" w="sm" type="none"/>
+                    </a:lnR>
+                    <a:lnT cap="flat" cmpd="sng" w="9525">
+                      <a:solidFill>
+                        <a:srgbClr val="CCCCCC"/>
+                      </a:solidFill>
+                      <a:prstDash val="solid"/>
+                      <a:round/>
+                      <a:headEnd len="sm" w="sm" type="none"/>
+                      <a:tailEnd len="sm" w="sm" type="none"/>
+                    </a:lnT>
+                    <a:lnB cap="flat" cmpd="sng" w="9525">
+                      <a:solidFill>
+                        <a:srgbClr val="CCCCCC"/>
+                      </a:solidFill>
+                      <a:prstDash val="solid"/>
+                      <a:round/>
+                      <a:headEnd len="sm" w="sm" type="none"/>
+                      <a:tailEnd len="sm" w="sm" type="none"/>
+                    </a:lnB>
+                  </a:tcPr>
+                </a:tc>
+                <a:tc rowSpan="2">
+                  <a:txBody>
+                    <a:bodyPr/>
+                    <a:lstStyle/>
+                    <a:p>
+                      <a:pPr indent="0" lvl="0" marL="0" rtl="0" algn="l">
+                        <a:lnSpc>
+                          <a:spcPct val="115000"/>
+                        </a:lnSpc>
+                        <a:spcBef>
+                          <a:spcPts val="0"/>
+                        </a:spcBef>
+                        <a:spcAft>
+                          <a:spcPts val="0"/>
+                        </a:spcAft>
+                        <a:buNone/>
+                      </a:pPr>
+                      <a:r>
+                        <a:rPr lang="en">
+                          <a:solidFill>
+                            <a:schemeClr val="dk1"/>
+                          </a:solidFill>
+                        </a:rPr>
+                        <a:t>Batch size</a:t>
+                      </a:r>
+                      <a:endParaRPr>
+                        <a:solidFill>
+                          <a:schemeClr val="dk1"/>
+                        </a:solidFill>
+                      </a:endParaRPr>
+                    </a:p>
+                  </a:txBody>
+                  <a:tcPr marT="19050" marB="19050" marR="28575" marL="28575" anchor="b">
+                    <a:lnL cap="flat" cmpd="sng" w="9525">
+                      <a:solidFill>
+                        <a:srgbClr val="CCCCCC"/>
+                      </a:solidFill>
+                      <a:prstDash val="solid"/>
+                      <a:round/>
+                      <a:headEnd len="sm" w="sm" type="none"/>
+                      <a:tailEnd len="sm" w="sm" type="none"/>
+                    </a:lnL>
+                    <a:lnR cap="flat" cmpd="sng" w="9525">
+                      <a:solidFill>
+                        <a:srgbClr val="CCCCCC"/>
+                      </a:solidFill>
+                      <a:prstDash val="solid"/>
+                      <a:round/>
+                      <a:headEnd len="sm" w="sm" type="none"/>
+                      <a:tailEnd len="sm" w="sm" type="none"/>
+                    </a:lnR>
+                    <a:lnT cap="flat" cmpd="sng" w="9525">
+                      <a:solidFill>
+                        <a:srgbClr val="CCCCCC"/>
+                      </a:solidFill>
+                      <a:prstDash val="solid"/>
+                      <a:round/>
+                      <a:headEnd len="sm" w="sm" type="none"/>
+                      <a:tailEnd len="sm" w="sm" type="none"/>
+                    </a:lnT>
+                    <a:lnB cap="flat" cmpd="sng" w="9525">
+                      <a:solidFill>
+                        <a:srgbClr val="CCCCCC"/>
+                      </a:solidFill>
+                      <a:prstDash val="solid"/>
+                      <a:round/>
+                      <a:headEnd len="sm" w="sm" type="none"/>
+                      <a:tailEnd len="sm" w="sm" type="none"/>
+                    </a:lnB>
+                  </a:tcPr>
+                </a:tc>
+                <a:tc rowSpan="2">
+                  <a:txBody>
+                    <a:bodyPr/>
+                    <a:lstStyle/>
+                    <a:p>
+                      <a:pPr indent="0" lvl="0" marL="0" rtl="0" algn="l">
+                        <a:lnSpc>
+                          <a:spcPct val="115000"/>
+                        </a:lnSpc>
+                        <a:spcBef>
+                          <a:spcPts val="0"/>
+                        </a:spcBef>
+                        <a:spcAft>
+                          <a:spcPts val="0"/>
+                        </a:spcAft>
+                        <a:buNone/>
+                      </a:pPr>
+                      <a:r>
+                        <a:rPr lang="en">
+                          <a:solidFill>
+                            <a:schemeClr val="dk1"/>
+                          </a:solidFill>
+                        </a:rPr>
+                        <a:t>Test Accuracy</a:t>
+                      </a:r>
+                      <a:endParaRPr>
+                        <a:solidFill>
+                          <a:schemeClr val="dk1"/>
+                        </a:solidFill>
+                      </a:endParaRPr>
+                    </a:p>
+                  </a:txBody>
+                  <a:tcPr marT="19050" marB="19050" marR="28575" marL="28575" anchor="b">
+                    <a:lnL cap="flat" cmpd="sng" w="9525">
+                      <a:solidFill>
+                        <a:srgbClr val="CCCCCC"/>
+                      </a:solidFill>
+                      <a:prstDash val="solid"/>
+                      <a:round/>
+                      <a:headEnd len="sm" w="sm" type="none"/>
+                      <a:tailEnd len="sm" w="sm" type="none"/>
+                    </a:lnL>
+                    <a:lnR cap="flat" cmpd="sng" w="9525">
+                      <a:solidFill>
+                        <a:srgbClr val="CCCCCC"/>
+                      </a:solidFill>
+                      <a:prstDash val="solid"/>
+                      <a:round/>
+                      <a:headEnd len="sm" w="sm" type="none"/>
+                      <a:tailEnd len="sm" w="sm" type="none"/>
+                    </a:lnR>
+                    <a:lnT cap="flat" cmpd="sng" w="9525">
+                      <a:solidFill>
+                        <a:srgbClr val="CCCCCC"/>
+                      </a:solidFill>
+                      <a:prstDash val="solid"/>
+                      <a:round/>
+                      <a:headEnd len="sm" w="sm" type="none"/>
+                      <a:tailEnd len="sm" w="sm" type="none"/>
+                    </a:lnT>
+                    <a:lnB cap="flat" cmpd="sng" w="9525">
+                      <a:solidFill>
+                        <a:srgbClr val="CCCCCC"/>
+                      </a:solidFill>
+                      <a:prstDash val="solid"/>
+                      <a:round/>
+                      <a:headEnd len="sm" w="sm" type="none"/>
+                      <a:tailEnd len="sm" w="sm" type="none"/>
+                    </a:lnB>
+                  </a:tcPr>
+                </a:tc>
+              </a:tr>
+              <a:tr h="530475">
+                <a:tc vMerge="1"/>
+                <a:tc vMerge="1"/>
+                <a:tc vMerge="1"/>
+                <a:tc vMerge="1"/>
+                <a:tc vMerge="1"/>
+                <a:tc vMerge="1"/>
+                <a:tc vMerge="1"/>
+              </a:tr>
+              <a:tr h="530475">
+                <a:tc>
+                  <a:txBody>
+                    <a:bodyPr/>
+                    <a:lstStyle/>
+                    <a:p>
+                      <a:pPr indent="0" lvl="0" marL="0" rtl="0" algn="l">
+                        <a:lnSpc>
+                          <a:spcPct val="115000"/>
+                        </a:lnSpc>
+                        <a:spcBef>
+                          <a:spcPts val="0"/>
+                        </a:spcBef>
+                        <a:spcAft>
+                          <a:spcPts val="0"/>
+                        </a:spcAft>
+                        <a:buNone/>
+                      </a:pPr>
+                      <a:r>
+                        <a:rPr lang="en">
+                          <a:solidFill>
+                            <a:schemeClr val="dk1"/>
+                          </a:solidFill>
+                        </a:rPr>
+                        <a:t>Distilroberta-base</a:t>
+                      </a:r>
+                      <a:endParaRPr>
+                        <a:solidFill>
+                          <a:schemeClr val="dk1"/>
+                        </a:solidFill>
+                      </a:endParaRPr>
+                    </a:p>
+                  </a:txBody>
+                  <a:tcPr marT="19050" marB="19050" marR="28575" marL="28575" anchor="b">
+                    <a:lnL cap="flat" cmpd="sng" w="9525">
+                      <a:solidFill>
+                        <a:srgbClr val="CCCCCC"/>
+                      </a:solidFill>
+                      <a:prstDash val="solid"/>
+                      <a:round/>
+                      <a:headEnd len="sm" w="sm" type="none"/>
+                      <a:tailEnd len="sm" w="sm" type="none"/>
+                    </a:lnL>
+                    <a:lnR cap="flat" cmpd="sng" w="9525">
+                      <a:solidFill>
+                        <a:srgbClr val="CCCCCC"/>
+                      </a:solidFill>
+                      <a:prstDash val="solid"/>
+                      <a:round/>
+                      <a:headEnd len="sm" w="sm" type="none"/>
+                      <a:tailEnd len="sm" w="sm" type="none"/>
+                    </a:lnR>
+                    <a:lnT cap="flat" cmpd="sng" w="9525">
+                      <a:solidFill>
+                        <a:srgbClr val="CCCCCC"/>
+                      </a:solidFill>
+                      <a:prstDash val="solid"/>
+                      <a:round/>
+                      <a:headEnd len="sm" w="sm" type="none"/>
+                      <a:tailEnd len="sm" w="sm" type="none"/>
+                    </a:lnT>
+                    <a:lnB cap="flat" cmpd="sng" w="9525">
+                      <a:solidFill>
+                        <a:srgbClr val="CCCCCC"/>
+                      </a:solidFill>
+                      <a:prstDash val="solid"/>
+                      <a:round/>
+                      <a:headEnd len="sm" w="sm" type="none"/>
+                      <a:tailEnd len="sm" w="sm" type="none"/>
+                    </a:lnB>
+                  </a:tcPr>
+                </a:tc>
+                <a:tc>
+                  <a:txBody>
+                    <a:bodyPr/>
+                    <a:lstStyle/>
+                    <a:p>
+                      <a:pPr indent="0" lvl="0" marL="0" rtl="0" algn="l">
+                        <a:lnSpc>
+                          <a:spcPct val="115000"/>
+                        </a:lnSpc>
+                        <a:spcBef>
+                          <a:spcPts val="0"/>
+                        </a:spcBef>
+                        <a:spcAft>
+                          <a:spcPts val="0"/>
+                        </a:spcAft>
+                        <a:buNone/>
+                      </a:pPr>
+                      <a:r>
+                        <a:rPr lang="en">
+                          <a:solidFill>
+                            <a:schemeClr val="dk1"/>
+                          </a:solidFill>
+                        </a:rPr>
+                        <a:t>15k</a:t>
+                      </a:r>
+                      <a:endParaRPr>
+                        <a:solidFill>
+                          <a:schemeClr val="dk1"/>
+                        </a:solidFill>
+                      </a:endParaRPr>
+                    </a:p>
+                  </a:txBody>
+                  <a:tcPr marT="19050" marB="19050" marR="28575" marL="28575" anchor="b">
+                    <a:lnL cap="flat" cmpd="sng" w="9525">
+                      <a:solidFill>
+                        <a:srgbClr val="CCCCCC"/>
+                      </a:solidFill>
+                      <a:prstDash val="solid"/>
+                      <a:round/>
+                      <a:headEnd len="sm" w="sm" type="none"/>
+                      <a:tailEnd len="sm" w="sm" type="none"/>
+                    </a:lnL>
+                    <a:lnR cap="flat" cmpd="sng" w="9525">
+                      <a:solidFill>
+                        <a:srgbClr val="CCCCCC"/>
+                      </a:solidFill>
+                      <a:prstDash val="solid"/>
+                      <a:round/>
+                      <a:headEnd len="sm" w="sm" type="none"/>
+                      <a:tailEnd len="sm" w="sm" type="none"/>
+                    </a:lnR>
+                    <a:lnT cap="flat" cmpd="sng" w="9525">
+                      <a:solidFill>
+                        <a:srgbClr val="CCCCCC"/>
+                      </a:solidFill>
+                      <a:prstDash val="solid"/>
+                      <a:round/>
+                      <a:headEnd len="sm" w="sm" type="none"/>
+                      <a:tailEnd len="sm" w="sm" type="none"/>
+                    </a:lnT>
+                    <a:lnB cap="flat" cmpd="sng" w="9525">
+                      <a:solidFill>
+                        <a:srgbClr val="CCCCCC"/>
+                      </a:solidFill>
+                      <a:prstDash val="solid"/>
+                      <a:round/>
+                      <a:headEnd len="sm" w="sm" type="none"/>
+                      <a:tailEnd len="sm" w="sm" type="none"/>
+                    </a:lnB>
+                  </a:tcPr>
+                </a:tc>
+                <a:tc>
+                  <a:txBody>
+                    <a:bodyPr/>
+                    <a:lstStyle/>
+                    <a:p>
+                      <a:pPr indent="0" lvl="0" marL="0" rtl="0" algn="l">
+                        <a:lnSpc>
+                          <a:spcPct val="115000"/>
+                        </a:lnSpc>
+                        <a:spcBef>
+                          <a:spcPts val="0"/>
+                        </a:spcBef>
+                        <a:spcAft>
+                          <a:spcPts val="0"/>
+                        </a:spcAft>
+                        <a:buNone/>
+                      </a:pPr>
+                      <a:r>
+                        <a:rPr lang="en">
+                          <a:solidFill>
+                            <a:schemeClr val="dk1"/>
+                          </a:solidFill>
+                        </a:rPr>
+                        <a:t>7</a:t>
+                      </a:r>
+                      <a:endParaRPr>
+                        <a:solidFill>
+                          <a:schemeClr val="dk1"/>
+                        </a:solidFill>
+                      </a:endParaRPr>
+                    </a:p>
+                  </a:txBody>
+                  <a:tcPr marT="19050" marB="19050" marR="28575" marL="28575" anchor="b">
+                    <a:lnL cap="flat" cmpd="sng" w="9525">
+                      <a:solidFill>
+                        <a:srgbClr val="CCCCCC"/>
+                      </a:solidFill>
+                      <a:prstDash val="solid"/>
+                      <a:round/>
+                      <a:headEnd len="sm" w="sm" type="none"/>
+                      <a:tailEnd len="sm" w="sm" type="none"/>
+                    </a:lnL>
+                    <a:lnR cap="flat" cmpd="sng" w="9525">
+                      <a:solidFill>
+                        <a:srgbClr val="CCCCCC"/>
+                      </a:solidFill>
+                      <a:prstDash val="solid"/>
+                      <a:round/>
+                      <a:headEnd len="sm" w="sm" type="none"/>
+                      <a:tailEnd len="sm" w="sm" type="none"/>
+                    </a:lnR>
+                    <a:lnT cap="flat" cmpd="sng" w="9525">
+                      <a:solidFill>
+                        <a:srgbClr val="CCCCCC"/>
+                      </a:solidFill>
+                      <a:prstDash val="solid"/>
+                      <a:round/>
+                      <a:headEnd len="sm" w="sm" type="none"/>
+                      <a:tailEnd len="sm" w="sm" type="none"/>
+                    </a:lnT>
+                    <a:lnB cap="flat" cmpd="sng" w="9525">
+                      <a:solidFill>
+                        <a:srgbClr val="CCCCCC"/>
+                      </a:solidFill>
+                      <a:prstDash val="solid"/>
+                      <a:round/>
+                      <a:headEnd len="sm" w="sm" type="none"/>
+                      <a:tailEnd len="sm" w="sm" type="none"/>
+                    </a:lnB>
+                  </a:tcPr>
+                </a:tc>
+                <a:tc>
+                  <a:txBody>
+                    <a:bodyPr/>
+                    <a:lstStyle/>
+                    <a:p>
+                      <a:pPr indent="0" lvl="0" marL="0" rtl="0" algn="l">
+                        <a:lnSpc>
+                          <a:spcPct val="115000"/>
+                        </a:lnSpc>
+                        <a:spcBef>
+                          <a:spcPts val="0"/>
+                        </a:spcBef>
+                        <a:spcAft>
+                          <a:spcPts val="0"/>
+                        </a:spcAft>
+                        <a:buClr>
+                          <a:schemeClr val="dk1"/>
+                        </a:buClr>
+                        <a:buSzPts val="1100"/>
+                        <a:buFont typeface="Arial"/>
+                        <a:buNone/>
+                      </a:pPr>
+                      <a:r>
+                        <a:rPr lang="en">
+                          <a:solidFill>
+                            <a:schemeClr val="dk1"/>
+                          </a:solidFill>
+                        </a:rPr>
+                        <a:t>Adam</a:t>
+                      </a:r>
+                      <a:endParaRPr>
+                        <a:solidFill>
+                          <a:schemeClr val="dk1"/>
+                        </a:solidFill>
+                      </a:endParaRPr>
+                    </a:p>
+                  </a:txBody>
+                  <a:tcPr marT="19050" marB="19050" marR="28575" marL="28575" anchor="b">
+                    <a:lnL cap="flat" cmpd="sng" w="9525">
+                      <a:solidFill>
+                        <a:srgbClr val="CCCCCC"/>
+                      </a:solidFill>
+                      <a:prstDash val="solid"/>
+                      <a:round/>
+                      <a:headEnd len="sm" w="sm" type="none"/>
+                      <a:tailEnd len="sm" w="sm" type="none"/>
+                    </a:lnL>
+                    <a:lnR cap="flat" cmpd="sng" w="9525">
+                      <a:solidFill>
+                        <a:srgbClr val="CCCCCC"/>
+                      </a:solidFill>
+                      <a:prstDash val="solid"/>
+                      <a:round/>
+                      <a:headEnd len="sm" w="sm" type="none"/>
+                      <a:tailEnd len="sm" w="sm" type="none"/>
+                    </a:lnR>
+                    <a:lnT cap="flat" cmpd="sng" w="9525">
+                      <a:solidFill>
+                        <a:srgbClr val="CCCCCC"/>
+                      </a:solidFill>
+                      <a:prstDash val="solid"/>
+                      <a:round/>
+                      <a:headEnd len="sm" w="sm" type="none"/>
+                      <a:tailEnd len="sm" w="sm" type="none"/>
+                    </a:lnT>
+                    <a:lnB cap="flat" cmpd="sng" w="9525">
+                      <a:solidFill>
+                        <a:srgbClr val="CCCCCC"/>
+                      </a:solidFill>
+                      <a:prstDash val="solid"/>
+                      <a:round/>
+                      <a:headEnd len="sm" w="sm" type="none"/>
+                      <a:tailEnd len="sm" w="sm" type="none"/>
+                    </a:lnB>
+                  </a:tcPr>
+                </a:tc>
+                <a:tc>
+                  <a:txBody>
+                    <a:bodyPr/>
+                    <a:lstStyle/>
+                    <a:p>
+                      <a:pPr indent="0" lvl="0" marL="0" rtl="0" algn="l">
+                        <a:lnSpc>
+                          <a:spcPct val="115000"/>
+                        </a:lnSpc>
+                        <a:spcBef>
+                          <a:spcPts val="0"/>
+                        </a:spcBef>
+                        <a:spcAft>
+                          <a:spcPts val="0"/>
+                        </a:spcAft>
+                        <a:buNone/>
+                      </a:pPr>
+                      <a:r>
+                        <a:rPr lang="en">
+                          <a:solidFill>
+                            <a:schemeClr val="dk1"/>
+                          </a:solidFill>
+                        </a:rPr>
+                        <a:t>2e-5</a:t>
+                      </a:r>
+                      <a:endParaRPr>
+                        <a:solidFill>
+                          <a:schemeClr val="dk1"/>
+                        </a:solidFill>
+                      </a:endParaRPr>
+                    </a:p>
+                  </a:txBody>
+                  <a:tcPr marT="19050" marB="19050" marR="28575" marL="28575" anchor="b">
+                    <a:lnL cap="flat" cmpd="sng" w="9525">
+                      <a:solidFill>
+                        <a:srgbClr val="CCCCCC"/>
+                      </a:solidFill>
+                      <a:prstDash val="solid"/>
+                      <a:round/>
+                      <a:headEnd len="sm" w="sm" type="none"/>
+                      <a:tailEnd len="sm" w="sm" type="none"/>
+                    </a:lnL>
+                    <a:lnR cap="flat" cmpd="sng" w="9525">
+                      <a:solidFill>
+                        <a:srgbClr val="CCCCCC"/>
+                      </a:solidFill>
+                      <a:prstDash val="solid"/>
+                      <a:round/>
+                      <a:headEnd len="sm" w="sm" type="none"/>
+                      <a:tailEnd len="sm" w="sm" type="none"/>
+                    </a:lnR>
+                    <a:lnT cap="flat" cmpd="sng" w="9525">
+                      <a:solidFill>
+                        <a:srgbClr val="CCCCCC"/>
+                      </a:solidFill>
+                      <a:prstDash val="solid"/>
+                      <a:round/>
+                      <a:headEnd len="sm" w="sm" type="none"/>
+                      <a:tailEnd len="sm" w="sm" type="none"/>
+                    </a:lnT>
+                    <a:lnB cap="flat" cmpd="sng" w="9525">
+                      <a:solidFill>
+                        <a:srgbClr val="CCCCCC"/>
+                      </a:solidFill>
+                      <a:prstDash val="solid"/>
+                      <a:round/>
+                      <a:headEnd len="sm" w="sm" type="none"/>
+                      <a:tailEnd len="sm" w="sm" type="none"/>
+                    </a:lnB>
+                  </a:tcPr>
+                </a:tc>
+                <a:tc>
+                  <a:txBody>
+                    <a:bodyPr/>
+                    <a:lstStyle/>
+                    <a:p>
+                      <a:pPr indent="0" lvl="0" marL="0" rtl="0" algn="l">
+                        <a:lnSpc>
+                          <a:spcPct val="115000"/>
+                        </a:lnSpc>
+                        <a:spcBef>
+                          <a:spcPts val="0"/>
+                        </a:spcBef>
+                        <a:spcAft>
+                          <a:spcPts val="0"/>
+                        </a:spcAft>
+                        <a:buNone/>
+                      </a:pPr>
+                      <a:r>
+                        <a:rPr lang="en">
+                          <a:solidFill>
+                            <a:schemeClr val="dk1"/>
+                          </a:solidFill>
+                        </a:rPr>
+                        <a:t>16</a:t>
+                      </a:r>
+                      <a:endParaRPr>
+                        <a:solidFill>
+                          <a:schemeClr val="dk1"/>
+                        </a:solidFill>
+                      </a:endParaRPr>
+                    </a:p>
+                  </a:txBody>
+                  <a:tcPr marT="19050" marB="19050" marR="28575" marL="28575" anchor="b">
+                    <a:lnL cap="flat" cmpd="sng" w="9525">
+                      <a:solidFill>
+                        <a:srgbClr val="CCCCCC"/>
+                      </a:solidFill>
+                      <a:prstDash val="solid"/>
+                      <a:round/>
+                      <a:headEnd len="sm" w="sm" type="none"/>
+                      <a:tailEnd len="sm" w="sm" type="none"/>
+                    </a:lnL>
+                    <a:lnR cap="flat" cmpd="sng" w="9525">
+                      <a:solidFill>
+                        <a:srgbClr val="CCCCCC"/>
+                      </a:solidFill>
+                      <a:prstDash val="solid"/>
+                      <a:round/>
+                      <a:headEnd len="sm" w="sm" type="none"/>
+                      <a:tailEnd len="sm" w="sm" type="none"/>
+                    </a:lnR>
+                    <a:lnT cap="flat" cmpd="sng" w="9525">
+                      <a:solidFill>
+                        <a:srgbClr val="CCCCCC"/>
+                      </a:solidFill>
+                      <a:prstDash val="solid"/>
+                      <a:round/>
+                      <a:headEnd len="sm" w="sm" type="none"/>
+                      <a:tailEnd len="sm" w="sm" type="none"/>
+                    </a:lnT>
+                    <a:lnB cap="flat" cmpd="sng" w="9525">
+                      <a:solidFill>
+                        <a:srgbClr val="CCCCCC"/>
+                      </a:solidFill>
+                      <a:prstDash val="solid"/>
+                      <a:round/>
+                      <a:headEnd len="sm" w="sm" type="none"/>
+                      <a:tailEnd len="sm" w="sm" type="none"/>
+                    </a:lnB>
+                  </a:tcPr>
+                </a:tc>
+                <a:tc>
+                  <a:txBody>
+                    <a:bodyPr/>
+                    <a:lstStyle/>
+                    <a:p>
+                      <a:pPr indent="0" lvl="0" marL="0" rtl="0" algn="l">
+                        <a:lnSpc>
+                          <a:spcPct val="115000"/>
+                        </a:lnSpc>
+                        <a:spcBef>
+                          <a:spcPts val="0"/>
+                        </a:spcBef>
+                        <a:spcAft>
+                          <a:spcPts val="0"/>
+                        </a:spcAft>
+                        <a:buNone/>
+                      </a:pPr>
+                      <a:r>
+                        <a:rPr lang="en">
+                          <a:solidFill>
+                            <a:schemeClr val="dk1"/>
+                          </a:solidFill>
+                        </a:rPr>
+                        <a:t>73%</a:t>
+                      </a:r>
+                      <a:endParaRPr>
+                        <a:solidFill>
+                          <a:schemeClr val="dk1"/>
+                        </a:solidFill>
+                      </a:endParaRPr>
+                    </a:p>
+                  </a:txBody>
+                  <a:tcPr marT="19050" marB="19050" marR="28575" marL="28575" anchor="b">
+                    <a:lnL cap="flat" cmpd="sng" w="9525">
+                      <a:solidFill>
+                        <a:srgbClr val="CCCCCC"/>
+                      </a:solidFill>
+                      <a:prstDash val="solid"/>
+                      <a:round/>
+                      <a:headEnd len="sm" w="sm" type="none"/>
+                      <a:tailEnd len="sm" w="sm" type="none"/>
+                    </a:lnL>
+                    <a:lnR cap="flat" cmpd="sng" w="9525">
+                      <a:solidFill>
+                        <a:srgbClr val="CCCCCC"/>
+                      </a:solidFill>
+                      <a:prstDash val="solid"/>
+                      <a:round/>
+                      <a:headEnd len="sm" w="sm" type="none"/>
+                      <a:tailEnd len="sm" w="sm" type="none"/>
+                    </a:lnR>
+                    <a:lnT cap="flat" cmpd="sng" w="9525">
+                      <a:solidFill>
+                        <a:srgbClr val="CCCCCC"/>
+                      </a:solidFill>
+                      <a:prstDash val="solid"/>
+                      <a:round/>
+                      <a:headEnd len="sm" w="sm" type="none"/>
+                      <a:tailEnd len="sm" w="sm" type="none"/>
+                    </a:lnT>
+                    <a:lnB cap="flat" cmpd="sng" w="9525">
+                      <a:solidFill>
+                        <a:srgbClr val="CCCCCC"/>
+                      </a:solidFill>
+                      <a:prstDash val="solid"/>
+                      <a:round/>
+                      <a:headEnd len="sm" w="sm" type="none"/>
+                      <a:tailEnd len="sm" w="sm" type="none"/>
+                    </a:lnB>
+                  </a:tcPr>
+                </a:tc>
+              </a:tr>
+              <a:tr h="475600">
+                <a:tc>
+                  <a:txBody>
+                    <a:bodyPr/>
+                    <a:lstStyle/>
+                    <a:p>
+                      <a:pPr indent="0" lvl="0" marL="0" rtl="0" algn="l">
+                        <a:spcBef>
+                          <a:spcPts val="0"/>
+                        </a:spcBef>
+                        <a:spcAft>
+                          <a:spcPts val="0"/>
+                        </a:spcAft>
+                        <a:buNone/>
+                      </a:pPr>
+                      <a:r>
+                        <a:rPr lang="en">
+                          <a:solidFill>
+                            <a:schemeClr val="dk1"/>
+                          </a:solidFill>
+                        </a:rPr>
+                        <a:t>Roberta-base</a:t>
+                      </a:r>
+                      <a:endParaRPr>
+                        <a:solidFill>
+                          <a:schemeClr val="dk1"/>
+                        </a:solidFill>
+                      </a:endParaRPr>
+                    </a:p>
+                  </a:txBody>
+                  <a:tcPr marT="19050" marB="19050" marR="28575" marL="28575" anchor="b">
+                    <a:lnL cap="flat" cmpd="sng" w="9525">
+                      <a:solidFill>
+                        <a:srgbClr val="CCCCCC"/>
+                      </a:solidFill>
+                      <a:prstDash val="solid"/>
+                      <a:round/>
+                      <a:headEnd len="sm" w="sm" type="none"/>
+                      <a:tailEnd len="sm" w="sm" type="none"/>
+                    </a:lnL>
+                    <a:lnR cap="flat" cmpd="sng" w="9525">
+                      <a:solidFill>
+                        <a:srgbClr val="CCCCCC"/>
+                      </a:solidFill>
+                      <a:prstDash val="solid"/>
+                      <a:round/>
+                      <a:headEnd len="sm" w="sm" type="none"/>
+                      <a:tailEnd len="sm" w="sm" type="none"/>
+                    </a:lnR>
+                    <a:lnT cap="flat" cmpd="sng" w="9525">
+                      <a:solidFill>
+                        <a:srgbClr val="CCCCCC"/>
+                      </a:solidFill>
+                      <a:prstDash val="solid"/>
+                      <a:round/>
+                      <a:headEnd len="sm" w="sm" type="none"/>
+                      <a:tailEnd len="sm" w="sm" type="none"/>
+                    </a:lnT>
+                    <a:lnB cap="flat" cmpd="sng" w="9525">
+                      <a:solidFill>
+                        <a:srgbClr val="CCCCCC"/>
+                      </a:solidFill>
+                      <a:prstDash val="solid"/>
+                      <a:round/>
+                      <a:headEnd len="sm" w="sm" type="none"/>
+                      <a:tailEnd len="sm" w="sm" type="none"/>
+                    </a:lnB>
+                  </a:tcPr>
+                </a:tc>
+                <a:tc>
+                  <a:txBody>
+                    <a:bodyPr/>
+                    <a:lstStyle/>
+                    <a:p>
+                      <a:pPr indent="0" lvl="0" marL="0" rtl="0" algn="l">
+                        <a:spcBef>
+                          <a:spcPts val="0"/>
+                        </a:spcBef>
+                        <a:spcAft>
+                          <a:spcPts val="0"/>
+                        </a:spcAft>
+                        <a:buNone/>
+                      </a:pPr>
+                      <a:r>
+                        <a:rPr lang="en">
+                          <a:solidFill>
+                            <a:schemeClr val="dk1"/>
+                          </a:solidFill>
+                        </a:rPr>
+                        <a:t>30k</a:t>
+                      </a:r>
+                      <a:endParaRPr>
+                        <a:solidFill>
+                          <a:schemeClr val="dk1"/>
+                        </a:solidFill>
+                      </a:endParaRPr>
+                    </a:p>
+                  </a:txBody>
+                  <a:tcPr marT="19050" marB="19050" marR="28575" marL="28575" anchor="b">
+                    <a:lnL cap="flat" cmpd="sng" w="9525">
+                      <a:solidFill>
+                        <a:srgbClr val="CCCCCC"/>
+                      </a:solidFill>
+                      <a:prstDash val="solid"/>
+                      <a:round/>
+                      <a:headEnd len="sm" w="sm" type="none"/>
+                      <a:tailEnd len="sm" w="sm" type="none"/>
+                    </a:lnL>
+                    <a:lnR cap="flat" cmpd="sng" w="9525">
+                      <a:solidFill>
+                        <a:srgbClr val="CCCCCC"/>
+                      </a:solidFill>
+                      <a:prstDash val="solid"/>
+                      <a:round/>
+                      <a:headEnd len="sm" w="sm" type="none"/>
+                      <a:tailEnd len="sm" w="sm" type="none"/>
+                    </a:lnR>
+                    <a:lnT cap="flat" cmpd="sng" w="9525">
+                      <a:solidFill>
+                        <a:srgbClr val="CCCCCC"/>
+                      </a:solidFill>
+                      <a:prstDash val="solid"/>
+                      <a:round/>
+                      <a:headEnd len="sm" w="sm" type="none"/>
+                      <a:tailEnd len="sm" w="sm" type="none"/>
+                    </a:lnT>
+                    <a:lnB cap="flat" cmpd="sng" w="9525">
+                      <a:solidFill>
+                        <a:srgbClr val="CCCCCC"/>
+                      </a:solidFill>
+                      <a:prstDash val="solid"/>
+                      <a:round/>
+                      <a:headEnd len="sm" w="sm" type="none"/>
+                      <a:tailEnd len="sm" w="sm" type="none"/>
+                    </a:lnB>
+                  </a:tcPr>
+                </a:tc>
+                <a:tc>
+                  <a:txBody>
+                    <a:bodyPr/>
+                    <a:lstStyle/>
+                    <a:p>
+                      <a:pPr indent="0" lvl="0" marL="0" rtl="0" algn="l">
+                        <a:spcBef>
+                          <a:spcPts val="0"/>
+                        </a:spcBef>
+                        <a:spcAft>
+                          <a:spcPts val="0"/>
+                        </a:spcAft>
+                        <a:buNone/>
+                      </a:pPr>
+                      <a:r>
+                        <a:rPr lang="en">
+                          <a:solidFill>
+                            <a:schemeClr val="dk1"/>
+                          </a:solidFill>
+                        </a:rPr>
+                        <a:t>10</a:t>
+                      </a:r>
+                      <a:endParaRPr>
+                        <a:solidFill>
+                          <a:schemeClr val="dk1"/>
+                        </a:solidFill>
+                      </a:endParaRPr>
+                    </a:p>
+                  </a:txBody>
+                  <a:tcPr marT="19050" marB="19050" marR="28575" marL="28575" anchor="b">
+                    <a:lnL cap="flat" cmpd="sng" w="9525">
+                      <a:solidFill>
+                        <a:srgbClr val="CCCCCC"/>
+                      </a:solidFill>
+                      <a:prstDash val="solid"/>
+                      <a:round/>
+                      <a:headEnd len="sm" w="sm" type="none"/>
+                      <a:tailEnd len="sm" w="sm" type="none"/>
+                    </a:lnL>
+                    <a:lnR cap="flat" cmpd="sng" w="9525">
+                      <a:solidFill>
+                        <a:srgbClr val="CCCCCC"/>
+                      </a:solidFill>
+                      <a:prstDash val="solid"/>
+                      <a:round/>
+                      <a:headEnd len="sm" w="sm" type="none"/>
+                      <a:tailEnd len="sm" w="sm" type="none"/>
+                    </a:lnR>
+                    <a:lnT cap="flat" cmpd="sng" w="9525">
+                      <a:solidFill>
+                        <a:srgbClr val="CCCCCC"/>
+                      </a:solidFill>
+                      <a:prstDash val="solid"/>
+                      <a:round/>
+                      <a:headEnd len="sm" w="sm" type="none"/>
+                      <a:tailEnd len="sm" w="sm" type="none"/>
+                    </a:lnT>
+                    <a:lnB cap="flat" cmpd="sng" w="9525">
+                      <a:solidFill>
+                        <a:srgbClr val="CCCCCC"/>
+                      </a:solidFill>
+                      <a:prstDash val="solid"/>
+                      <a:round/>
+                      <a:headEnd len="sm" w="sm" type="none"/>
+                      <a:tailEnd len="sm" w="sm" type="none"/>
+                    </a:lnB>
+                  </a:tcPr>
+                </a:tc>
+                <a:tc>
+                  <a:txBody>
+                    <a:bodyPr/>
+                    <a:lstStyle/>
+                    <a:p>
+                      <a:pPr indent="0" lvl="0" marL="0" rtl="0" algn="l">
+                        <a:spcBef>
+                          <a:spcPts val="0"/>
+                        </a:spcBef>
+                        <a:spcAft>
+                          <a:spcPts val="0"/>
+                        </a:spcAft>
+                        <a:buClr>
+                          <a:schemeClr val="dk1"/>
+                        </a:buClr>
+                        <a:buSzPts val="1100"/>
+                        <a:buFont typeface="Arial"/>
+                        <a:buNone/>
+                      </a:pPr>
+                      <a:r>
+                        <a:rPr lang="en">
+                          <a:solidFill>
+                            <a:schemeClr val="dk1"/>
+                          </a:solidFill>
+                        </a:rPr>
+                        <a:t>Adam</a:t>
+                      </a:r>
+                      <a:endParaRPr>
+                        <a:solidFill>
+                          <a:schemeClr val="dk1"/>
+                        </a:solidFill>
+                      </a:endParaRPr>
+                    </a:p>
+                  </a:txBody>
+                  <a:tcPr marT="19050" marB="19050" marR="28575" marL="28575" anchor="b">
+                    <a:lnL cap="flat" cmpd="sng" w="9525">
+                      <a:solidFill>
+                        <a:srgbClr val="CCCCCC"/>
+                      </a:solidFill>
+                      <a:prstDash val="solid"/>
+                      <a:round/>
+                      <a:headEnd len="sm" w="sm" type="none"/>
+                      <a:tailEnd len="sm" w="sm" type="none"/>
+                    </a:lnL>
+                    <a:lnR cap="flat" cmpd="sng" w="9525">
+                      <a:solidFill>
+                        <a:srgbClr val="CCCCCC"/>
+                      </a:solidFill>
+                      <a:prstDash val="solid"/>
+                      <a:round/>
+                      <a:headEnd len="sm" w="sm" type="none"/>
+                      <a:tailEnd len="sm" w="sm" type="none"/>
+                    </a:lnR>
+                    <a:lnT cap="flat" cmpd="sng" w="9525">
+                      <a:solidFill>
+                        <a:srgbClr val="CCCCCC"/>
+                      </a:solidFill>
+                      <a:prstDash val="solid"/>
+                      <a:round/>
+                      <a:headEnd len="sm" w="sm" type="none"/>
+                      <a:tailEnd len="sm" w="sm" type="none"/>
+                    </a:lnT>
+                    <a:lnB cap="flat" cmpd="sng" w="9525">
+                      <a:solidFill>
+                        <a:srgbClr val="CCCCCC"/>
+                      </a:solidFill>
+                      <a:prstDash val="solid"/>
+                      <a:round/>
+                      <a:headEnd len="sm" w="sm" type="none"/>
+                      <a:tailEnd len="sm" w="sm" type="none"/>
+                    </a:lnB>
+                  </a:tcPr>
+                </a:tc>
+                <a:tc>
+                  <a:txBody>
+                    <a:bodyPr/>
+                    <a:lstStyle/>
+                    <a:p>
+                      <a:pPr indent="0" lvl="0" marL="0" rtl="0" algn="l">
+                        <a:spcBef>
+                          <a:spcPts val="0"/>
+                        </a:spcBef>
+                        <a:spcAft>
+                          <a:spcPts val="0"/>
+                        </a:spcAft>
+                        <a:buNone/>
+                      </a:pPr>
+                      <a:r>
+                        <a:rPr lang="en">
+                          <a:solidFill>
+                            <a:schemeClr val="dk1"/>
+                          </a:solidFill>
+                        </a:rPr>
+                        <a:t>1e-6</a:t>
+                      </a:r>
+                      <a:endParaRPr>
+                        <a:solidFill>
+                          <a:schemeClr val="dk1"/>
+                        </a:solidFill>
+                      </a:endParaRPr>
+                    </a:p>
+                  </a:txBody>
+                  <a:tcPr marT="19050" marB="19050" marR="28575" marL="28575" anchor="b">
+                    <a:lnL cap="flat" cmpd="sng" w="9525">
+                      <a:solidFill>
+                        <a:srgbClr val="CCCCCC"/>
+                      </a:solidFill>
+                      <a:prstDash val="solid"/>
+                      <a:round/>
+                      <a:headEnd len="sm" w="sm" type="none"/>
+                      <a:tailEnd len="sm" w="sm" type="none"/>
+                    </a:lnL>
+                    <a:lnR cap="flat" cmpd="sng" w="9525">
+                      <a:solidFill>
+                        <a:srgbClr val="CCCCCC"/>
+                      </a:solidFill>
+                      <a:prstDash val="solid"/>
+                      <a:round/>
+                      <a:headEnd len="sm" w="sm" type="none"/>
+                      <a:tailEnd len="sm" w="sm" type="none"/>
+                    </a:lnR>
+                    <a:lnT cap="flat" cmpd="sng" w="9525">
+                      <a:solidFill>
+                        <a:srgbClr val="CCCCCC"/>
+                      </a:solidFill>
+                      <a:prstDash val="solid"/>
+                      <a:round/>
+                      <a:headEnd len="sm" w="sm" type="none"/>
+                      <a:tailEnd len="sm" w="sm" type="none"/>
+                    </a:lnT>
+                    <a:lnB cap="flat" cmpd="sng" w="9525">
+                      <a:solidFill>
+                        <a:srgbClr val="CCCCCC"/>
+                      </a:solidFill>
+                      <a:prstDash val="solid"/>
+                      <a:round/>
+                      <a:headEnd len="sm" w="sm" type="none"/>
+                      <a:tailEnd len="sm" w="sm" type="none"/>
+                    </a:lnB>
+                  </a:tcPr>
+                </a:tc>
+                <a:tc>
+                  <a:txBody>
+                    <a:bodyPr/>
+                    <a:lstStyle/>
+                    <a:p>
+                      <a:pPr indent="0" lvl="0" marL="0" rtl="0" algn="l">
+                        <a:spcBef>
+                          <a:spcPts val="0"/>
+                        </a:spcBef>
+                        <a:spcAft>
+                          <a:spcPts val="0"/>
+                        </a:spcAft>
+                        <a:buNone/>
+                      </a:pPr>
+                      <a:r>
+                        <a:rPr lang="en">
+                          <a:solidFill>
+                            <a:schemeClr val="dk1"/>
+                          </a:solidFill>
+                        </a:rPr>
+                        <a:t>16</a:t>
+                      </a:r>
+                      <a:endParaRPr>
+                        <a:solidFill>
+                          <a:schemeClr val="dk1"/>
+                        </a:solidFill>
+                      </a:endParaRPr>
+                    </a:p>
+                  </a:txBody>
+                  <a:tcPr marT="19050" marB="19050" marR="28575" marL="28575" anchor="b">
+                    <a:lnL cap="flat" cmpd="sng" w="9525">
+                      <a:solidFill>
+                        <a:srgbClr val="CCCCCC"/>
+                      </a:solidFill>
+                      <a:prstDash val="solid"/>
+                      <a:round/>
+                      <a:headEnd len="sm" w="sm" type="none"/>
+                      <a:tailEnd len="sm" w="sm" type="none"/>
+                    </a:lnL>
+                    <a:lnR cap="flat" cmpd="sng" w="9525">
+                      <a:solidFill>
+                        <a:srgbClr val="CCCCCC"/>
+                      </a:solidFill>
+                      <a:prstDash val="solid"/>
+                      <a:round/>
+                      <a:headEnd len="sm" w="sm" type="none"/>
+                      <a:tailEnd len="sm" w="sm" type="none"/>
+                    </a:lnR>
+                    <a:lnT cap="flat" cmpd="sng" w="9525">
+                      <a:solidFill>
+                        <a:srgbClr val="CCCCCC"/>
+                      </a:solidFill>
+                      <a:prstDash val="solid"/>
+                      <a:round/>
+                      <a:headEnd len="sm" w="sm" type="none"/>
+                      <a:tailEnd len="sm" w="sm" type="none"/>
+                    </a:lnT>
+                    <a:lnB cap="flat" cmpd="sng" w="9525">
+                      <a:solidFill>
+                        <a:srgbClr val="CCCCCC"/>
+                      </a:solidFill>
+                      <a:prstDash val="solid"/>
+                      <a:round/>
+                      <a:headEnd len="sm" w="sm" type="none"/>
+                      <a:tailEnd len="sm" w="sm" type="none"/>
+                    </a:lnB>
+                  </a:tcPr>
+                </a:tc>
+                <a:tc>
+                  <a:txBody>
+                    <a:bodyPr/>
+                    <a:lstStyle/>
+                    <a:p>
+                      <a:pPr indent="0" lvl="0" marL="0" rtl="0" algn="l">
+                        <a:spcBef>
+                          <a:spcPts val="0"/>
+                        </a:spcBef>
+                        <a:spcAft>
+                          <a:spcPts val="0"/>
+                        </a:spcAft>
+                        <a:buNone/>
+                      </a:pPr>
+                      <a:r>
+                        <a:rPr lang="en">
+                          <a:solidFill>
+                            <a:schemeClr val="dk1"/>
+                          </a:solidFill>
+                        </a:rPr>
+                        <a:t>77%</a:t>
+                      </a:r>
+                      <a:endParaRPr>
+                        <a:solidFill>
+                          <a:schemeClr val="dk1"/>
+                        </a:solidFill>
+                      </a:endParaRPr>
+                    </a:p>
+                  </a:txBody>
+                  <a:tcPr marT="19050" marB="19050" marR="28575" marL="28575" anchor="b">
+                    <a:lnL cap="flat" cmpd="sng" w="9525">
+                      <a:solidFill>
+                        <a:srgbClr val="CCCCCC"/>
+                      </a:solidFill>
+                      <a:prstDash val="solid"/>
+                      <a:round/>
+                      <a:headEnd len="sm" w="sm" type="none"/>
+                      <a:tailEnd len="sm" w="sm" type="none"/>
+                    </a:lnL>
+                    <a:lnR cap="flat" cmpd="sng" w="9525">
+                      <a:solidFill>
+                        <a:srgbClr val="CCCCCC"/>
+                      </a:solidFill>
+                      <a:prstDash val="solid"/>
+                      <a:round/>
+                      <a:headEnd len="sm" w="sm" type="none"/>
+                      <a:tailEnd len="sm" w="sm" type="none"/>
+                    </a:lnR>
+                    <a:lnT cap="flat" cmpd="sng" w="9525">
+                      <a:solidFill>
+                        <a:srgbClr val="CCCCCC"/>
+                      </a:solidFill>
+                      <a:prstDash val="solid"/>
+                      <a:round/>
+                      <a:headEnd len="sm" w="sm" type="none"/>
+                      <a:tailEnd len="sm" w="sm" type="none"/>
+                    </a:lnT>
+                    <a:lnB cap="flat" cmpd="sng" w="9525">
+                      <a:solidFill>
+                        <a:srgbClr val="CCCCCC"/>
+                      </a:solidFill>
+                      <a:prstDash val="solid"/>
+                      <a:round/>
+                      <a:headEnd len="sm" w="sm" type="none"/>
+                      <a:tailEnd len="sm" w="sm" type="none"/>
+                    </a:lnB>
+                  </a:tcPr>
+                </a:tc>
+              </a:tr>
+              <a:tr h="475600">
+                <a:tc>
+                  <a:txBody>
+                    <a:bodyPr/>
+                    <a:lstStyle/>
+                    <a:p>
+                      <a:pPr indent="0" lvl="0" marL="0" rtl="0" algn="l">
+                        <a:spcBef>
+                          <a:spcPts val="0"/>
+                        </a:spcBef>
+                        <a:spcAft>
+                          <a:spcPts val="0"/>
+                        </a:spcAft>
+                        <a:buNone/>
+                      </a:pPr>
+                      <a:r>
+                        <a:rPr lang="en">
+                          <a:solidFill>
+                            <a:schemeClr val="dk1"/>
+                          </a:solidFill>
+                        </a:rPr>
+                        <a:t>Twitter based Roberta base</a:t>
+                      </a:r>
+                      <a:endParaRPr>
+                        <a:solidFill>
+                          <a:schemeClr val="dk1"/>
+                        </a:solidFill>
+                      </a:endParaRPr>
+                    </a:p>
+                  </a:txBody>
+                  <a:tcPr marT="19050" marB="19050" marR="28575" marL="28575" anchor="b">
+                    <a:lnL cap="flat" cmpd="sng" w="9525">
+                      <a:solidFill>
+                        <a:srgbClr val="CCCCCC"/>
+                      </a:solidFill>
+                      <a:prstDash val="solid"/>
+                      <a:round/>
+                      <a:headEnd len="sm" w="sm" type="none"/>
+                      <a:tailEnd len="sm" w="sm" type="none"/>
+                    </a:lnL>
+                    <a:lnR cap="flat" cmpd="sng" w="9525">
+                      <a:solidFill>
+                        <a:srgbClr val="CCCCCC"/>
+                      </a:solidFill>
+                      <a:prstDash val="solid"/>
+                      <a:round/>
+                      <a:headEnd len="sm" w="sm" type="none"/>
+                      <a:tailEnd len="sm" w="sm" type="none"/>
+                    </a:lnR>
+                    <a:lnT cap="flat" cmpd="sng" w="9525">
+                      <a:solidFill>
+                        <a:srgbClr val="CCCCCC"/>
+                      </a:solidFill>
+                      <a:prstDash val="solid"/>
+                      <a:round/>
+                      <a:headEnd len="sm" w="sm" type="none"/>
+                      <a:tailEnd len="sm" w="sm" type="none"/>
+                    </a:lnT>
+                    <a:lnB cap="flat" cmpd="sng" w="9525">
+                      <a:solidFill>
+                        <a:srgbClr val="CCCCCC"/>
+                      </a:solidFill>
+                      <a:prstDash val="solid"/>
+                      <a:round/>
+                      <a:headEnd len="sm" w="sm" type="none"/>
+                      <a:tailEnd len="sm" w="sm" type="none"/>
+                    </a:lnB>
+                  </a:tcPr>
+                </a:tc>
+                <a:tc>
+                  <a:txBody>
+                    <a:bodyPr/>
+                    <a:lstStyle/>
+                    <a:p>
+                      <a:pPr indent="0" lvl="0" marL="0" rtl="0" algn="l">
+                        <a:spcBef>
+                          <a:spcPts val="0"/>
+                        </a:spcBef>
+                        <a:spcAft>
+                          <a:spcPts val="0"/>
+                        </a:spcAft>
+                        <a:buNone/>
+                      </a:pPr>
+                      <a:r>
+                        <a:rPr lang="en">
+                          <a:solidFill>
+                            <a:schemeClr val="dk1"/>
+                          </a:solidFill>
+                        </a:rPr>
+                        <a:t>127k</a:t>
+                      </a:r>
+                      <a:endParaRPr>
+                        <a:solidFill>
+                          <a:schemeClr val="dk1"/>
+                        </a:solidFill>
+                      </a:endParaRPr>
+                    </a:p>
+                  </a:txBody>
+                  <a:tcPr marT="19050" marB="19050" marR="28575" marL="28575" anchor="b">
+                    <a:lnL cap="flat" cmpd="sng" w="9525">
+                      <a:solidFill>
+                        <a:srgbClr val="CCCCCC"/>
+                      </a:solidFill>
+                      <a:prstDash val="solid"/>
+                      <a:round/>
+                      <a:headEnd len="sm" w="sm" type="none"/>
+                      <a:tailEnd len="sm" w="sm" type="none"/>
+                    </a:lnL>
+                    <a:lnR cap="flat" cmpd="sng" w="9525">
+                      <a:solidFill>
+                        <a:srgbClr val="CCCCCC"/>
+                      </a:solidFill>
+                      <a:prstDash val="solid"/>
+                      <a:round/>
+                      <a:headEnd len="sm" w="sm" type="none"/>
+                      <a:tailEnd len="sm" w="sm" type="none"/>
+                    </a:lnR>
+                    <a:lnT cap="flat" cmpd="sng" w="9525">
+                      <a:solidFill>
+                        <a:srgbClr val="CCCCCC"/>
+                      </a:solidFill>
+                      <a:prstDash val="solid"/>
+                      <a:round/>
+                      <a:headEnd len="sm" w="sm" type="none"/>
+                      <a:tailEnd len="sm" w="sm" type="none"/>
+                    </a:lnT>
+                    <a:lnB cap="flat" cmpd="sng" w="9525">
+                      <a:solidFill>
+                        <a:srgbClr val="CCCCCC"/>
+                      </a:solidFill>
+                      <a:prstDash val="solid"/>
+                      <a:round/>
+                      <a:headEnd len="sm" w="sm" type="none"/>
+                      <a:tailEnd len="sm" w="sm" type="none"/>
+                    </a:lnB>
+                  </a:tcPr>
+                </a:tc>
+                <a:tc>
+                  <a:txBody>
+                    <a:bodyPr/>
+                    <a:lstStyle/>
+                    <a:p>
+                      <a:pPr indent="0" lvl="0" marL="0" rtl="0" algn="l">
+                        <a:spcBef>
+                          <a:spcPts val="0"/>
+                        </a:spcBef>
+                        <a:spcAft>
+                          <a:spcPts val="0"/>
+                        </a:spcAft>
+                        <a:buNone/>
+                      </a:pPr>
+                      <a:r>
+                        <a:rPr lang="en">
+                          <a:solidFill>
+                            <a:schemeClr val="dk1"/>
+                          </a:solidFill>
+                        </a:rPr>
+                        <a:t>4</a:t>
+                      </a:r>
+                      <a:endParaRPr>
+                        <a:solidFill>
+                          <a:schemeClr val="dk1"/>
+                        </a:solidFill>
+                      </a:endParaRPr>
+                    </a:p>
+                  </a:txBody>
+                  <a:tcPr marT="19050" marB="19050" marR="28575" marL="28575" anchor="b">
+                    <a:lnL cap="flat" cmpd="sng" w="9525">
+                      <a:solidFill>
+                        <a:srgbClr val="CCCCCC"/>
+                      </a:solidFill>
+                      <a:prstDash val="solid"/>
+                      <a:round/>
+                      <a:headEnd len="sm" w="sm" type="none"/>
+                      <a:tailEnd len="sm" w="sm" type="none"/>
+                    </a:lnL>
+                    <a:lnR cap="flat" cmpd="sng" w="9525">
+                      <a:solidFill>
+                        <a:srgbClr val="CCCCCC"/>
+                      </a:solidFill>
+                      <a:prstDash val="solid"/>
+                      <a:round/>
+                      <a:headEnd len="sm" w="sm" type="none"/>
+                      <a:tailEnd len="sm" w="sm" type="none"/>
+                    </a:lnR>
+                    <a:lnT cap="flat" cmpd="sng" w="9525">
+                      <a:solidFill>
+                        <a:srgbClr val="CCCCCC"/>
+                      </a:solidFill>
+                      <a:prstDash val="solid"/>
+                      <a:round/>
+                      <a:headEnd len="sm" w="sm" type="none"/>
+                      <a:tailEnd len="sm" w="sm" type="none"/>
+                    </a:lnT>
+                    <a:lnB cap="flat" cmpd="sng" w="9525">
+                      <a:solidFill>
+                        <a:srgbClr val="CCCCCC"/>
+                      </a:solidFill>
+                      <a:prstDash val="solid"/>
+                      <a:round/>
+                      <a:headEnd len="sm" w="sm" type="none"/>
+                      <a:tailEnd len="sm" w="sm" type="none"/>
+                    </a:lnB>
+                  </a:tcPr>
+                </a:tc>
+                <a:tc>
+                  <a:txBody>
+                    <a:bodyPr/>
+                    <a:lstStyle/>
+                    <a:p>
+                      <a:pPr indent="0" lvl="0" marL="0" rtl="0" algn="l">
+                        <a:spcBef>
+                          <a:spcPts val="0"/>
+                        </a:spcBef>
+                        <a:spcAft>
+                          <a:spcPts val="0"/>
+                        </a:spcAft>
+                        <a:buClr>
+                          <a:schemeClr val="dk1"/>
+                        </a:buClr>
+                        <a:buSzPts val="1100"/>
+                        <a:buFont typeface="Arial"/>
+                        <a:buNone/>
+                      </a:pPr>
+                      <a:r>
+                        <a:rPr lang="en">
+                          <a:solidFill>
+                            <a:schemeClr val="dk1"/>
+                          </a:solidFill>
+                        </a:rPr>
+                        <a:t>AdamW</a:t>
+                      </a:r>
+                      <a:endParaRPr>
+                        <a:solidFill>
+                          <a:schemeClr val="dk1"/>
+                        </a:solidFill>
+                      </a:endParaRPr>
+                    </a:p>
+                  </a:txBody>
+                  <a:tcPr marT="19050" marB="19050" marR="28575" marL="28575" anchor="b">
+                    <a:lnL cap="flat" cmpd="sng" w="9525">
+                      <a:solidFill>
+                        <a:srgbClr val="CCCCCC"/>
+                      </a:solidFill>
+                      <a:prstDash val="solid"/>
+                      <a:round/>
+                      <a:headEnd len="sm" w="sm" type="none"/>
+                      <a:tailEnd len="sm" w="sm" type="none"/>
+                    </a:lnL>
+                    <a:lnR cap="flat" cmpd="sng" w="9525">
+                      <a:solidFill>
+                        <a:srgbClr val="CCCCCC"/>
+                      </a:solidFill>
+                      <a:prstDash val="solid"/>
+                      <a:round/>
+                      <a:headEnd len="sm" w="sm" type="none"/>
+                      <a:tailEnd len="sm" w="sm" type="none"/>
+                    </a:lnR>
+                    <a:lnT cap="flat" cmpd="sng" w="9525">
+                      <a:solidFill>
+                        <a:srgbClr val="CCCCCC"/>
+                      </a:solidFill>
+                      <a:prstDash val="solid"/>
+                      <a:round/>
+                      <a:headEnd len="sm" w="sm" type="none"/>
+                      <a:tailEnd len="sm" w="sm" type="none"/>
+                    </a:lnT>
+                    <a:lnB cap="flat" cmpd="sng" w="9525">
+                      <a:solidFill>
+                        <a:srgbClr val="CCCCCC"/>
+                      </a:solidFill>
+                      <a:prstDash val="solid"/>
+                      <a:round/>
+                      <a:headEnd len="sm" w="sm" type="none"/>
+                      <a:tailEnd len="sm" w="sm" type="none"/>
+                    </a:lnB>
+                  </a:tcPr>
+                </a:tc>
+                <a:tc>
+                  <a:txBody>
+                    <a:bodyPr/>
+                    <a:lstStyle/>
+                    <a:p>
+                      <a:pPr indent="0" lvl="0" marL="0" rtl="0" algn="l">
+                        <a:spcBef>
+                          <a:spcPts val="0"/>
+                        </a:spcBef>
+                        <a:spcAft>
+                          <a:spcPts val="0"/>
+                        </a:spcAft>
+                        <a:buNone/>
+                      </a:pPr>
+                      <a:r>
+                        <a:rPr lang="en">
+                          <a:solidFill>
+                            <a:schemeClr val="dk1"/>
+                          </a:solidFill>
+                        </a:rPr>
+                        <a:t>2e-5</a:t>
+                      </a:r>
+                      <a:endParaRPr>
+                        <a:solidFill>
+                          <a:schemeClr val="dk1"/>
+                        </a:solidFill>
+                      </a:endParaRPr>
+                    </a:p>
+                  </a:txBody>
+                  <a:tcPr marT="19050" marB="19050" marR="28575" marL="28575" anchor="b">
+                    <a:lnL cap="flat" cmpd="sng" w="9525">
+                      <a:solidFill>
+                        <a:srgbClr val="CCCCCC"/>
+                      </a:solidFill>
+                      <a:prstDash val="solid"/>
+                      <a:round/>
+                      <a:headEnd len="sm" w="sm" type="none"/>
+                      <a:tailEnd len="sm" w="sm" type="none"/>
+                    </a:lnL>
+                    <a:lnR cap="flat" cmpd="sng" w="9525">
+                      <a:solidFill>
+                        <a:srgbClr val="CCCCCC"/>
+                      </a:solidFill>
+                      <a:prstDash val="solid"/>
+                      <a:round/>
+                      <a:headEnd len="sm" w="sm" type="none"/>
+                      <a:tailEnd len="sm" w="sm" type="none"/>
+                    </a:lnR>
+                    <a:lnT cap="flat" cmpd="sng" w="9525">
+                      <a:solidFill>
+                        <a:srgbClr val="CCCCCC"/>
+                      </a:solidFill>
+                      <a:prstDash val="solid"/>
+                      <a:round/>
+                      <a:headEnd len="sm" w="sm" type="none"/>
+                      <a:tailEnd len="sm" w="sm" type="none"/>
+                    </a:lnT>
+                    <a:lnB cap="flat" cmpd="sng" w="9525">
+                      <a:solidFill>
+                        <a:srgbClr val="CCCCCC"/>
+                      </a:solidFill>
+                      <a:prstDash val="solid"/>
+                      <a:round/>
+                      <a:headEnd len="sm" w="sm" type="none"/>
+                      <a:tailEnd len="sm" w="sm" type="none"/>
+                    </a:lnB>
+                  </a:tcPr>
+                </a:tc>
+                <a:tc>
+                  <a:txBody>
+                    <a:bodyPr/>
+                    <a:lstStyle/>
+                    <a:p>
+                      <a:pPr indent="0" lvl="0" marL="0" rtl="0" algn="l">
+                        <a:spcBef>
+                          <a:spcPts val="0"/>
+                        </a:spcBef>
+                        <a:spcAft>
+                          <a:spcPts val="0"/>
+                        </a:spcAft>
+                        <a:buNone/>
+                      </a:pPr>
+                      <a:r>
+                        <a:rPr lang="en">
+                          <a:solidFill>
+                            <a:schemeClr val="dk1"/>
+                          </a:solidFill>
+                        </a:rPr>
+                        <a:t>16</a:t>
+                      </a:r>
+                      <a:endParaRPr>
+                        <a:solidFill>
+                          <a:schemeClr val="dk1"/>
+                        </a:solidFill>
+                      </a:endParaRPr>
+                    </a:p>
+                  </a:txBody>
+                  <a:tcPr marT="19050" marB="19050" marR="28575" marL="28575" anchor="b">
+                    <a:lnL cap="flat" cmpd="sng" w="9525">
+                      <a:solidFill>
+                        <a:srgbClr val="CCCCCC"/>
+                      </a:solidFill>
+                      <a:prstDash val="solid"/>
+                      <a:round/>
+                      <a:headEnd len="sm" w="sm" type="none"/>
+                      <a:tailEnd len="sm" w="sm" type="none"/>
+                    </a:lnL>
+                    <a:lnR cap="flat" cmpd="sng" w="9525">
+                      <a:solidFill>
+                        <a:srgbClr val="CCCCCC"/>
+                      </a:solidFill>
+                      <a:prstDash val="solid"/>
+                      <a:round/>
+                      <a:headEnd len="sm" w="sm" type="none"/>
+                      <a:tailEnd len="sm" w="sm" type="none"/>
+                    </a:lnR>
+                    <a:lnT cap="flat" cmpd="sng" w="9525">
+                      <a:solidFill>
+                        <a:srgbClr val="CCCCCC"/>
+                      </a:solidFill>
+                      <a:prstDash val="solid"/>
+                      <a:round/>
+                      <a:headEnd len="sm" w="sm" type="none"/>
+                      <a:tailEnd len="sm" w="sm" type="none"/>
+                    </a:lnT>
+                    <a:lnB cap="flat" cmpd="sng" w="9525">
+                      <a:solidFill>
+                        <a:srgbClr val="CCCCCC"/>
+                      </a:solidFill>
+                      <a:prstDash val="solid"/>
+                      <a:round/>
+                      <a:headEnd len="sm" w="sm" type="none"/>
+                      <a:tailEnd len="sm" w="sm" type="none"/>
+                    </a:lnB>
+                  </a:tcPr>
+                </a:tc>
+                <a:tc>
+                  <a:txBody>
+                    <a:bodyPr/>
+                    <a:lstStyle/>
+                    <a:p>
+                      <a:pPr indent="0" lvl="0" marL="0" rtl="0" algn="l">
+                        <a:spcBef>
+                          <a:spcPts val="0"/>
+                        </a:spcBef>
+                        <a:spcAft>
+                          <a:spcPts val="0"/>
+                        </a:spcAft>
+                        <a:buNone/>
+                      </a:pPr>
+                      <a:r>
+                        <a:rPr lang="en">
+                          <a:solidFill>
+                            <a:schemeClr val="dk1"/>
+                          </a:solidFill>
+                        </a:rPr>
+                        <a:t>85</a:t>
+                      </a:r>
+                      <a:r>
+                        <a:rPr lang="en">
+                          <a:solidFill>
+                            <a:schemeClr val="dk1"/>
+                          </a:solidFill>
+                        </a:rPr>
+                        <a:t>%</a:t>
+                      </a:r>
+                      <a:endParaRPr>
+                        <a:solidFill>
+                          <a:schemeClr val="dk1"/>
+                        </a:solidFill>
+                      </a:endParaRPr>
+                    </a:p>
+                  </a:txBody>
+                  <a:tcPr marT="19050" marB="19050" marR="28575" marL="28575" anchor="b">
+                    <a:lnL cap="flat" cmpd="sng" w="9525">
+                      <a:solidFill>
+                        <a:srgbClr val="CCCCCC"/>
+                      </a:solidFill>
+                      <a:prstDash val="solid"/>
+                      <a:round/>
+                      <a:headEnd len="sm" w="sm" type="none"/>
+                      <a:tailEnd len="sm" w="sm" type="none"/>
+                    </a:lnL>
+                    <a:lnR cap="flat" cmpd="sng" w="9525">
+                      <a:solidFill>
+                        <a:srgbClr val="CCCCCC"/>
+                      </a:solidFill>
+                      <a:prstDash val="solid"/>
+                      <a:round/>
+                      <a:headEnd len="sm" w="sm" type="none"/>
+                      <a:tailEnd len="sm" w="sm" type="none"/>
+                    </a:lnR>
+                    <a:lnT cap="flat" cmpd="sng" w="9525">
+                      <a:solidFill>
+                        <a:srgbClr val="CCCCCC"/>
+                      </a:solidFill>
+                      <a:prstDash val="solid"/>
+                      <a:round/>
+                      <a:headEnd len="sm" w="sm" type="none"/>
+                      <a:tailEnd len="sm" w="sm" type="none"/>
+                    </a:lnT>
+                    <a:lnB cap="flat" cmpd="sng" w="9525">
+                      <a:solidFill>
+                        <a:srgbClr val="CCCCCC"/>
+                      </a:solidFill>
+                      <a:prstDash val="solid"/>
+                      <a:round/>
+                      <a:headEnd len="sm" w="sm" type="none"/>
+                      <a:tailEnd len="sm" w="sm" type="none"/>
+                    </a:lnB>
+                  </a:tcPr>
+                </a:tc>
+              </a:tr>
+              <a:tr h="475600">
+                <a:tc>
+                  <a:txBody>
+                    <a:bodyPr/>
+                    <a:lstStyle/>
+                    <a:p>
+                      <a:pPr indent="0" lvl="0" marL="0" rtl="0" algn="l">
+                        <a:spcBef>
+                          <a:spcPts val="0"/>
+                        </a:spcBef>
+                        <a:spcAft>
+                          <a:spcPts val="0"/>
+                        </a:spcAft>
+                        <a:buNone/>
+                      </a:pPr>
+                      <a:r>
+                        <a:rPr lang="en">
+                          <a:solidFill>
+                            <a:schemeClr val="dk1"/>
+                          </a:solidFill>
+                        </a:rPr>
+                        <a:t>LSTM</a:t>
+                      </a:r>
+                      <a:endParaRPr>
+                        <a:solidFill>
+                          <a:schemeClr val="dk1"/>
+                        </a:solidFill>
+                      </a:endParaRPr>
+                    </a:p>
+                  </a:txBody>
+                  <a:tcPr marT="19050" marB="19050" marR="28575" marL="28575" anchor="b">
+                    <a:lnL cap="flat" cmpd="sng" w="9525">
+                      <a:solidFill>
+                        <a:srgbClr val="CCCCCC"/>
+                      </a:solidFill>
+                      <a:prstDash val="solid"/>
+                      <a:round/>
+                      <a:headEnd len="sm" w="sm" type="none"/>
+                      <a:tailEnd len="sm" w="sm" type="none"/>
+                    </a:lnL>
+                    <a:lnR cap="flat" cmpd="sng" w="9525">
+                      <a:solidFill>
+                        <a:srgbClr val="CCCCCC"/>
+                      </a:solidFill>
+                      <a:prstDash val="solid"/>
+                      <a:round/>
+                      <a:headEnd len="sm" w="sm" type="none"/>
+                      <a:tailEnd len="sm" w="sm" type="none"/>
+                    </a:lnR>
+                    <a:lnT cap="flat" cmpd="sng" w="9525">
+                      <a:solidFill>
+                        <a:srgbClr val="CCCCCC"/>
+                      </a:solidFill>
+                      <a:prstDash val="solid"/>
+                      <a:round/>
+                      <a:headEnd len="sm" w="sm" type="none"/>
+                      <a:tailEnd len="sm" w="sm" type="none"/>
+                    </a:lnT>
+                    <a:lnB cap="flat" cmpd="sng" w="9525">
+                      <a:solidFill>
+                        <a:srgbClr val="CCCCCC"/>
+                      </a:solidFill>
+                      <a:prstDash val="solid"/>
+                      <a:round/>
+                      <a:headEnd len="sm" w="sm" type="none"/>
+                      <a:tailEnd len="sm" w="sm" type="none"/>
+                    </a:lnB>
+                  </a:tcPr>
+                </a:tc>
+                <a:tc>
+                  <a:txBody>
+                    <a:bodyPr/>
+                    <a:lstStyle/>
+                    <a:p>
+                      <a:pPr indent="0" lvl="0" marL="0" rtl="0" algn="l">
+                        <a:spcBef>
+                          <a:spcPts val="0"/>
+                        </a:spcBef>
+                        <a:spcAft>
+                          <a:spcPts val="0"/>
+                        </a:spcAft>
+                        <a:buNone/>
+                      </a:pPr>
+                      <a:r>
+                        <a:rPr lang="en">
+                          <a:solidFill>
+                            <a:schemeClr val="dk1"/>
+                          </a:solidFill>
+                        </a:rPr>
+                        <a:t>120K</a:t>
+                      </a:r>
+                      <a:endParaRPr>
+                        <a:solidFill>
+                          <a:schemeClr val="dk1"/>
+                        </a:solidFill>
+                      </a:endParaRPr>
+                    </a:p>
+                  </a:txBody>
+                  <a:tcPr marT="19050" marB="19050" marR="28575" marL="28575" anchor="b">
+                    <a:lnL cap="flat" cmpd="sng" w="9525">
+                      <a:solidFill>
+                        <a:srgbClr val="CCCCCC"/>
+                      </a:solidFill>
+                      <a:prstDash val="solid"/>
+                      <a:round/>
+                      <a:headEnd len="sm" w="sm" type="none"/>
+                      <a:tailEnd len="sm" w="sm" type="none"/>
+                    </a:lnL>
+                    <a:lnR cap="flat" cmpd="sng" w="9525">
+                      <a:solidFill>
+                        <a:srgbClr val="CCCCCC"/>
+                      </a:solidFill>
+                      <a:prstDash val="solid"/>
+                      <a:round/>
+                      <a:headEnd len="sm" w="sm" type="none"/>
+                      <a:tailEnd len="sm" w="sm" type="none"/>
+                    </a:lnR>
+                    <a:lnT cap="flat" cmpd="sng" w="9525">
+                      <a:solidFill>
+                        <a:srgbClr val="CCCCCC"/>
+                      </a:solidFill>
+                      <a:prstDash val="solid"/>
+                      <a:round/>
+                      <a:headEnd len="sm" w="sm" type="none"/>
+                      <a:tailEnd len="sm" w="sm" type="none"/>
+                    </a:lnT>
+                    <a:lnB cap="flat" cmpd="sng" w="9525">
+                      <a:solidFill>
+                        <a:srgbClr val="CCCCCC"/>
+                      </a:solidFill>
+                      <a:prstDash val="solid"/>
+                      <a:round/>
+                      <a:headEnd len="sm" w="sm" type="none"/>
+                      <a:tailEnd len="sm" w="sm" type="none"/>
+                    </a:lnB>
+                  </a:tcPr>
+                </a:tc>
+                <a:tc>
+                  <a:txBody>
+                    <a:bodyPr/>
+                    <a:lstStyle/>
+                    <a:p>
+                      <a:pPr indent="0" lvl="0" marL="0" rtl="0" algn="l">
+                        <a:spcBef>
+                          <a:spcPts val="0"/>
+                        </a:spcBef>
+                        <a:spcAft>
+                          <a:spcPts val="0"/>
+                        </a:spcAft>
+                        <a:buNone/>
+                      </a:pPr>
+                      <a:r>
+                        <a:rPr lang="en">
+                          <a:solidFill>
+                            <a:schemeClr val="dk1"/>
+                          </a:solidFill>
+                        </a:rPr>
+                        <a:t>25</a:t>
+                      </a:r>
+                      <a:endParaRPr>
+                        <a:solidFill>
+                          <a:schemeClr val="dk1"/>
+                        </a:solidFill>
+                      </a:endParaRPr>
+                    </a:p>
+                  </a:txBody>
+                  <a:tcPr marT="19050" marB="19050" marR="28575" marL="28575" anchor="b">
+                    <a:lnL cap="flat" cmpd="sng" w="9525">
+                      <a:solidFill>
+                        <a:srgbClr val="CCCCCC"/>
+                      </a:solidFill>
+                      <a:prstDash val="solid"/>
+                      <a:round/>
+                      <a:headEnd len="sm" w="sm" type="none"/>
+                      <a:tailEnd len="sm" w="sm" type="none"/>
+                    </a:lnL>
+                    <a:lnR cap="flat" cmpd="sng" w="9525">
+                      <a:solidFill>
+                        <a:srgbClr val="CCCCCC"/>
+                      </a:solidFill>
+                      <a:prstDash val="solid"/>
+                      <a:round/>
+                      <a:headEnd len="sm" w="sm" type="none"/>
+                      <a:tailEnd len="sm" w="sm" type="none"/>
+                    </a:lnR>
+                    <a:lnT cap="flat" cmpd="sng" w="9525">
+                      <a:solidFill>
+                        <a:srgbClr val="CCCCCC"/>
+                      </a:solidFill>
+                      <a:prstDash val="solid"/>
+                      <a:round/>
+                      <a:headEnd len="sm" w="sm" type="none"/>
+                      <a:tailEnd len="sm" w="sm" type="none"/>
+                    </a:lnT>
+                    <a:lnB cap="flat" cmpd="sng" w="9525">
+                      <a:solidFill>
+                        <a:srgbClr val="CCCCCC"/>
+                      </a:solidFill>
+                      <a:prstDash val="solid"/>
+                      <a:round/>
+                      <a:headEnd len="sm" w="sm" type="none"/>
+                      <a:tailEnd len="sm" w="sm" type="none"/>
+                    </a:lnB>
+                  </a:tcPr>
+                </a:tc>
+                <a:tc>
+                  <a:txBody>
+                    <a:bodyPr/>
+                    <a:lstStyle/>
+                    <a:p>
+                      <a:pPr indent="0" lvl="0" marL="0" rtl="0" algn="l">
+                        <a:spcBef>
+                          <a:spcPts val="0"/>
+                        </a:spcBef>
+                        <a:spcAft>
+                          <a:spcPts val="0"/>
+                        </a:spcAft>
+                        <a:buNone/>
+                      </a:pPr>
+                      <a:r>
+                        <a:rPr lang="en">
+                          <a:solidFill>
+                            <a:schemeClr val="dk1"/>
+                          </a:solidFill>
+                        </a:rPr>
+                        <a:t>Adam</a:t>
+                      </a:r>
+                      <a:endParaRPr>
+                        <a:solidFill>
+                          <a:schemeClr val="dk1"/>
+                        </a:solidFill>
+                      </a:endParaRPr>
+                    </a:p>
+                  </a:txBody>
+                  <a:tcPr marT="19050" marB="19050" marR="28575" marL="28575" anchor="b">
+                    <a:lnL cap="flat" cmpd="sng" w="9525">
+                      <a:solidFill>
+                        <a:srgbClr val="CCCCCC"/>
+                      </a:solidFill>
+                      <a:prstDash val="solid"/>
+                      <a:round/>
+                      <a:headEnd len="sm" w="sm" type="none"/>
+                      <a:tailEnd len="sm" w="sm" type="none"/>
+                    </a:lnL>
+                    <a:lnR cap="flat" cmpd="sng" w="9525">
+                      <a:solidFill>
+                        <a:srgbClr val="CCCCCC"/>
+                      </a:solidFill>
+                      <a:prstDash val="solid"/>
+                      <a:round/>
+                      <a:headEnd len="sm" w="sm" type="none"/>
+                      <a:tailEnd len="sm" w="sm" type="none"/>
+                    </a:lnR>
+                    <a:lnT cap="flat" cmpd="sng" w="9525">
+                      <a:solidFill>
+                        <a:srgbClr val="CCCCCC"/>
+                      </a:solidFill>
+                      <a:prstDash val="solid"/>
+                      <a:round/>
+                      <a:headEnd len="sm" w="sm" type="none"/>
+                      <a:tailEnd len="sm" w="sm" type="none"/>
+                    </a:lnT>
+                    <a:lnB cap="flat" cmpd="sng" w="9525">
+                      <a:solidFill>
+                        <a:srgbClr val="CCCCCC"/>
+                      </a:solidFill>
+                      <a:prstDash val="solid"/>
+                      <a:round/>
+                      <a:headEnd len="sm" w="sm" type="none"/>
+                      <a:tailEnd len="sm" w="sm" type="none"/>
+                    </a:lnB>
+                  </a:tcPr>
+                </a:tc>
+                <a:tc>
+                  <a:txBody>
+                    <a:bodyPr/>
+                    <a:lstStyle/>
+                    <a:p>
+                      <a:pPr indent="0" lvl="0" marL="0" rtl="0" algn="l">
+                        <a:spcBef>
+                          <a:spcPts val="0"/>
+                        </a:spcBef>
+                        <a:spcAft>
+                          <a:spcPts val="0"/>
+                        </a:spcAft>
+                        <a:buNone/>
+                      </a:pPr>
+                      <a:r>
+                        <a:rPr lang="en">
+                          <a:solidFill>
+                            <a:schemeClr val="dk1"/>
+                          </a:solidFill>
+                        </a:rPr>
+                        <a:t>0.001</a:t>
+                      </a:r>
+                      <a:endParaRPr>
+                        <a:solidFill>
+                          <a:schemeClr val="dk1"/>
+                        </a:solidFill>
+                      </a:endParaRPr>
+                    </a:p>
+                  </a:txBody>
+                  <a:tcPr marT="19050" marB="19050" marR="28575" marL="28575" anchor="b">
+                    <a:lnL cap="flat" cmpd="sng" w="9525">
+                      <a:solidFill>
+                        <a:srgbClr val="CCCCCC"/>
+                      </a:solidFill>
+                      <a:prstDash val="solid"/>
+                      <a:round/>
+                      <a:headEnd len="sm" w="sm" type="none"/>
+                      <a:tailEnd len="sm" w="sm" type="none"/>
+                    </a:lnL>
+                    <a:lnR cap="flat" cmpd="sng" w="9525">
+                      <a:solidFill>
+                        <a:srgbClr val="CCCCCC"/>
+                      </a:solidFill>
+                      <a:prstDash val="solid"/>
+                      <a:round/>
+                      <a:headEnd len="sm" w="sm" type="none"/>
+                      <a:tailEnd len="sm" w="sm" type="none"/>
+                    </a:lnR>
+                    <a:lnT cap="flat" cmpd="sng" w="9525">
+                      <a:solidFill>
+                        <a:srgbClr val="CCCCCC"/>
+                      </a:solidFill>
+                      <a:prstDash val="solid"/>
+                      <a:round/>
+                      <a:headEnd len="sm" w="sm" type="none"/>
+                      <a:tailEnd len="sm" w="sm" type="none"/>
+                    </a:lnT>
+                    <a:lnB cap="flat" cmpd="sng" w="9525">
+                      <a:solidFill>
+                        <a:srgbClr val="CCCCCC"/>
+                      </a:solidFill>
+                      <a:prstDash val="solid"/>
+                      <a:round/>
+                      <a:headEnd len="sm" w="sm" type="none"/>
+                      <a:tailEnd len="sm" w="sm" type="none"/>
+                    </a:lnB>
+                  </a:tcPr>
+                </a:tc>
+                <a:tc>
+                  <a:txBody>
+                    <a:bodyPr/>
+                    <a:lstStyle/>
+                    <a:p>
+                      <a:pPr indent="0" lvl="0" marL="0" rtl="0" algn="l">
+                        <a:spcBef>
+                          <a:spcPts val="0"/>
+                        </a:spcBef>
+                        <a:spcAft>
+                          <a:spcPts val="0"/>
+                        </a:spcAft>
+                        <a:buNone/>
+                      </a:pPr>
+                      <a:r>
+                        <a:rPr lang="en">
+                          <a:solidFill>
+                            <a:schemeClr val="dk1"/>
+                          </a:solidFill>
+                        </a:rPr>
+                        <a:t>120</a:t>
+                      </a:r>
+                      <a:endParaRPr>
+                        <a:solidFill>
+                          <a:schemeClr val="dk1"/>
+                        </a:solidFill>
+                      </a:endParaRPr>
+                    </a:p>
+                  </a:txBody>
+                  <a:tcPr marT="19050" marB="19050" marR="28575" marL="28575" anchor="b">
+                    <a:lnL cap="flat" cmpd="sng" w="9525">
+                      <a:solidFill>
+                        <a:srgbClr val="CCCCCC"/>
+                      </a:solidFill>
+                      <a:prstDash val="solid"/>
+                      <a:round/>
+                      <a:headEnd len="sm" w="sm" type="none"/>
+                      <a:tailEnd len="sm" w="sm" type="none"/>
+                    </a:lnL>
+                    <a:lnR cap="flat" cmpd="sng" w="9525">
+                      <a:solidFill>
+                        <a:srgbClr val="CCCCCC"/>
+                      </a:solidFill>
+                      <a:prstDash val="solid"/>
+                      <a:round/>
+                      <a:headEnd len="sm" w="sm" type="none"/>
+                      <a:tailEnd len="sm" w="sm" type="none"/>
+                    </a:lnR>
+                    <a:lnT cap="flat" cmpd="sng" w="9525">
+                      <a:solidFill>
+                        <a:srgbClr val="CCCCCC"/>
+                      </a:solidFill>
+                      <a:prstDash val="solid"/>
+                      <a:round/>
+                      <a:headEnd len="sm" w="sm" type="none"/>
+                      <a:tailEnd len="sm" w="sm" type="none"/>
+                    </a:lnT>
+                    <a:lnB cap="flat" cmpd="sng" w="9525">
+                      <a:solidFill>
+                        <a:srgbClr val="CCCCCC"/>
+                      </a:solidFill>
+                      <a:prstDash val="solid"/>
+                      <a:round/>
+                      <a:headEnd len="sm" w="sm" type="none"/>
+                      <a:tailEnd len="sm" w="sm" type="none"/>
+                    </a:lnB>
+                  </a:tcPr>
+                </a:tc>
+                <a:tc>
+                  <a:txBody>
+                    <a:bodyPr/>
+                    <a:lstStyle/>
+                    <a:p>
+                      <a:pPr indent="0" lvl="0" marL="0" rtl="0" algn="l">
+                        <a:spcBef>
+                          <a:spcPts val="0"/>
+                        </a:spcBef>
+                        <a:spcAft>
+                          <a:spcPts val="0"/>
+                        </a:spcAft>
+                        <a:buNone/>
+                      </a:pPr>
+                      <a:r>
+                        <a:rPr lang="en">
+                          <a:solidFill>
+                            <a:schemeClr val="dk1"/>
+                          </a:solidFill>
+                        </a:rPr>
+                        <a:t>80%</a:t>
+                      </a:r>
+                      <a:endParaRPr>
+                        <a:solidFill>
+                          <a:schemeClr val="dk1"/>
+                        </a:solidFill>
+                      </a:endParaRPr>
+                    </a:p>
+                  </a:txBody>
+                  <a:tcPr marT="19050" marB="19050" marR="28575" marL="28575" anchor="b">
+                    <a:lnL cap="flat" cmpd="sng" w="9525">
+                      <a:solidFill>
+                        <a:srgbClr val="CCCCCC"/>
+                      </a:solidFill>
+                      <a:prstDash val="solid"/>
+                      <a:round/>
+                      <a:headEnd len="sm" w="sm" type="none"/>
+                      <a:tailEnd len="sm" w="sm" type="none"/>
+                    </a:lnL>
+                    <a:lnR cap="flat" cmpd="sng" w="9525">
+                      <a:solidFill>
+                        <a:srgbClr val="CCCCCC"/>
+                      </a:solidFill>
+                      <a:prstDash val="solid"/>
+                      <a:round/>
+                      <a:headEnd len="sm" w="sm" type="none"/>
+                      <a:tailEnd len="sm" w="sm" type="none"/>
+                    </a:lnR>
+                    <a:lnT cap="flat" cmpd="sng" w="9525">
+                      <a:solidFill>
+                        <a:srgbClr val="CCCCCC"/>
+                      </a:solidFill>
+                      <a:prstDash val="solid"/>
+                      <a:round/>
+                      <a:headEnd len="sm" w="sm" type="none"/>
+                      <a:tailEnd len="sm" w="sm" type="none"/>
+                    </a:lnT>
+                    <a:lnB cap="flat" cmpd="sng" w="9525">
+                      <a:solidFill>
+                        <a:srgbClr val="CCCCCC"/>
+                      </a:solidFill>
+                      <a:prstDash val="solid"/>
+                      <a:round/>
+                      <a:headEnd len="sm" w="sm" type="none"/>
+                      <a:tailEnd len="sm" w="sm" type="none"/>
+                    </a:lnB>
+                  </a:tcPr>
+                </a:tc>
+              </a:tr>
+            </a:tbl>
+          </a:graphicData>
+        </a:graphic>
+      </p:graphicFrame>
+      <p:sp>
+        <p:nvSpPr>
+          <p:cNvPr id="106" name="Google Shape;106;p19"/>
+          <p:cNvSpPr txBox="1"/>
+          <p:nvPr>
+            <p:ph idx="12" type="sldNum"/>
+          </p:nvPr>
+        </p:nvSpPr>
+        <p:spPr>
+          <a:xfrm>
+            <a:off x="8490250" y="4681009"/>
+            <a:ext cx="548700" cy="393600"/>
+          </a:xfrm>
+          <a:prstGeom prst="rect">
+            <a:avLst/>
+          </a:prstGeom>
+        </p:spPr>
+        <p:txBody>
+          <a:bodyPr anchorCtr="0" anchor="ctr" bIns="91425" lIns="91425" spcFirstLastPara="1" rIns="91425" wrap="square" tIns="91425">
+            <a:normAutofit/>
+          </a:bodyPr>
+          <a:lstStyle/>
+          <a:p>
+            <a:pPr indent="0" lvl="0" marL="0" rtl="0" algn="r">
+              <a:spcBef>
+                <a:spcPts val="0"/>
+              </a:spcBef>
+              <a:spcAft>
+                <a:spcPts val="0"/>
+              </a:spcAft>
+              <a:buNone/>
+            </a:pPr>
+            <a:fld id="{00000000-1234-1234-1234-123412341234}" type="slidenum">
+              <a:rPr lang="en"/>
+              <a:t>‹#›</a:t>
+            </a:fld>
+            <a:endParaRPr/>
+          </a:p>
+        </p:txBody>
+      </p:sp>
+    </p:spTree>
+  </p:cSld>
+  <p:clrMapOvr>
+    <a:masterClrMapping/>
+  </p:clrMapOvr>
+</p:sld>
+</file>
+
+<file path=ppt/slides/slide8.xml><?xml version="1.0" encoding="utf-8"?>
+<p:sld xmlns:a="http://schemas.openxmlformats.org/drawingml/2006/main" xmlns:r="http://schemas.openxmlformats.org/officeDocument/2006/relationships" xmlns:mc="http://schemas.openxmlformats.org/markup-compatibility/2006" xmlns:mv="urn:schemas-microsoft-com:mac:vml" xmlns:p="http://schemas.openxmlformats.org/presentationml/2006/main" xmlns:c="http://schemas.openxmlformats.org/drawingml/2006/chart" xmlns:dgm="http://schemas.openxmlformats.org/drawingml/2006/diagram" xmlns:o="urn:schemas-microsoft-com:office:office" xmlns:v="urn:schemas-microsoft-com:vml" xmlns:pvml="urn:schemas-microsoft-com:office:powerpoint" xmlns:com="http://schemas.openxmlformats.org/drawingml/2006/compatibility" xmlns:p14="http://schemas.microsoft.com/office/powerpoint/2010/main" xmlns:p15="http://schemas.microsoft.com/office/powerpoint/2012/main" xmlns:ahyp="http://schemas.microsoft.com/office/drawing/2018/hyperlinkcolor">
+  <p:cSld>
+    <p:spTree>
+      <p:nvGrpSpPr>
+        <p:cNvPr id="110" name="Shape 110"/>
+        <p:cNvGrpSpPr/>
+        <p:nvPr/>
+      </p:nvGrpSpPr>
+      <p:grpSpPr>
+        <a:xfrm>
+          <a:off x="0" y="0"/>
+          <a:ext cx="0" cy="0"/>
+          <a:chOff x="0" y="0"/>
+          <a:chExt cx="0" cy="0"/>
+        </a:xfrm>
+      </p:grpSpPr>
+      <p:sp>
+        <p:nvSpPr>
+          <p:cNvPr id="111" name="Google Shape;111;p20"/>
+          <p:cNvSpPr txBox="1"/>
+          <p:nvPr>
+            <p:ph type="title"/>
+          </p:nvPr>
+        </p:nvSpPr>
+        <p:spPr>
+          <a:xfrm>
+            <a:off x="311700" y="445025"/>
+            <a:ext cx="8520600" cy="572700"/>
+          </a:xfrm>
+          <a:prstGeom prst="rect">
+            <a:avLst/>
+          </a:prstGeom>
+        </p:spPr>
+        <p:txBody>
+          <a:bodyPr anchorCtr="0" anchor="t" bIns="91425" lIns="91425" spcFirstLastPara="1" rIns="91425" wrap="square" tIns="91425">
+            <a:normAutofit fontScale="90000"/>
+          </a:bodyPr>
+          <a:lstStyle/>
+          <a:p>
+            <a:pPr indent="0" lvl="0" marL="0" rtl="0" algn="l">
+              <a:spcBef>
+                <a:spcPts val="0"/>
+              </a:spcBef>
+              <a:spcAft>
+                <a:spcPts val="0"/>
+              </a:spcAft>
+              <a:buNone/>
+            </a:pPr>
+            <a:r>
+              <a:rPr lang="en"/>
               <a:t>Model Variances</a:t>
             </a:r>
             <a:endParaRPr/>
@@ -8037,7 +11936,7 @@
       </p:sp>
       <p:graphicFrame>
         <p:nvGraphicFramePr>
-          <p:cNvPr id="143" name="Google Shape;143;p24"/>
+          <p:cNvPr id="112" name="Google Shape;112;p20"/>
           <p:cNvGraphicFramePr/>
           <p:nvPr/>
         </p:nvGraphicFramePr>
@@ -8050,7 +11949,7 @@
             <a:tbl>
               <a:tblPr>
                 <a:noFill/>
-                <a:tableStyleId>{C4637716-1009-4BCD-863A-BBA2088A4895}</a:tableStyleId>
+                <a:tableStyleId>{9A47046B-62CA-408A-B81B-A462B86DB77F}</a:tableStyleId>
               </a:tblPr>
               <a:tblGrid>
                 <a:gridCol w="2207625"/>
@@ -8148,7 +12047,7 @@
                             <a:schemeClr val="dk1"/>
                           </a:solidFill>
                         </a:rPr>
-                        <a:t>3</a:t>
+                        <a:t>3 layers</a:t>
                       </a:r>
                       <a:endParaRPr>
                         <a:solidFill>
@@ -8744,7 +12643,7 @@
       </p:graphicFrame>
       <p:sp>
         <p:nvSpPr>
-          <p:cNvPr id="144" name="Google Shape;144;p24"/>
+          <p:cNvPr id="113" name="Google Shape;113;p20"/>
           <p:cNvSpPr txBox="1"/>
           <p:nvPr>
             <p:ph idx="12" type="sldNum"/>
@@ -8782,3894 +12681,6 @@
           </a:p>
         </p:txBody>
       </p:sp>
-    </p:spTree>
-  </p:cSld>
-  <p:clrMapOvr>
-    <a:masterClrMapping/>
-  </p:clrMapOvr>
-</p:sld>
-</file>
-
-<file path=ppt/slides/slide13.xml><?xml version="1.0" encoding="utf-8"?>
-<p:sld xmlns:a="http://schemas.openxmlformats.org/drawingml/2006/main" xmlns:r="http://schemas.openxmlformats.org/officeDocument/2006/relationships" xmlns:mc="http://schemas.openxmlformats.org/markup-compatibility/2006" xmlns:mv="urn:schemas-microsoft-com:mac:vml" xmlns:p="http://schemas.openxmlformats.org/presentationml/2006/main" xmlns:c="http://schemas.openxmlformats.org/drawingml/2006/chart" xmlns:dgm="http://schemas.openxmlformats.org/drawingml/2006/diagram" xmlns:o="urn:schemas-microsoft-com:office:office" xmlns:v="urn:schemas-microsoft-com:vml" xmlns:pvml="urn:schemas-microsoft-com:office:powerpoint" xmlns:com="http://schemas.openxmlformats.org/drawingml/2006/compatibility" xmlns:p14="http://schemas.microsoft.com/office/powerpoint/2010/main" xmlns:p15="http://schemas.microsoft.com/office/powerpoint/2012/main" xmlns:ahyp="http://schemas.microsoft.com/office/drawing/2018/hyperlinkcolor">
-  <p:cSld>
-    <p:spTree>
-      <p:nvGrpSpPr>
-        <p:cNvPr id="148" name="Shape 148"/>
-        <p:cNvGrpSpPr/>
-        <p:nvPr/>
-      </p:nvGrpSpPr>
-      <p:grpSpPr>
-        <a:xfrm>
-          <a:off x="0" y="0"/>
-          <a:ext cx="0" cy="0"/>
-          <a:chOff x="0" y="0"/>
-          <a:chExt cx="0" cy="0"/>
-        </a:xfrm>
-      </p:grpSpPr>
-      <p:sp>
-        <p:nvSpPr>
-          <p:cNvPr id="149" name="Google Shape;149;p25"/>
-          <p:cNvSpPr txBox="1"/>
-          <p:nvPr>
-            <p:ph type="title"/>
-          </p:nvPr>
-        </p:nvSpPr>
-        <p:spPr>
-          <a:xfrm>
-            <a:off x="311700" y="445025"/>
-            <a:ext cx="8520600" cy="572700"/>
-          </a:xfrm>
-          <a:prstGeom prst="rect">
-            <a:avLst/>
-          </a:prstGeom>
-        </p:spPr>
-        <p:txBody>
-          <a:bodyPr anchorCtr="0" anchor="t" bIns="91425" lIns="91425" spcFirstLastPara="1" rIns="91425" wrap="square" tIns="91425">
-            <a:normAutofit fontScale="90000"/>
-          </a:bodyPr>
-          <a:lstStyle/>
-          <a:p>
-            <a:pPr indent="0" lvl="0" marL="0" rtl="0" algn="l">
-              <a:spcBef>
-                <a:spcPts val="0"/>
-              </a:spcBef>
-              <a:spcAft>
-                <a:spcPts val="0"/>
-              </a:spcAft>
-              <a:buNone/>
-            </a:pPr>
-            <a:r>
-              <a:rPr lang="en"/>
-              <a:t>Distilroberta-base</a:t>
-            </a:r>
-            <a:endParaRPr/>
-          </a:p>
-        </p:txBody>
-      </p:sp>
-      <p:sp>
-        <p:nvSpPr>
-          <p:cNvPr id="150" name="Google Shape;150;p25"/>
-          <p:cNvSpPr txBox="1"/>
-          <p:nvPr>
-            <p:ph idx="12" type="sldNum"/>
-          </p:nvPr>
-        </p:nvSpPr>
-        <p:spPr>
-          <a:xfrm>
-            <a:off x="8490250" y="4681009"/>
-            <a:ext cx="548700" cy="393600"/>
-          </a:xfrm>
-          <a:prstGeom prst="rect">
-            <a:avLst/>
-          </a:prstGeom>
-        </p:spPr>
-        <p:txBody>
-          <a:bodyPr anchorCtr="0" anchor="ctr" bIns="91425" lIns="91425" spcFirstLastPara="1" rIns="91425" wrap="square" tIns="91425">
-            <a:normAutofit/>
-          </a:bodyPr>
-          <a:lstStyle/>
-          <a:p>
-            <a:pPr indent="0" lvl="0" marL="0" rtl="0" algn="r">
-              <a:spcBef>
-                <a:spcPts val="0"/>
-              </a:spcBef>
-              <a:spcAft>
-                <a:spcPts val="0"/>
-              </a:spcAft>
-              <a:buNone/>
-            </a:pPr>
-            <a:fld id="{00000000-1234-1234-1234-123412341234}" type="slidenum">
-              <a:rPr lang="en"/>
-              <a:t>‹#›</a:t>
-            </a:fld>
-            <a:endParaRPr/>
-          </a:p>
-        </p:txBody>
-      </p:sp>
-      <p:pic>
-        <p:nvPicPr>
-          <p:cNvPr id="151" name="Google Shape;151;p25"/>
-          <p:cNvPicPr preferRelativeResize="0"/>
-          <p:nvPr/>
-        </p:nvPicPr>
-        <p:blipFill>
-          <a:blip r:embed="rId3">
-            <a:alphaModFix/>
-          </a:blip>
-          <a:stretch>
-            <a:fillRect/>
-          </a:stretch>
-        </p:blipFill>
-        <p:spPr>
-          <a:xfrm>
-            <a:off x="4572000" y="1140900"/>
-            <a:ext cx="4184091" cy="3820975"/>
-          </a:xfrm>
-          <a:prstGeom prst="rect">
-            <a:avLst/>
-          </a:prstGeom>
-          <a:noFill/>
-          <a:ln>
-            <a:noFill/>
-          </a:ln>
-        </p:spPr>
-      </p:pic>
-      <p:pic>
-        <p:nvPicPr>
-          <p:cNvPr id="152" name="Google Shape;152;p25"/>
-          <p:cNvPicPr preferRelativeResize="0"/>
-          <p:nvPr/>
-        </p:nvPicPr>
-        <p:blipFill>
-          <a:blip r:embed="rId4">
-            <a:alphaModFix/>
-          </a:blip>
-          <a:stretch>
-            <a:fillRect/>
-          </a:stretch>
-        </p:blipFill>
-        <p:spPr>
-          <a:xfrm>
-            <a:off x="152400" y="1170125"/>
-            <a:ext cx="4267200" cy="3291840"/>
-          </a:xfrm>
-          <a:prstGeom prst="rect">
-            <a:avLst/>
-          </a:prstGeom>
-          <a:noFill/>
-          <a:ln>
-            <a:noFill/>
-          </a:ln>
-        </p:spPr>
-      </p:pic>
-    </p:spTree>
-  </p:cSld>
-  <p:clrMapOvr>
-    <a:masterClrMapping/>
-  </p:clrMapOvr>
-</p:sld>
-</file>
-
-<file path=ppt/slides/slide2.xml><?xml version="1.0" encoding="utf-8"?>
-<p:sld xmlns:a="http://schemas.openxmlformats.org/drawingml/2006/main" xmlns:r="http://schemas.openxmlformats.org/officeDocument/2006/relationships" xmlns:mc="http://schemas.openxmlformats.org/markup-compatibility/2006" xmlns:mv="urn:schemas-microsoft-com:mac:vml" xmlns:p="http://schemas.openxmlformats.org/presentationml/2006/main" xmlns:c="http://schemas.openxmlformats.org/drawingml/2006/chart" xmlns:dgm="http://schemas.openxmlformats.org/drawingml/2006/diagram" xmlns:o="urn:schemas-microsoft-com:office:office" xmlns:v="urn:schemas-microsoft-com:vml" xmlns:pvml="urn:schemas-microsoft-com:office:powerpoint" xmlns:com="http://schemas.openxmlformats.org/drawingml/2006/compatibility" xmlns:p14="http://schemas.microsoft.com/office/powerpoint/2010/main" xmlns:p15="http://schemas.microsoft.com/office/powerpoint/2012/main" xmlns:ahyp="http://schemas.microsoft.com/office/drawing/2018/hyperlinkcolor">
-  <p:cSld>
-    <p:spTree>
-      <p:nvGrpSpPr>
-        <p:cNvPr id="65" name="Shape 65"/>
-        <p:cNvGrpSpPr/>
-        <p:nvPr/>
-      </p:nvGrpSpPr>
-      <p:grpSpPr>
-        <a:xfrm>
-          <a:off x="0" y="0"/>
-          <a:ext cx="0" cy="0"/>
-          <a:chOff x="0" y="0"/>
-          <a:chExt cx="0" cy="0"/>
-        </a:xfrm>
-      </p:grpSpPr>
-      <p:sp>
-        <p:nvSpPr>
-          <p:cNvPr id="66" name="Google Shape;66;p14"/>
-          <p:cNvSpPr txBox="1"/>
-          <p:nvPr>
-            <p:ph type="title"/>
-          </p:nvPr>
-        </p:nvSpPr>
-        <p:spPr>
-          <a:xfrm>
-            <a:off x="311700" y="445025"/>
-            <a:ext cx="8520600" cy="572700"/>
-          </a:xfrm>
-          <a:prstGeom prst="rect">
-            <a:avLst/>
-          </a:prstGeom>
-        </p:spPr>
-        <p:txBody>
-          <a:bodyPr anchorCtr="0" anchor="t" bIns="91425" lIns="91425" spcFirstLastPara="1" rIns="91425" wrap="square" tIns="91425">
-            <a:normAutofit fontScale="90000"/>
-          </a:bodyPr>
-          <a:lstStyle/>
-          <a:p>
-            <a:pPr indent="0" lvl="0" marL="0" rtl="0" algn="l">
-              <a:spcBef>
-                <a:spcPts val="0"/>
-              </a:spcBef>
-              <a:spcAft>
-                <a:spcPts val="0"/>
-              </a:spcAft>
-              <a:buNone/>
-            </a:pPr>
-            <a:r>
-              <a:rPr lang="en"/>
-              <a:t>Table of Contents</a:t>
-            </a:r>
-            <a:endParaRPr/>
-          </a:p>
-        </p:txBody>
-      </p:sp>
-      <p:sp>
-        <p:nvSpPr>
-          <p:cNvPr id="67" name="Google Shape;67;p14"/>
-          <p:cNvSpPr txBox="1"/>
-          <p:nvPr>
-            <p:ph idx="1" type="body"/>
-          </p:nvPr>
-        </p:nvSpPr>
-        <p:spPr>
-          <a:xfrm>
-            <a:off x="311700" y="1152475"/>
-            <a:ext cx="8520600" cy="3416400"/>
-          </a:xfrm>
-          <a:prstGeom prst="rect">
-            <a:avLst/>
-          </a:prstGeom>
-        </p:spPr>
-        <p:txBody>
-          <a:bodyPr anchorCtr="0" anchor="t" bIns="91425" lIns="91425" spcFirstLastPara="1" rIns="91425" wrap="square" tIns="914400">
-            <a:normAutofit/>
-          </a:bodyPr>
-          <a:lstStyle/>
-          <a:p>
-            <a:pPr indent="-342900" lvl="0" marL="457200" rtl="0" algn="l">
-              <a:spcBef>
-                <a:spcPts val="0"/>
-              </a:spcBef>
-              <a:spcAft>
-                <a:spcPts val="0"/>
-              </a:spcAft>
-              <a:buSzPts val="1800"/>
-              <a:buChar char="-"/>
-            </a:pPr>
-            <a:r>
-              <a:rPr lang="en"/>
-              <a:t>Data </a:t>
-            </a:r>
-            <a:r>
-              <a:rPr lang="en"/>
-              <a:t>Analysis</a:t>
-            </a:r>
-            <a:endParaRPr/>
-          </a:p>
-          <a:p>
-            <a:pPr indent="-342900" lvl="0" marL="457200" rtl="0" algn="l">
-              <a:spcBef>
-                <a:spcPts val="0"/>
-              </a:spcBef>
-              <a:spcAft>
-                <a:spcPts val="0"/>
-              </a:spcAft>
-              <a:buSzPts val="1800"/>
-              <a:buChar char="-"/>
-            </a:pPr>
-            <a:r>
-              <a:rPr lang="en"/>
-              <a:t>Models performances</a:t>
-            </a:r>
-            <a:endParaRPr/>
-          </a:p>
-          <a:p>
-            <a:pPr indent="-342900" lvl="0" marL="457200" rtl="0" algn="l">
-              <a:spcBef>
-                <a:spcPts val="0"/>
-              </a:spcBef>
-              <a:spcAft>
-                <a:spcPts val="0"/>
-              </a:spcAft>
-              <a:buSzPts val="1800"/>
-              <a:buChar char="-"/>
-            </a:pPr>
-            <a:r>
-              <a:rPr lang="en"/>
-              <a:t>Model Variances</a:t>
-            </a:r>
-            <a:endParaRPr/>
-          </a:p>
-          <a:p>
-            <a:pPr indent="-342900" lvl="0" marL="457200" rtl="0" algn="l">
-              <a:spcBef>
-                <a:spcPts val="0"/>
-              </a:spcBef>
-              <a:spcAft>
-                <a:spcPts val="0"/>
-              </a:spcAft>
-              <a:buSzPts val="1800"/>
-              <a:buChar char="-"/>
-            </a:pPr>
-            <a:r>
-              <a:rPr lang="en"/>
-              <a:t>Preprocessing pipeline</a:t>
-            </a:r>
-            <a:endParaRPr/>
-          </a:p>
-        </p:txBody>
-      </p:sp>
-      <p:sp>
-        <p:nvSpPr>
-          <p:cNvPr id="68" name="Google Shape;68;p14"/>
-          <p:cNvSpPr txBox="1"/>
-          <p:nvPr>
-            <p:ph idx="12" type="sldNum"/>
-          </p:nvPr>
-        </p:nvSpPr>
-        <p:spPr>
-          <a:xfrm>
-            <a:off x="8490250" y="4681009"/>
-            <a:ext cx="548700" cy="393600"/>
-          </a:xfrm>
-          <a:prstGeom prst="rect">
-            <a:avLst/>
-          </a:prstGeom>
-        </p:spPr>
-        <p:txBody>
-          <a:bodyPr anchorCtr="0" anchor="ctr" bIns="91425" lIns="91425" spcFirstLastPara="1" rIns="91425" wrap="square" tIns="91425">
-            <a:normAutofit/>
-          </a:bodyPr>
-          <a:lstStyle/>
-          <a:p>
-            <a:pPr indent="0" lvl="0" marL="0" rtl="0" algn="r">
-              <a:spcBef>
-                <a:spcPts val="0"/>
-              </a:spcBef>
-              <a:spcAft>
-                <a:spcPts val="0"/>
-              </a:spcAft>
-              <a:buNone/>
-            </a:pPr>
-            <a:fld id="{00000000-1234-1234-1234-123412341234}" type="slidenum">
-              <a:rPr lang="en"/>
-              <a:t>‹#›</a:t>
-            </a:fld>
-            <a:endParaRPr/>
-          </a:p>
-        </p:txBody>
-      </p:sp>
-    </p:spTree>
-  </p:cSld>
-  <p:clrMapOvr>
-    <a:masterClrMapping/>
-  </p:clrMapOvr>
-</p:sld>
-</file>
-
-<file path=ppt/slides/slide3.xml><?xml version="1.0" encoding="utf-8"?>
-<p:sld xmlns:a="http://schemas.openxmlformats.org/drawingml/2006/main" xmlns:r="http://schemas.openxmlformats.org/officeDocument/2006/relationships" xmlns:mc="http://schemas.openxmlformats.org/markup-compatibility/2006" xmlns:mv="urn:schemas-microsoft-com:mac:vml" xmlns:p="http://schemas.openxmlformats.org/presentationml/2006/main" xmlns:c="http://schemas.openxmlformats.org/drawingml/2006/chart" xmlns:dgm="http://schemas.openxmlformats.org/drawingml/2006/diagram" xmlns:o="urn:schemas-microsoft-com:office:office" xmlns:v="urn:schemas-microsoft-com:vml" xmlns:pvml="urn:schemas-microsoft-com:office:powerpoint" xmlns:com="http://schemas.openxmlformats.org/drawingml/2006/compatibility" xmlns:p14="http://schemas.microsoft.com/office/powerpoint/2010/main" xmlns:p15="http://schemas.microsoft.com/office/powerpoint/2012/main" xmlns:ahyp="http://schemas.microsoft.com/office/drawing/2018/hyperlinkcolor">
-  <p:cSld>
-    <p:spTree>
-      <p:nvGrpSpPr>
-        <p:cNvPr id="72" name="Shape 72"/>
-        <p:cNvGrpSpPr/>
-        <p:nvPr/>
-      </p:nvGrpSpPr>
-      <p:grpSpPr>
-        <a:xfrm>
-          <a:off x="0" y="0"/>
-          <a:ext cx="0" cy="0"/>
-          <a:chOff x="0" y="0"/>
-          <a:chExt cx="0" cy="0"/>
-        </a:xfrm>
-      </p:grpSpPr>
-      <p:sp>
-        <p:nvSpPr>
-          <p:cNvPr id="73" name="Google Shape;73;p15"/>
-          <p:cNvSpPr txBox="1"/>
-          <p:nvPr>
-            <p:ph type="title"/>
-          </p:nvPr>
-        </p:nvSpPr>
-        <p:spPr>
-          <a:xfrm>
-            <a:off x="311700" y="445025"/>
-            <a:ext cx="8520600" cy="572700"/>
-          </a:xfrm>
-          <a:prstGeom prst="rect">
-            <a:avLst/>
-          </a:prstGeom>
-        </p:spPr>
-        <p:txBody>
-          <a:bodyPr anchorCtr="0" anchor="t" bIns="91425" lIns="91425" spcFirstLastPara="1" rIns="91425" wrap="square" tIns="91425">
-            <a:normAutofit fontScale="90000"/>
-          </a:bodyPr>
-          <a:lstStyle/>
-          <a:p>
-            <a:pPr indent="0" lvl="0" marL="0" rtl="0" algn="l">
-              <a:spcBef>
-                <a:spcPts val="0"/>
-              </a:spcBef>
-              <a:spcAft>
-                <a:spcPts val="0"/>
-              </a:spcAft>
-              <a:buNone/>
-            </a:pPr>
-            <a:r>
-              <a:rPr lang="en"/>
-              <a:t>Data Analysis</a:t>
-            </a:r>
-            <a:endParaRPr/>
-          </a:p>
-        </p:txBody>
-      </p:sp>
-      <p:sp>
-        <p:nvSpPr>
-          <p:cNvPr id="74" name="Google Shape;74;p15"/>
-          <p:cNvSpPr txBox="1"/>
-          <p:nvPr>
-            <p:ph idx="12" type="sldNum"/>
-          </p:nvPr>
-        </p:nvSpPr>
-        <p:spPr>
-          <a:xfrm>
-            <a:off x="8490250" y="4681009"/>
-            <a:ext cx="548700" cy="393600"/>
-          </a:xfrm>
-          <a:prstGeom prst="rect">
-            <a:avLst/>
-          </a:prstGeom>
-        </p:spPr>
-        <p:txBody>
-          <a:bodyPr anchorCtr="0" anchor="ctr" bIns="91425" lIns="91425" spcFirstLastPara="1" rIns="91425" wrap="square" tIns="91425">
-            <a:normAutofit/>
-          </a:bodyPr>
-          <a:lstStyle/>
-          <a:p>
-            <a:pPr indent="0" lvl="0" marL="0" rtl="0" algn="r">
-              <a:spcBef>
-                <a:spcPts val="0"/>
-              </a:spcBef>
-              <a:spcAft>
-                <a:spcPts val="0"/>
-              </a:spcAft>
-              <a:buNone/>
-            </a:pPr>
-            <a:fld id="{00000000-1234-1234-1234-123412341234}" type="slidenum">
-              <a:rPr lang="en"/>
-              <a:t>‹#›</a:t>
-            </a:fld>
-            <a:endParaRPr/>
-          </a:p>
-        </p:txBody>
-      </p:sp>
-      <p:pic>
-        <p:nvPicPr>
-          <p:cNvPr id="75" name="Google Shape;75;p15"/>
-          <p:cNvPicPr preferRelativeResize="0"/>
-          <p:nvPr/>
-        </p:nvPicPr>
-        <p:blipFill>
-          <a:blip r:embed="rId3">
-            <a:alphaModFix/>
-          </a:blip>
-          <a:stretch>
-            <a:fillRect/>
-          </a:stretch>
-        </p:blipFill>
-        <p:spPr>
-          <a:xfrm>
-            <a:off x="974750" y="1017725"/>
-            <a:ext cx="7194511" cy="3820974"/>
-          </a:xfrm>
-          <a:prstGeom prst="rect">
-            <a:avLst/>
-          </a:prstGeom>
-          <a:noFill/>
-          <a:ln>
-            <a:noFill/>
-          </a:ln>
-        </p:spPr>
-      </p:pic>
-    </p:spTree>
-  </p:cSld>
-  <p:clrMapOvr>
-    <a:masterClrMapping/>
-  </p:clrMapOvr>
-</p:sld>
-</file>
-
-<file path=ppt/slides/slide4.xml><?xml version="1.0" encoding="utf-8"?>
-<p:sld xmlns:a="http://schemas.openxmlformats.org/drawingml/2006/main" xmlns:r="http://schemas.openxmlformats.org/officeDocument/2006/relationships" xmlns:mc="http://schemas.openxmlformats.org/markup-compatibility/2006" xmlns:mv="urn:schemas-microsoft-com:mac:vml" xmlns:p="http://schemas.openxmlformats.org/presentationml/2006/main" xmlns:c="http://schemas.openxmlformats.org/drawingml/2006/chart" xmlns:dgm="http://schemas.openxmlformats.org/drawingml/2006/diagram" xmlns:o="urn:schemas-microsoft-com:office:office" xmlns:v="urn:schemas-microsoft-com:vml" xmlns:pvml="urn:schemas-microsoft-com:office:powerpoint" xmlns:com="http://schemas.openxmlformats.org/drawingml/2006/compatibility" xmlns:p14="http://schemas.microsoft.com/office/powerpoint/2010/main" xmlns:p15="http://schemas.microsoft.com/office/powerpoint/2012/main" xmlns:ahyp="http://schemas.microsoft.com/office/drawing/2018/hyperlinkcolor">
-  <p:cSld>
-    <p:spTree>
-      <p:nvGrpSpPr>
-        <p:cNvPr id="79" name="Shape 79"/>
-        <p:cNvGrpSpPr/>
-        <p:nvPr/>
-      </p:nvGrpSpPr>
-      <p:grpSpPr>
-        <a:xfrm>
-          <a:off x="0" y="0"/>
-          <a:ext cx="0" cy="0"/>
-          <a:chOff x="0" y="0"/>
-          <a:chExt cx="0" cy="0"/>
-        </a:xfrm>
-      </p:grpSpPr>
-      <p:sp>
-        <p:nvSpPr>
-          <p:cNvPr id="80" name="Google Shape;80;p16"/>
-          <p:cNvSpPr txBox="1"/>
-          <p:nvPr>
-            <p:ph type="title"/>
-          </p:nvPr>
-        </p:nvSpPr>
-        <p:spPr>
-          <a:xfrm>
-            <a:off x="311700" y="445025"/>
-            <a:ext cx="8520600" cy="572700"/>
-          </a:xfrm>
-          <a:prstGeom prst="rect">
-            <a:avLst/>
-          </a:prstGeom>
-        </p:spPr>
-        <p:txBody>
-          <a:bodyPr anchorCtr="0" anchor="t" bIns="91425" lIns="91425" spcFirstLastPara="1" rIns="91425" wrap="square" tIns="91425">
-            <a:normAutofit fontScale="90000"/>
-          </a:bodyPr>
-          <a:lstStyle/>
-          <a:p>
-            <a:pPr indent="0" lvl="0" marL="0" rtl="0" algn="l">
-              <a:spcBef>
-                <a:spcPts val="0"/>
-              </a:spcBef>
-              <a:spcAft>
-                <a:spcPts val="0"/>
-              </a:spcAft>
-              <a:buNone/>
-            </a:pPr>
-            <a:r>
-              <a:rPr lang="en"/>
-              <a:t>Data Analysis</a:t>
-            </a:r>
-            <a:endParaRPr/>
-          </a:p>
-        </p:txBody>
-      </p:sp>
-      <p:sp>
-        <p:nvSpPr>
-          <p:cNvPr id="81" name="Google Shape;81;p16"/>
-          <p:cNvSpPr txBox="1"/>
-          <p:nvPr>
-            <p:ph idx="12" type="sldNum"/>
-          </p:nvPr>
-        </p:nvSpPr>
-        <p:spPr>
-          <a:xfrm>
-            <a:off x="8490250" y="4681009"/>
-            <a:ext cx="548700" cy="393600"/>
-          </a:xfrm>
-          <a:prstGeom prst="rect">
-            <a:avLst/>
-          </a:prstGeom>
-        </p:spPr>
-        <p:txBody>
-          <a:bodyPr anchorCtr="0" anchor="ctr" bIns="91425" lIns="91425" spcFirstLastPara="1" rIns="91425" wrap="square" tIns="91425">
-            <a:normAutofit/>
-          </a:bodyPr>
-          <a:lstStyle/>
-          <a:p>
-            <a:pPr indent="0" lvl="0" marL="0" rtl="0" algn="r">
-              <a:spcBef>
-                <a:spcPts val="0"/>
-              </a:spcBef>
-              <a:spcAft>
-                <a:spcPts val="0"/>
-              </a:spcAft>
-              <a:buNone/>
-            </a:pPr>
-            <a:fld id="{00000000-1234-1234-1234-123412341234}" type="slidenum">
-              <a:rPr lang="en"/>
-              <a:t>‹#›</a:t>
-            </a:fld>
-            <a:endParaRPr/>
-          </a:p>
-        </p:txBody>
-      </p:sp>
-      <p:pic>
-        <p:nvPicPr>
-          <p:cNvPr id="82" name="Google Shape;82;p16"/>
-          <p:cNvPicPr preferRelativeResize="0"/>
-          <p:nvPr/>
-        </p:nvPicPr>
-        <p:blipFill>
-          <a:blip r:embed="rId3">
-            <a:alphaModFix/>
-          </a:blip>
-          <a:stretch>
-            <a:fillRect/>
-          </a:stretch>
-        </p:blipFill>
-        <p:spPr>
-          <a:xfrm>
-            <a:off x="984100" y="1017725"/>
-            <a:ext cx="7175791" cy="3820975"/>
-          </a:xfrm>
-          <a:prstGeom prst="rect">
-            <a:avLst/>
-          </a:prstGeom>
-          <a:noFill/>
-          <a:ln>
-            <a:noFill/>
-          </a:ln>
-        </p:spPr>
-      </p:pic>
-    </p:spTree>
-  </p:cSld>
-  <p:clrMapOvr>
-    <a:masterClrMapping/>
-  </p:clrMapOvr>
-</p:sld>
-</file>
-
-<file path=ppt/slides/slide5.xml><?xml version="1.0" encoding="utf-8"?>
-<p:sld xmlns:a="http://schemas.openxmlformats.org/drawingml/2006/main" xmlns:r="http://schemas.openxmlformats.org/officeDocument/2006/relationships" xmlns:mc="http://schemas.openxmlformats.org/markup-compatibility/2006" xmlns:mv="urn:schemas-microsoft-com:mac:vml" xmlns:p="http://schemas.openxmlformats.org/presentationml/2006/main" xmlns:c="http://schemas.openxmlformats.org/drawingml/2006/chart" xmlns:dgm="http://schemas.openxmlformats.org/drawingml/2006/diagram" xmlns:o="urn:schemas-microsoft-com:office:office" xmlns:v="urn:schemas-microsoft-com:vml" xmlns:pvml="urn:schemas-microsoft-com:office:powerpoint" xmlns:com="http://schemas.openxmlformats.org/drawingml/2006/compatibility" xmlns:p14="http://schemas.microsoft.com/office/powerpoint/2010/main" xmlns:p15="http://schemas.microsoft.com/office/powerpoint/2012/main" xmlns:ahyp="http://schemas.microsoft.com/office/drawing/2018/hyperlinkcolor">
-  <p:cSld>
-    <p:spTree>
-      <p:nvGrpSpPr>
-        <p:cNvPr id="86" name="Shape 86"/>
-        <p:cNvGrpSpPr/>
-        <p:nvPr/>
-      </p:nvGrpSpPr>
-      <p:grpSpPr>
-        <a:xfrm>
-          <a:off x="0" y="0"/>
-          <a:ext cx="0" cy="0"/>
-          <a:chOff x="0" y="0"/>
-          <a:chExt cx="0" cy="0"/>
-        </a:xfrm>
-      </p:grpSpPr>
-      <p:sp>
-        <p:nvSpPr>
-          <p:cNvPr id="87" name="Google Shape;87;p17"/>
-          <p:cNvSpPr txBox="1"/>
-          <p:nvPr>
-            <p:ph type="title"/>
-          </p:nvPr>
-        </p:nvSpPr>
-        <p:spPr>
-          <a:xfrm>
-            <a:off x="311700" y="445025"/>
-            <a:ext cx="8520600" cy="572700"/>
-          </a:xfrm>
-          <a:prstGeom prst="rect">
-            <a:avLst/>
-          </a:prstGeom>
-        </p:spPr>
-        <p:txBody>
-          <a:bodyPr anchorCtr="0" anchor="t" bIns="91425" lIns="91425" spcFirstLastPara="1" rIns="91425" wrap="square" tIns="91425">
-            <a:normAutofit fontScale="90000"/>
-          </a:bodyPr>
-          <a:lstStyle/>
-          <a:p>
-            <a:pPr indent="0" lvl="0" marL="0" rtl="0" algn="l">
-              <a:spcBef>
-                <a:spcPts val="0"/>
-              </a:spcBef>
-              <a:spcAft>
-                <a:spcPts val="0"/>
-              </a:spcAft>
-              <a:buNone/>
-            </a:pPr>
-            <a:r>
-              <a:rPr lang="en"/>
-              <a:t>Data Analysis</a:t>
-            </a:r>
-            <a:endParaRPr/>
-          </a:p>
-        </p:txBody>
-      </p:sp>
-      <p:sp>
-        <p:nvSpPr>
-          <p:cNvPr id="88" name="Google Shape;88;p17"/>
-          <p:cNvSpPr txBox="1"/>
-          <p:nvPr>
-            <p:ph idx="12" type="sldNum"/>
-          </p:nvPr>
-        </p:nvSpPr>
-        <p:spPr>
-          <a:xfrm>
-            <a:off x="8490250" y="4681009"/>
-            <a:ext cx="548700" cy="393600"/>
-          </a:xfrm>
-          <a:prstGeom prst="rect">
-            <a:avLst/>
-          </a:prstGeom>
-        </p:spPr>
-        <p:txBody>
-          <a:bodyPr anchorCtr="0" anchor="ctr" bIns="91425" lIns="91425" spcFirstLastPara="1" rIns="91425" wrap="square" tIns="91425">
-            <a:normAutofit/>
-          </a:bodyPr>
-          <a:lstStyle/>
-          <a:p>
-            <a:pPr indent="0" lvl="0" marL="0" rtl="0" algn="r">
-              <a:spcBef>
-                <a:spcPts val="0"/>
-              </a:spcBef>
-              <a:spcAft>
-                <a:spcPts val="0"/>
-              </a:spcAft>
-              <a:buNone/>
-            </a:pPr>
-            <a:fld id="{00000000-1234-1234-1234-123412341234}" type="slidenum">
-              <a:rPr lang="en"/>
-              <a:t>‹#›</a:t>
-            </a:fld>
-            <a:endParaRPr/>
-          </a:p>
-        </p:txBody>
-      </p:sp>
-      <p:pic>
-        <p:nvPicPr>
-          <p:cNvPr id="89" name="Google Shape;89;p17"/>
-          <p:cNvPicPr preferRelativeResize="0"/>
-          <p:nvPr/>
-        </p:nvPicPr>
-        <p:blipFill>
-          <a:blip r:embed="rId3">
-            <a:alphaModFix/>
-          </a:blip>
-          <a:stretch>
-            <a:fillRect/>
-          </a:stretch>
-        </p:blipFill>
-        <p:spPr>
-          <a:xfrm>
-            <a:off x="123175" y="1170125"/>
-            <a:ext cx="4020624" cy="2987051"/>
-          </a:xfrm>
-          <a:prstGeom prst="rect">
-            <a:avLst/>
-          </a:prstGeom>
-          <a:noFill/>
-          <a:ln>
-            <a:noFill/>
-          </a:ln>
-        </p:spPr>
-      </p:pic>
-      <p:pic>
-        <p:nvPicPr>
-          <p:cNvPr id="90" name="Google Shape;90;p17"/>
-          <p:cNvPicPr preferRelativeResize="0"/>
-          <p:nvPr/>
-        </p:nvPicPr>
-        <p:blipFill>
-          <a:blip r:embed="rId4">
-            <a:alphaModFix/>
-          </a:blip>
-          <a:stretch>
-            <a:fillRect/>
-          </a:stretch>
-        </p:blipFill>
-        <p:spPr>
-          <a:xfrm>
-            <a:off x="4897499" y="1174625"/>
-            <a:ext cx="4020625" cy="2978038"/>
-          </a:xfrm>
-          <a:prstGeom prst="rect">
-            <a:avLst/>
-          </a:prstGeom>
-          <a:noFill/>
-          <a:ln>
-            <a:noFill/>
-          </a:ln>
-        </p:spPr>
-      </p:pic>
-      <p:cxnSp>
-        <p:nvCxnSpPr>
-          <p:cNvPr id="91" name="Google Shape;91;p17"/>
-          <p:cNvCxnSpPr>
-            <a:stCxn id="89" idx="3"/>
-            <a:endCxn id="90" idx="1"/>
-          </p:cNvCxnSpPr>
-          <p:nvPr/>
-        </p:nvCxnSpPr>
-        <p:spPr>
-          <a:xfrm>
-            <a:off x="4143799" y="2663650"/>
-            <a:ext cx="753600" cy="0"/>
-          </a:xfrm>
-          <a:prstGeom prst="straightConnector1">
-            <a:avLst/>
-          </a:prstGeom>
-          <a:noFill/>
-          <a:ln cap="flat" cmpd="sng" w="28575">
-            <a:solidFill>
-              <a:schemeClr val="dk2"/>
-            </a:solidFill>
-            <a:prstDash val="solid"/>
-            <a:round/>
-            <a:headEnd len="med" w="med" type="none"/>
-            <a:tailEnd len="med" w="med" type="triangle"/>
-          </a:ln>
-        </p:spPr>
-      </p:cxnSp>
-    </p:spTree>
-  </p:cSld>
-  <p:clrMapOvr>
-    <a:masterClrMapping/>
-  </p:clrMapOvr>
-</p:sld>
-</file>
-
-<file path=ppt/slides/slide6.xml><?xml version="1.0" encoding="utf-8"?>
-<p:sld xmlns:a="http://schemas.openxmlformats.org/drawingml/2006/main" xmlns:r="http://schemas.openxmlformats.org/officeDocument/2006/relationships" xmlns:mc="http://schemas.openxmlformats.org/markup-compatibility/2006" xmlns:mv="urn:schemas-microsoft-com:mac:vml" xmlns:p="http://schemas.openxmlformats.org/presentationml/2006/main" xmlns:c="http://schemas.openxmlformats.org/drawingml/2006/chart" xmlns:dgm="http://schemas.openxmlformats.org/drawingml/2006/diagram" xmlns:o="urn:schemas-microsoft-com:office:office" xmlns:v="urn:schemas-microsoft-com:vml" xmlns:pvml="urn:schemas-microsoft-com:office:powerpoint" xmlns:com="http://schemas.openxmlformats.org/drawingml/2006/compatibility" xmlns:p14="http://schemas.microsoft.com/office/powerpoint/2010/main" xmlns:p15="http://schemas.microsoft.com/office/powerpoint/2012/main" xmlns:ahyp="http://schemas.microsoft.com/office/drawing/2018/hyperlinkcolor">
-  <p:cSld>
-    <p:spTree>
-      <p:nvGrpSpPr>
-        <p:cNvPr id="95" name="Shape 95"/>
-        <p:cNvGrpSpPr/>
-        <p:nvPr/>
-      </p:nvGrpSpPr>
-      <p:grpSpPr>
-        <a:xfrm>
-          <a:off x="0" y="0"/>
-          <a:ext cx="0" cy="0"/>
-          <a:chOff x="0" y="0"/>
-          <a:chExt cx="0" cy="0"/>
-        </a:xfrm>
-      </p:grpSpPr>
-      <p:sp>
-        <p:nvSpPr>
-          <p:cNvPr id="96" name="Google Shape;96;p18"/>
-          <p:cNvSpPr txBox="1"/>
-          <p:nvPr>
-            <p:ph type="title"/>
-          </p:nvPr>
-        </p:nvSpPr>
-        <p:spPr>
-          <a:xfrm>
-            <a:off x="311700" y="555600"/>
-            <a:ext cx="2808000" cy="755700"/>
-          </a:xfrm>
-          <a:prstGeom prst="rect">
-            <a:avLst/>
-          </a:prstGeom>
-        </p:spPr>
-        <p:txBody>
-          <a:bodyPr anchorCtr="0" anchor="b" bIns="91425" lIns="91425" spcFirstLastPara="1" rIns="91425" wrap="square" tIns="91425">
-            <a:normAutofit/>
-          </a:bodyPr>
-          <a:lstStyle/>
-          <a:p>
-            <a:pPr indent="0" lvl="0" marL="0" rtl="0" algn="l">
-              <a:spcBef>
-                <a:spcPts val="0"/>
-              </a:spcBef>
-              <a:spcAft>
-                <a:spcPts val="0"/>
-              </a:spcAft>
-              <a:buNone/>
-            </a:pPr>
-            <a:r>
-              <a:rPr lang="en"/>
-              <a:t>Pre-processing Pipeline</a:t>
-            </a:r>
-            <a:endParaRPr/>
-          </a:p>
-        </p:txBody>
-      </p:sp>
-      <p:pic>
-        <p:nvPicPr>
-          <p:cNvPr id="97" name="Google Shape;97;p18"/>
-          <p:cNvPicPr preferRelativeResize="0"/>
-          <p:nvPr/>
-        </p:nvPicPr>
-        <p:blipFill>
-          <a:blip r:embed="rId3">
-            <a:alphaModFix/>
-          </a:blip>
-          <a:stretch>
-            <a:fillRect/>
-          </a:stretch>
-        </p:blipFill>
-        <p:spPr>
-          <a:xfrm>
-            <a:off x="4957354" y="445024"/>
-            <a:ext cx="3203575" cy="4517875"/>
-          </a:xfrm>
-          <a:prstGeom prst="rect">
-            <a:avLst/>
-          </a:prstGeom>
-          <a:noFill/>
-          <a:ln>
-            <a:noFill/>
-          </a:ln>
-        </p:spPr>
-      </p:pic>
-      <p:sp>
-        <p:nvSpPr>
-          <p:cNvPr id="98" name="Google Shape;98;p18"/>
-          <p:cNvSpPr txBox="1"/>
-          <p:nvPr>
-            <p:ph idx="1" type="body"/>
-          </p:nvPr>
-        </p:nvSpPr>
-        <p:spPr>
-          <a:xfrm>
-            <a:off x="311700" y="1389600"/>
-            <a:ext cx="2808000" cy="3179400"/>
-          </a:xfrm>
-          <a:prstGeom prst="rect">
-            <a:avLst/>
-          </a:prstGeom>
-        </p:spPr>
-        <p:txBody>
-          <a:bodyPr anchorCtr="0" anchor="t" bIns="91425" lIns="91425" spcFirstLastPara="1" rIns="91425" wrap="square" tIns="91425">
-            <a:normAutofit/>
-          </a:bodyPr>
-          <a:lstStyle/>
-          <a:p>
-            <a:pPr indent="0" lvl="0" marL="0" rtl="0" algn="l">
-              <a:spcBef>
-                <a:spcPts val="0"/>
-              </a:spcBef>
-              <a:spcAft>
-                <a:spcPts val="0"/>
-              </a:spcAft>
-              <a:buNone/>
-            </a:pPr>
-            <a:r>
-              <a:rPr lang="en" sz="1400"/>
-              <a:t>Initial features:</a:t>
-            </a:r>
-            <a:endParaRPr sz="1400"/>
-          </a:p>
-          <a:p>
-            <a:pPr indent="-317500" lvl="0" marL="457200" rtl="0" algn="l">
-              <a:spcBef>
-                <a:spcPts val="1200"/>
-              </a:spcBef>
-              <a:spcAft>
-                <a:spcPts val="0"/>
-              </a:spcAft>
-              <a:buSzPts val="1400"/>
-              <a:buChar char="-"/>
-            </a:pPr>
-            <a:r>
-              <a:rPr lang="en" sz="1400"/>
-              <a:t>Id</a:t>
-            </a:r>
-            <a:endParaRPr sz="1400"/>
-          </a:p>
-          <a:p>
-            <a:pPr indent="-317500" lvl="0" marL="457200" rtl="0" algn="l">
-              <a:spcBef>
-                <a:spcPts val="0"/>
-              </a:spcBef>
-              <a:spcAft>
-                <a:spcPts val="0"/>
-              </a:spcAft>
-              <a:buSzPts val="1400"/>
-              <a:buChar char="-"/>
-            </a:pPr>
-            <a:r>
-              <a:rPr lang="en" sz="1400"/>
-              <a:t>ProductId</a:t>
-            </a:r>
-            <a:endParaRPr sz="1400"/>
-          </a:p>
-          <a:p>
-            <a:pPr indent="-317500" lvl="0" marL="457200" rtl="0" algn="l">
-              <a:spcBef>
-                <a:spcPts val="0"/>
-              </a:spcBef>
-              <a:spcAft>
-                <a:spcPts val="0"/>
-              </a:spcAft>
-              <a:buSzPts val="1400"/>
-              <a:buChar char="-"/>
-            </a:pPr>
-            <a:r>
-              <a:rPr lang="en" sz="1400"/>
-              <a:t>UserId</a:t>
-            </a:r>
-            <a:endParaRPr sz="1400"/>
-          </a:p>
-          <a:p>
-            <a:pPr indent="-317500" lvl="0" marL="457200" rtl="0" algn="l">
-              <a:spcBef>
-                <a:spcPts val="0"/>
-              </a:spcBef>
-              <a:spcAft>
-                <a:spcPts val="0"/>
-              </a:spcAft>
-              <a:buSzPts val="1400"/>
-              <a:buChar char="-"/>
-            </a:pPr>
-            <a:r>
-              <a:rPr lang="en" sz="1400"/>
-              <a:t>ProfileName</a:t>
-            </a:r>
-            <a:endParaRPr sz="1400"/>
-          </a:p>
-          <a:p>
-            <a:pPr indent="-317500" lvl="0" marL="457200" rtl="0" algn="l">
-              <a:spcBef>
-                <a:spcPts val="0"/>
-              </a:spcBef>
-              <a:spcAft>
-                <a:spcPts val="0"/>
-              </a:spcAft>
-              <a:buSzPts val="1400"/>
-              <a:buChar char="-"/>
-            </a:pPr>
-            <a:r>
-              <a:rPr lang="en" sz="1400"/>
-              <a:t>HelpfulnessNumerator</a:t>
-            </a:r>
-            <a:endParaRPr sz="1400"/>
-          </a:p>
-          <a:p>
-            <a:pPr indent="-317500" lvl="0" marL="457200" rtl="0" algn="l">
-              <a:spcBef>
-                <a:spcPts val="0"/>
-              </a:spcBef>
-              <a:spcAft>
-                <a:spcPts val="0"/>
-              </a:spcAft>
-              <a:buSzPts val="1400"/>
-              <a:buChar char="-"/>
-            </a:pPr>
-            <a:r>
-              <a:rPr lang="en" sz="1400"/>
-              <a:t>HelpfulnessDenominator</a:t>
-            </a:r>
-            <a:endParaRPr sz="1400"/>
-          </a:p>
-          <a:p>
-            <a:pPr indent="-317500" lvl="0" marL="457200" rtl="0" algn="l">
-              <a:spcBef>
-                <a:spcPts val="0"/>
-              </a:spcBef>
-              <a:spcAft>
-                <a:spcPts val="0"/>
-              </a:spcAft>
-              <a:buSzPts val="1400"/>
-              <a:buChar char="-"/>
-            </a:pPr>
-            <a:r>
-              <a:rPr lang="en" sz="1400"/>
-              <a:t>Score</a:t>
-            </a:r>
-            <a:endParaRPr sz="1400"/>
-          </a:p>
-          <a:p>
-            <a:pPr indent="-317500" lvl="0" marL="457200" rtl="0" algn="l">
-              <a:spcBef>
-                <a:spcPts val="0"/>
-              </a:spcBef>
-              <a:spcAft>
-                <a:spcPts val="0"/>
-              </a:spcAft>
-              <a:buSzPts val="1400"/>
-              <a:buChar char="-"/>
-            </a:pPr>
-            <a:r>
-              <a:rPr lang="en" sz="1400"/>
-              <a:t>Time</a:t>
-            </a:r>
-            <a:endParaRPr sz="1400"/>
-          </a:p>
-          <a:p>
-            <a:pPr indent="-317500" lvl="0" marL="457200" rtl="0" algn="l">
-              <a:spcBef>
-                <a:spcPts val="0"/>
-              </a:spcBef>
-              <a:spcAft>
-                <a:spcPts val="0"/>
-              </a:spcAft>
-              <a:buSzPts val="1400"/>
-              <a:buChar char="-"/>
-            </a:pPr>
-            <a:r>
-              <a:rPr lang="en" sz="1400"/>
-              <a:t>Summary</a:t>
-            </a:r>
-            <a:endParaRPr sz="1400"/>
-          </a:p>
-          <a:p>
-            <a:pPr indent="-317500" lvl="0" marL="457200" rtl="0" algn="l">
-              <a:spcBef>
-                <a:spcPts val="0"/>
-              </a:spcBef>
-              <a:spcAft>
-                <a:spcPts val="0"/>
-              </a:spcAft>
-              <a:buSzPts val="1400"/>
-              <a:buChar char="-"/>
-            </a:pPr>
-            <a:r>
-              <a:rPr lang="en" sz="1400"/>
-              <a:t>Text</a:t>
-            </a:r>
-            <a:endParaRPr sz="1400"/>
-          </a:p>
-        </p:txBody>
-      </p:sp>
-      <p:sp>
-        <p:nvSpPr>
-          <p:cNvPr id="99" name="Google Shape;99;p18"/>
-          <p:cNvSpPr txBox="1"/>
-          <p:nvPr>
-            <p:ph idx="12" type="sldNum"/>
-          </p:nvPr>
-        </p:nvSpPr>
-        <p:spPr>
-          <a:xfrm>
-            <a:off x="8490250" y="4681009"/>
-            <a:ext cx="548700" cy="393600"/>
-          </a:xfrm>
-          <a:prstGeom prst="rect">
-            <a:avLst/>
-          </a:prstGeom>
-        </p:spPr>
-        <p:txBody>
-          <a:bodyPr anchorCtr="0" anchor="ctr" bIns="91425" lIns="91425" spcFirstLastPara="1" rIns="91425" wrap="square" tIns="91425">
-            <a:normAutofit/>
-          </a:bodyPr>
-          <a:lstStyle/>
-          <a:p>
-            <a:pPr indent="0" lvl="0" marL="0" rtl="0" algn="r">
-              <a:spcBef>
-                <a:spcPts val="0"/>
-              </a:spcBef>
-              <a:spcAft>
-                <a:spcPts val="0"/>
-              </a:spcAft>
-              <a:buNone/>
-            </a:pPr>
-            <a:fld id="{00000000-1234-1234-1234-123412341234}" type="slidenum">
-              <a:rPr lang="en"/>
-              <a:t>‹#›</a:t>
-            </a:fld>
-            <a:endParaRPr/>
-          </a:p>
-        </p:txBody>
-      </p:sp>
-    </p:spTree>
-  </p:cSld>
-  <p:clrMapOvr>
-    <a:masterClrMapping/>
-  </p:clrMapOvr>
-</p:sld>
-</file>
-
-<file path=ppt/slides/slide7.xml><?xml version="1.0" encoding="utf-8"?>
-<p:sld xmlns:a="http://schemas.openxmlformats.org/drawingml/2006/main" xmlns:r="http://schemas.openxmlformats.org/officeDocument/2006/relationships" xmlns:mc="http://schemas.openxmlformats.org/markup-compatibility/2006" xmlns:mv="urn:schemas-microsoft-com:mac:vml" xmlns:p="http://schemas.openxmlformats.org/presentationml/2006/main" xmlns:c="http://schemas.openxmlformats.org/drawingml/2006/chart" xmlns:dgm="http://schemas.openxmlformats.org/drawingml/2006/diagram" xmlns:o="urn:schemas-microsoft-com:office:office" xmlns:v="urn:schemas-microsoft-com:vml" xmlns:pvml="urn:schemas-microsoft-com:office:powerpoint" xmlns:com="http://schemas.openxmlformats.org/drawingml/2006/compatibility" xmlns:p14="http://schemas.microsoft.com/office/powerpoint/2010/main" xmlns:p15="http://schemas.microsoft.com/office/powerpoint/2012/main" xmlns:ahyp="http://schemas.microsoft.com/office/drawing/2018/hyperlinkcolor">
-  <p:cSld>
-    <p:spTree>
-      <p:nvGrpSpPr>
-        <p:cNvPr id="103" name="Shape 103"/>
-        <p:cNvGrpSpPr/>
-        <p:nvPr/>
-      </p:nvGrpSpPr>
-      <p:grpSpPr>
-        <a:xfrm>
-          <a:off x="0" y="0"/>
-          <a:ext cx="0" cy="0"/>
-          <a:chOff x="0" y="0"/>
-          <a:chExt cx="0" cy="0"/>
-        </a:xfrm>
-      </p:grpSpPr>
-      <p:sp>
-        <p:nvSpPr>
-          <p:cNvPr id="104" name="Google Shape;104;p19"/>
-          <p:cNvSpPr txBox="1"/>
-          <p:nvPr>
-            <p:ph type="title"/>
-          </p:nvPr>
-        </p:nvSpPr>
-        <p:spPr>
-          <a:xfrm>
-            <a:off x="311700" y="445025"/>
-            <a:ext cx="8520600" cy="572700"/>
-          </a:xfrm>
-          <a:prstGeom prst="rect">
-            <a:avLst/>
-          </a:prstGeom>
-        </p:spPr>
-        <p:txBody>
-          <a:bodyPr anchorCtr="0" anchor="t" bIns="91425" lIns="91425" spcFirstLastPara="1" rIns="91425" wrap="square" tIns="91425">
-            <a:normAutofit fontScale="90000"/>
-          </a:bodyPr>
-          <a:lstStyle/>
-          <a:p>
-            <a:pPr indent="0" lvl="0" marL="0" rtl="0" algn="l">
-              <a:spcBef>
-                <a:spcPts val="0"/>
-              </a:spcBef>
-              <a:spcAft>
-                <a:spcPts val="0"/>
-              </a:spcAft>
-              <a:buNone/>
-            </a:pPr>
-            <a:r>
-              <a:rPr lang="en"/>
-              <a:t>Models Performances</a:t>
-            </a:r>
-            <a:endParaRPr/>
-          </a:p>
-        </p:txBody>
-      </p:sp>
-      <p:graphicFrame>
-        <p:nvGraphicFramePr>
-          <p:cNvPr id="105" name="Google Shape;105;p19"/>
-          <p:cNvGraphicFramePr/>
-          <p:nvPr/>
-        </p:nvGraphicFramePr>
-        <p:xfrm>
-          <a:off x="579150" y="1470725"/>
-          <a:ext cx="3000000" cy="3000000"/>
-        </p:xfrm>
-        <a:graphic>
-          <a:graphicData uri="http://schemas.openxmlformats.org/drawingml/2006/table">
-            <a:tbl>
-              <a:tblPr>
-                <a:noFill/>
-                <a:tableStyleId>{58E4E4D4-8644-4AAE-A69A-3FE7E0160546}</a:tableStyleId>
-              </a:tblPr>
-              <a:tblGrid>
-                <a:gridCol w="1249350"/>
-                <a:gridCol w="973825"/>
-                <a:gridCol w="1111575"/>
-                <a:gridCol w="1111575"/>
-                <a:gridCol w="1111575"/>
-                <a:gridCol w="1111575"/>
-                <a:gridCol w="1111575"/>
-              </a:tblGrid>
-              <a:tr h="493900">
-                <a:tc rowSpan="2">
-                  <a:txBody>
-                    <a:bodyPr/>
-                    <a:lstStyle/>
-                    <a:p>
-                      <a:pPr indent="0" lvl="0" marL="0" rtl="0" algn="l">
-                        <a:lnSpc>
-                          <a:spcPct val="115000"/>
-                        </a:lnSpc>
-                        <a:spcBef>
-                          <a:spcPts val="0"/>
-                        </a:spcBef>
-                        <a:spcAft>
-                          <a:spcPts val="0"/>
-                        </a:spcAft>
-                        <a:buNone/>
-                      </a:pPr>
-                      <a:r>
-                        <a:rPr lang="en">
-                          <a:solidFill>
-                            <a:schemeClr val="dk1"/>
-                          </a:solidFill>
-                        </a:rPr>
-                        <a:t>Model</a:t>
-                      </a:r>
-                      <a:endParaRPr>
-                        <a:solidFill>
-                          <a:schemeClr val="dk1"/>
-                        </a:solidFill>
-                      </a:endParaRPr>
-                    </a:p>
-                  </a:txBody>
-                  <a:tcPr marT="19050" marB="19050" marR="28575" marL="28575" anchor="b">
-                    <a:lnL cap="flat" cmpd="sng" w="9525">
-                      <a:solidFill>
-                        <a:srgbClr val="CCCCCC"/>
-                      </a:solidFill>
-                      <a:prstDash val="solid"/>
-                      <a:round/>
-                      <a:headEnd len="sm" w="sm" type="none"/>
-                      <a:tailEnd len="sm" w="sm" type="none"/>
-                    </a:lnL>
-                    <a:lnR cap="flat" cmpd="sng" w="9525">
-                      <a:solidFill>
-                        <a:srgbClr val="CCCCCC"/>
-                      </a:solidFill>
-                      <a:prstDash val="solid"/>
-                      <a:round/>
-                      <a:headEnd len="sm" w="sm" type="none"/>
-                      <a:tailEnd len="sm" w="sm" type="none"/>
-                    </a:lnR>
-                    <a:lnT cap="flat" cmpd="sng" w="9525">
-                      <a:solidFill>
-                        <a:srgbClr val="CCCCCC"/>
-                      </a:solidFill>
-                      <a:prstDash val="solid"/>
-                      <a:round/>
-                      <a:headEnd len="sm" w="sm" type="none"/>
-                      <a:tailEnd len="sm" w="sm" type="none"/>
-                    </a:lnT>
-                    <a:lnB cap="flat" cmpd="sng" w="9525">
-                      <a:solidFill>
-                        <a:srgbClr val="CCCCCC"/>
-                      </a:solidFill>
-                      <a:prstDash val="solid"/>
-                      <a:round/>
-                      <a:headEnd len="sm" w="sm" type="none"/>
-                      <a:tailEnd len="sm" w="sm" type="none"/>
-                    </a:lnB>
-                  </a:tcPr>
-                </a:tc>
-                <a:tc rowSpan="2">
-                  <a:txBody>
-                    <a:bodyPr/>
-                    <a:lstStyle/>
-                    <a:p>
-                      <a:pPr indent="0" lvl="0" marL="0" rtl="0" algn="l">
-                        <a:lnSpc>
-                          <a:spcPct val="115000"/>
-                        </a:lnSpc>
-                        <a:spcBef>
-                          <a:spcPts val="0"/>
-                        </a:spcBef>
-                        <a:spcAft>
-                          <a:spcPts val="0"/>
-                        </a:spcAft>
-                        <a:buNone/>
-                      </a:pPr>
-                      <a:r>
-                        <a:rPr lang="en">
-                          <a:solidFill>
-                            <a:schemeClr val="dk1"/>
-                          </a:solidFill>
-                        </a:rPr>
-                        <a:t>Dataset size</a:t>
-                      </a:r>
-                      <a:endParaRPr>
-                        <a:solidFill>
-                          <a:schemeClr val="dk1"/>
-                        </a:solidFill>
-                      </a:endParaRPr>
-                    </a:p>
-                  </a:txBody>
-                  <a:tcPr marT="19050" marB="19050" marR="28575" marL="28575" anchor="b">
-                    <a:lnL cap="flat" cmpd="sng" w="9525">
-                      <a:solidFill>
-                        <a:srgbClr val="CCCCCC"/>
-                      </a:solidFill>
-                      <a:prstDash val="solid"/>
-                      <a:round/>
-                      <a:headEnd len="sm" w="sm" type="none"/>
-                      <a:tailEnd len="sm" w="sm" type="none"/>
-                    </a:lnL>
-                    <a:lnR cap="flat" cmpd="sng" w="9525">
-                      <a:solidFill>
-                        <a:srgbClr val="CCCCCC"/>
-                      </a:solidFill>
-                      <a:prstDash val="solid"/>
-                      <a:round/>
-                      <a:headEnd len="sm" w="sm" type="none"/>
-                      <a:tailEnd len="sm" w="sm" type="none"/>
-                    </a:lnR>
-                    <a:lnT cap="flat" cmpd="sng" w="9525">
-                      <a:solidFill>
-                        <a:srgbClr val="CCCCCC"/>
-                      </a:solidFill>
-                      <a:prstDash val="solid"/>
-                      <a:round/>
-                      <a:headEnd len="sm" w="sm" type="none"/>
-                      <a:tailEnd len="sm" w="sm" type="none"/>
-                    </a:lnT>
-                    <a:lnB cap="flat" cmpd="sng" w="9525">
-                      <a:solidFill>
-                        <a:srgbClr val="CCCCCC"/>
-                      </a:solidFill>
-                      <a:prstDash val="solid"/>
-                      <a:round/>
-                      <a:headEnd len="sm" w="sm" type="none"/>
-                      <a:tailEnd len="sm" w="sm" type="none"/>
-                    </a:lnB>
-                  </a:tcPr>
-                </a:tc>
-                <a:tc rowSpan="2">
-                  <a:txBody>
-                    <a:bodyPr/>
-                    <a:lstStyle/>
-                    <a:p>
-                      <a:pPr indent="0" lvl="0" marL="0" rtl="0" algn="l">
-                        <a:lnSpc>
-                          <a:spcPct val="115000"/>
-                        </a:lnSpc>
-                        <a:spcBef>
-                          <a:spcPts val="0"/>
-                        </a:spcBef>
-                        <a:spcAft>
-                          <a:spcPts val="0"/>
-                        </a:spcAft>
-                        <a:buNone/>
-                      </a:pPr>
-                      <a:r>
-                        <a:rPr lang="en">
-                          <a:solidFill>
-                            <a:schemeClr val="dk1"/>
-                          </a:solidFill>
-                        </a:rPr>
-                        <a:t># Epochs</a:t>
-                      </a:r>
-                      <a:endParaRPr>
-                        <a:solidFill>
-                          <a:schemeClr val="dk1"/>
-                        </a:solidFill>
-                      </a:endParaRPr>
-                    </a:p>
-                  </a:txBody>
-                  <a:tcPr marT="19050" marB="19050" marR="28575" marL="28575" anchor="b">
-                    <a:lnL cap="flat" cmpd="sng" w="9525">
-                      <a:solidFill>
-                        <a:srgbClr val="CCCCCC"/>
-                      </a:solidFill>
-                      <a:prstDash val="solid"/>
-                      <a:round/>
-                      <a:headEnd len="sm" w="sm" type="none"/>
-                      <a:tailEnd len="sm" w="sm" type="none"/>
-                    </a:lnL>
-                    <a:lnR cap="flat" cmpd="sng" w="9525">
-                      <a:solidFill>
-                        <a:srgbClr val="CCCCCC"/>
-                      </a:solidFill>
-                      <a:prstDash val="solid"/>
-                      <a:round/>
-                      <a:headEnd len="sm" w="sm" type="none"/>
-                      <a:tailEnd len="sm" w="sm" type="none"/>
-                    </a:lnR>
-                    <a:lnT cap="flat" cmpd="sng" w="9525">
-                      <a:solidFill>
-                        <a:srgbClr val="CCCCCC"/>
-                      </a:solidFill>
-                      <a:prstDash val="solid"/>
-                      <a:round/>
-                      <a:headEnd len="sm" w="sm" type="none"/>
-                      <a:tailEnd len="sm" w="sm" type="none"/>
-                    </a:lnT>
-                    <a:lnB cap="flat" cmpd="sng" w="9525">
-                      <a:solidFill>
-                        <a:srgbClr val="CCCCCC"/>
-                      </a:solidFill>
-                      <a:prstDash val="solid"/>
-                      <a:round/>
-                      <a:headEnd len="sm" w="sm" type="none"/>
-                      <a:tailEnd len="sm" w="sm" type="none"/>
-                    </a:lnB>
-                  </a:tcPr>
-                </a:tc>
-                <a:tc rowSpan="2">
-                  <a:txBody>
-                    <a:bodyPr/>
-                    <a:lstStyle/>
-                    <a:p>
-                      <a:pPr indent="0" lvl="0" marL="0" rtl="0" algn="l">
-                        <a:lnSpc>
-                          <a:spcPct val="115000"/>
-                        </a:lnSpc>
-                        <a:spcBef>
-                          <a:spcPts val="0"/>
-                        </a:spcBef>
-                        <a:spcAft>
-                          <a:spcPts val="0"/>
-                        </a:spcAft>
-                        <a:buNone/>
-                      </a:pPr>
-                      <a:r>
-                        <a:rPr lang="en">
-                          <a:solidFill>
-                            <a:schemeClr val="dk1"/>
-                          </a:solidFill>
-                        </a:rPr>
-                        <a:t>Optimizer</a:t>
-                      </a:r>
-                      <a:endParaRPr>
-                        <a:solidFill>
-                          <a:schemeClr val="dk1"/>
-                        </a:solidFill>
-                      </a:endParaRPr>
-                    </a:p>
-                  </a:txBody>
-                  <a:tcPr marT="19050" marB="19050" marR="28575" marL="28575" anchor="b">
-                    <a:lnL cap="flat" cmpd="sng" w="9525">
-                      <a:solidFill>
-                        <a:srgbClr val="CCCCCC"/>
-                      </a:solidFill>
-                      <a:prstDash val="solid"/>
-                      <a:round/>
-                      <a:headEnd len="sm" w="sm" type="none"/>
-                      <a:tailEnd len="sm" w="sm" type="none"/>
-                    </a:lnL>
-                    <a:lnR cap="flat" cmpd="sng" w="9525">
-                      <a:solidFill>
-                        <a:srgbClr val="CCCCCC"/>
-                      </a:solidFill>
-                      <a:prstDash val="solid"/>
-                      <a:round/>
-                      <a:headEnd len="sm" w="sm" type="none"/>
-                      <a:tailEnd len="sm" w="sm" type="none"/>
-                    </a:lnR>
-                    <a:lnT cap="flat" cmpd="sng" w="9525">
-                      <a:solidFill>
-                        <a:srgbClr val="CCCCCC"/>
-                      </a:solidFill>
-                      <a:prstDash val="solid"/>
-                      <a:round/>
-                      <a:headEnd len="sm" w="sm" type="none"/>
-                      <a:tailEnd len="sm" w="sm" type="none"/>
-                    </a:lnT>
-                    <a:lnB cap="flat" cmpd="sng" w="9525">
-                      <a:solidFill>
-                        <a:srgbClr val="CCCCCC"/>
-                      </a:solidFill>
-                      <a:prstDash val="solid"/>
-                      <a:round/>
-                      <a:headEnd len="sm" w="sm" type="none"/>
-                      <a:tailEnd len="sm" w="sm" type="none"/>
-                    </a:lnB>
-                  </a:tcPr>
-                </a:tc>
-                <a:tc rowSpan="2">
-                  <a:txBody>
-                    <a:bodyPr/>
-                    <a:lstStyle/>
-                    <a:p>
-                      <a:pPr indent="0" lvl="0" marL="0" rtl="0" algn="l">
-                        <a:lnSpc>
-                          <a:spcPct val="115000"/>
-                        </a:lnSpc>
-                        <a:spcBef>
-                          <a:spcPts val="0"/>
-                        </a:spcBef>
-                        <a:spcAft>
-                          <a:spcPts val="0"/>
-                        </a:spcAft>
-                        <a:buNone/>
-                      </a:pPr>
-                      <a:r>
-                        <a:rPr lang="en">
-                          <a:solidFill>
-                            <a:schemeClr val="dk1"/>
-                          </a:solidFill>
-                        </a:rPr>
-                        <a:t>Learning Rate</a:t>
-                      </a:r>
-                      <a:endParaRPr>
-                        <a:solidFill>
-                          <a:schemeClr val="dk1"/>
-                        </a:solidFill>
-                      </a:endParaRPr>
-                    </a:p>
-                  </a:txBody>
-                  <a:tcPr marT="19050" marB="19050" marR="28575" marL="28575" anchor="b">
-                    <a:lnL cap="flat" cmpd="sng" w="9525">
-                      <a:solidFill>
-                        <a:srgbClr val="CCCCCC"/>
-                      </a:solidFill>
-                      <a:prstDash val="solid"/>
-                      <a:round/>
-                      <a:headEnd len="sm" w="sm" type="none"/>
-                      <a:tailEnd len="sm" w="sm" type="none"/>
-                    </a:lnL>
-                    <a:lnR cap="flat" cmpd="sng" w="9525">
-                      <a:solidFill>
-                        <a:srgbClr val="CCCCCC"/>
-                      </a:solidFill>
-                      <a:prstDash val="solid"/>
-                      <a:round/>
-                      <a:headEnd len="sm" w="sm" type="none"/>
-                      <a:tailEnd len="sm" w="sm" type="none"/>
-                    </a:lnR>
-                    <a:lnT cap="flat" cmpd="sng" w="9525">
-                      <a:solidFill>
-                        <a:srgbClr val="CCCCCC"/>
-                      </a:solidFill>
-                      <a:prstDash val="solid"/>
-                      <a:round/>
-                      <a:headEnd len="sm" w="sm" type="none"/>
-                      <a:tailEnd len="sm" w="sm" type="none"/>
-                    </a:lnT>
-                    <a:lnB cap="flat" cmpd="sng" w="9525">
-                      <a:solidFill>
-                        <a:srgbClr val="CCCCCC"/>
-                      </a:solidFill>
-                      <a:prstDash val="solid"/>
-                      <a:round/>
-                      <a:headEnd len="sm" w="sm" type="none"/>
-                      <a:tailEnd len="sm" w="sm" type="none"/>
-                    </a:lnB>
-                  </a:tcPr>
-                </a:tc>
-                <a:tc rowSpan="2">
-                  <a:txBody>
-                    <a:bodyPr/>
-                    <a:lstStyle/>
-                    <a:p>
-                      <a:pPr indent="0" lvl="0" marL="0" rtl="0" algn="l">
-                        <a:lnSpc>
-                          <a:spcPct val="115000"/>
-                        </a:lnSpc>
-                        <a:spcBef>
-                          <a:spcPts val="0"/>
-                        </a:spcBef>
-                        <a:spcAft>
-                          <a:spcPts val="0"/>
-                        </a:spcAft>
-                        <a:buNone/>
-                      </a:pPr>
-                      <a:r>
-                        <a:rPr lang="en">
-                          <a:solidFill>
-                            <a:schemeClr val="dk1"/>
-                          </a:solidFill>
-                        </a:rPr>
-                        <a:t>Batch size</a:t>
-                      </a:r>
-                      <a:endParaRPr>
-                        <a:solidFill>
-                          <a:schemeClr val="dk1"/>
-                        </a:solidFill>
-                      </a:endParaRPr>
-                    </a:p>
-                  </a:txBody>
-                  <a:tcPr marT="19050" marB="19050" marR="28575" marL="28575" anchor="b">
-                    <a:lnL cap="flat" cmpd="sng" w="9525">
-                      <a:solidFill>
-                        <a:srgbClr val="CCCCCC"/>
-                      </a:solidFill>
-                      <a:prstDash val="solid"/>
-                      <a:round/>
-                      <a:headEnd len="sm" w="sm" type="none"/>
-                      <a:tailEnd len="sm" w="sm" type="none"/>
-                    </a:lnL>
-                    <a:lnR cap="flat" cmpd="sng" w="9525">
-                      <a:solidFill>
-                        <a:srgbClr val="CCCCCC"/>
-                      </a:solidFill>
-                      <a:prstDash val="solid"/>
-                      <a:round/>
-                      <a:headEnd len="sm" w="sm" type="none"/>
-                      <a:tailEnd len="sm" w="sm" type="none"/>
-                    </a:lnR>
-                    <a:lnT cap="flat" cmpd="sng" w="9525">
-                      <a:solidFill>
-                        <a:srgbClr val="CCCCCC"/>
-                      </a:solidFill>
-                      <a:prstDash val="solid"/>
-                      <a:round/>
-                      <a:headEnd len="sm" w="sm" type="none"/>
-                      <a:tailEnd len="sm" w="sm" type="none"/>
-                    </a:lnT>
-                    <a:lnB cap="flat" cmpd="sng" w="9525">
-                      <a:solidFill>
-                        <a:srgbClr val="CCCCCC"/>
-                      </a:solidFill>
-                      <a:prstDash val="solid"/>
-                      <a:round/>
-                      <a:headEnd len="sm" w="sm" type="none"/>
-                      <a:tailEnd len="sm" w="sm" type="none"/>
-                    </a:lnB>
-                  </a:tcPr>
-                </a:tc>
-                <a:tc rowSpan="2">
-                  <a:txBody>
-                    <a:bodyPr/>
-                    <a:lstStyle/>
-                    <a:p>
-                      <a:pPr indent="0" lvl="0" marL="0" rtl="0" algn="l">
-                        <a:lnSpc>
-                          <a:spcPct val="115000"/>
-                        </a:lnSpc>
-                        <a:spcBef>
-                          <a:spcPts val="0"/>
-                        </a:spcBef>
-                        <a:spcAft>
-                          <a:spcPts val="0"/>
-                        </a:spcAft>
-                        <a:buNone/>
-                      </a:pPr>
-                      <a:r>
-                        <a:rPr lang="en">
-                          <a:solidFill>
-                            <a:schemeClr val="dk1"/>
-                          </a:solidFill>
-                        </a:rPr>
-                        <a:t>Accuracy</a:t>
-                      </a:r>
-                      <a:endParaRPr>
-                        <a:solidFill>
-                          <a:schemeClr val="dk1"/>
-                        </a:solidFill>
-                      </a:endParaRPr>
-                    </a:p>
-                  </a:txBody>
-                  <a:tcPr marT="19050" marB="19050" marR="28575" marL="28575" anchor="b">
-                    <a:lnL cap="flat" cmpd="sng" w="9525">
-                      <a:solidFill>
-                        <a:srgbClr val="CCCCCC"/>
-                      </a:solidFill>
-                      <a:prstDash val="solid"/>
-                      <a:round/>
-                      <a:headEnd len="sm" w="sm" type="none"/>
-                      <a:tailEnd len="sm" w="sm" type="none"/>
-                    </a:lnL>
-                    <a:lnR cap="flat" cmpd="sng" w="9525">
-                      <a:solidFill>
-                        <a:srgbClr val="CCCCCC"/>
-                      </a:solidFill>
-                      <a:prstDash val="solid"/>
-                      <a:round/>
-                      <a:headEnd len="sm" w="sm" type="none"/>
-                      <a:tailEnd len="sm" w="sm" type="none"/>
-                    </a:lnR>
-                    <a:lnT cap="flat" cmpd="sng" w="9525">
-                      <a:solidFill>
-                        <a:srgbClr val="CCCCCC"/>
-                      </a:solidFill>
-                      <a:prstDash val="solid"/>
-                      <a:round/>
-                      <a:headEnd len="sm" w="sm" type="none"/>
-                      <a:tailEnd len="sm" w="sm" type="none"/>
-                    </a:lnT>
-                    <a:lnB cap="flat" cmpd="sng" w="9525">
-                      <a:solidFill>
-                        <a:srgbClr val="CCCCCC"/>
-                      </a:solidFill>
-                      <a:prstDash val="solid"/>
-                      <a:round/>
-                      <a:headEnd len="sm" w="sm" type="none"/>
-                      <a:tailEnd len="sm" w="sm" type="none"/>
-                    </a:lnB>
-                  </a:tcPr>
-                </a:tc>
-              </a:tr>
-              <a:tr h="530475">
-                <a:tc vMerge="1"/>
-                <a:tc vMerge="1"/>
-                <a:tc vMerge="1"/>
-                <a:tc vMerge="1"/>
-                <a:tc vMerge="1"/>
-                <a:tc vMerge="1"/>
-                <a:tc vMerge="1"/>
-              </a:tr>
-              <a:tr h="475600">
-                <a:tc>
-                  <a:txBody>
-                    <a:bodyPr/>
-                    <a:lstStyle/>
-                    <a:p>
-                      <a:pPr indent="0" lvl="0" marL="0" rtl="0" algn="l">
-                        <a:spcBef>
-                          <a:spcPts val="0"/>
-                        </a:spcBef>
-                        <a:spcAft>
-                          <a:spcPts val="0"/>
-                        </a:spcAft>
-                        <a:buNone/>
-                      </a:pPr>
-                      <a:r>
-                        <a:rPr lang="en">
-                          <a:solidFill>
-                            <a:schemeClr val="dk1"/>
-                          </a:solidFill>
-                        </a:rPr>
-                        <a:t>LSTM</a:t>
-                      </a:r>
-                      <a:endParaRPr>
-                        <a:solidFill>
-                          <a:schemeClr val="dk1"/>
-                        </a:solidFill>
-                      </a:endParaRPr>
-                    </a:p>
-                  </a:txBody>
-                  <a:tcPr marT="19050" marB="19050" marR="28575" marL="28575" anchor="b">
-                    <a:lnL cap="flat" cmpd="sng" w="9525">
-                      <a:solidFill>
-                        <a:srgbClr val="CCCCCC"/>
-                      </a:solidFill>
-                      <a:prstDash val="solid"/>
-                      <a:round/>
-                      <a:headEnd len="sm" w="sm" type="none"/>
-                      <a:tailEnd len="sm" w="sm" type="none"/>
-                    </a:lnL>
-                    <a:lnR cap="flat" cmpd="sng" w="9525">
-                      <a:solidFill>
-                        <a:srgbClr val="CCCCCC"/>
-                      </a:solidFill>
-                      <a:prstDash val="solid"/>
-                      <a:round/>
-                      <a:headEnd len="sm" w="sm" type="none"/>
-                      <a:tailEnd len="sm" w="sm" type="none"/>
-                    </a:lnR>
-                    <a:lnT cap="flat" cmpd="sng" w="9525">
-                      <a:solidFill>
-                        <a:srgbClr val="CCCCCC"/>
-                      </a:solidFill>
-                      <a:prstDash val="solid"/>
-                      <a:round/>
-                      <a:headEnd len="sm" w="sm" type="none"/>
-                      <a:tailEnd len="sm" w="sm" type="none"/>
-                    </a:lnT>
-                    <a:lnB cap="flat" cmpd="sng" w="9525">
-                      <a:solidFill>
-                        <a:srgbClr val="CCCCCC"/>
-                      </a:solidFill>
-                      <a:prstDash val="solid"/>
-                      <a:round/>
-                      <a:headEnd len="sm" w="sm" type="none"/>
-                      <a:tailEnd len="sm" w="sm" type="none"/>
-                    </a:lnB>
-                  </a:tcPr>
-                </a:tc>
-                <a:tc>
-                  <a:txBody>
-                    <a:bodyPr/>
-                    <a:lstStyle/>
-                    <a:p>
-                      <a:pPr indent="0" lvl="0" marL="0" rtl="0" algn="l">
-                        <a:spcBef>
-                          <a:spcPts val="0"/>
-                        </a:spcBef>
-                        <a:spcAft>
-                          <a:spcPts val="0"/>
-                        </a:spcAft>
-                        <a:buNone/>
-                      </a:pPr>
-                      <a:r>
-                        <a:rPr lang="en">
-                          <a:solidFill>
-                            <a:schemeClr val="dk1"/>
-                          </a:solidFill>
-                        </a:rPr>
-                        <a:t>120K</a:t>
-                      </a:r>
-                      <a:endParaRPr>
-                        <a:solidFill>
-                          <a:schemeClr val="dk1"/>
-                        </a:solidFill>
-                      </a:endParaRPr>
-                    </a:p>
-                  </a:txBody>
-                  <a:tcPr marT="19050" marB="19050" marR="28575" marL="28575" anchor="b">
-                    <a:lnL cap="flat" cmpd="sng" w="9525">
-                      <a:solidFill>
-                        <a:srgbClr val="CCCCCC"/>
-                      </a:solidFill>
-                      <a:prstDash val="solid"/>
-                      <a:round/>
-                      <a:headEnd len="sm" w="sm" type="none"/>
-                      <a:tailEnd len="sm" w="sm" type="none"/>
-                    </a:lnL>
-                    <a:lnR cap="flat" cmpd="sng" w="9525">
-                      <a:solidFill>
-                        <a:srgbClr val="CCCCCC"/>
-                      </a:solidFill>
-                      <a:prstDash val="solid"/>
-                      <a:round/>
-                      <a:headEnd len="sm" w="sm" type="none"/>
-                      <a:tailEnd len="sm" w="sm" type="none"/>
-                    </a:lnR>
-                    <a:lnT cap="flat" cmpd="sng" w="9525">
-                      <a:solidFill>
-                        <a:srgbClr val="CCCCCC"/>
-                      </a:solidFill>
-                      <a:prstDash val="solid"/>
-                      <a:round/>
-                      <a:headEnd len="sm" w="sm" type="none"/>
-                      <a:tailEnd len="sm" w="sm" type="none"/>
-                    </a:lnT>
-                    <a:lnB cap="flat" cmpd="sng" w="9525">
-                      <a:solidFill>
-                        <a:srgbClr val="CCCCCC"/>
-                      </a:solidFill>
-                      <a:prstDash val="solid"/>
-                      <a:round/>
-                      <a:headEnd len="sm" w="sm" type="none"/>
-                      <a:tailEnd len="sm" w="sm" type="none"/>
-                    </a:lnB>
-                  </a:tcPr>
-                </a:tc>
-                <a:tc>
-                  <a:txBody>
-                    <a:bodyPr/>
-                    <a:lstStyle/>
-                    <a:p>
-                      <a:pPr indent="0" lvl="0" marL="0" rtl="0" algn="l">
-                        <a:spcBef>
-                          <a:spcPts val="0"/>
-                        </a:spcBef>
-                        <a:spcAft>
-                          <a:spcPts val="0"/>
-                        </a:spcAft>
-                        <a:buNone/>
-                      </a:pPr>
-                      <a:r>
-                        <a:rPr lang="en">
-                          <a:solidFill>
-                            <a:schemeClr val="dk1"/>
-                          </a:solidFill>
-                        </a:rPr>
-                        <a:t>25</a:t>
-                      </a:r>
-                      <a:endParaRPr>
-                        <a:solidFill>
-                          <a:schemeClr val="dk1"/>
-                        </a:solidFill>
-                      </a:endParaRPr>
-                    </a:p>
-                  </a:txBody>
-                  <a:tcPr marT="19050" marB="19050" marR="28575" marL="28575" anchor="b">
-                    <a:lnL cap="flat" cmpd="sng" w="9525">
-                      <a:solidFill>
-                        <a:srgbClr val="CCCCCC"/>
-                      </a:solidFill>
-                      <a:prstDash val="solid"/>
-                      <a:round/>
-                      <a:headEnd len="sm" w="sm" type="none"/>
-                      <a:tailEnd len="sm" w="sm" type="none"/>
-                    </a:lnL>
-                    <a:lnR cap="flat" cmpd="sng" w="9525">
-                      <a:solidFill>
-                        <a:srgbClr val="CCCCCC"/>
-                      </a:solidFill>
-                      <a:prstDash val="solid"/>
-                      <a:round/>
-                      <a:headEnd len="sm" w="sm" type="none"/>
-                      <a:tailEnd len="sm" w="sm" type="none"/>
-                    </a:lnR>
-                    <a:lnT cap="flat" cmpd="sng" w="9525">
-                      <a:solidFill>
-                        <a:srgbClr val="CCCCCC"/>
-                      </a:solidFill>
-                      <a:prstDash val="solid"/>
-                      <a:round/>
-                      <a:headEnd len="sm" w="sm" type="none"/>
-                      <a:tailEnd len="sm" w="sm" type="none"/>
-                    </a:lnT>
-                    <a:lnB cap="flat" cmpd="sng" w="9525">
-                      <a:solidFill>
-                        <a:srgbClr val="CCCCCC"/>
-                      </a:solidFill>
-                      <a:prstDash val="solid"/>
-                      <a:round/>
-                      <a:headEnd len="sm" w="sm" type="none"/>
-                      <a:tailEnd len="sm" w="sm" type="none"/>
-                    </a:lnB>
-                  </a:tcPr>
-                </a:tc>
-                <a:tc>
-                  <a:txBody>
-                    <a:bodyPr/>
-                    <a:lstStyle/>
-                    <a:p>
-                      <a:pPr indent="0" lvl="0" marL="0" rtl="0" algn="l">
-                        <a:spcBef>
-                          <a:spcPts val="0"/>
-                        </a:spcBef>
-                        <a:spcAft>
-                          <a:spcPts val="0"/>
-                        </a:spcAft>
-                        <a:buNone/>
-                      </a:pPr>
-                      <a:r>
-                        <a:rPr lang="en">
-                          <a:solidFill>
-                            <a:schemeClr val="dk1"/>
-                          </a:solidFill>
-                        </a:rPr>
-                        <a:t>Adam</a:t>
-                      </a:r>
-                      <a:endParaRPr>
-                        <a:solidFill>
-                          <a:schemeClr val="dk1"/>
-                        </a:solidFill>
-                      </a:endParaRPr>
-                    </a:p>
-                  </a:txBody>
-                  <a:tcPr marT="19050" marB="19050" marR="28575" marL="28575" anchor="b">
-                    <a:lnL cap="flat" cmpd="sng" w="9525">
-                      <a:solidFill>
-                        <a:srgbClr val="CCCCCC"/>
-                      </a:solidFill>
-                      <a:prstDash val="solid"/>
-                      <a:round/>
-                      <a:headEnd len="sm" w="sm" type="none"/>
-                      <a:tailEnd len="sm" w="sm" type="none"/>
-                    </a:lnL>
-                    <a:lnR cap="flat" cmpd="sng" w="9525">
-                      <a:solidFill>
-                        <a:srgbClr val="CCCCCC"/>
-                      </a:solidFill>
-                      <a:prstDash val="solid"/>
-                      <a:round/>
-                      <a:headEnd len="sm" w="sm" type="none"/>
-                      <a:tailEnd len="sm" w="sm" type="none"/>
-                    </a:lnR>
-                    <a:lnT cap="flat" cmpd="sng" w="9525">
-                      <a:solidFill>
-                        <a:srgbClr val="CCCCCC"/>
-                      </a:solidFill>
-                      <a:prstDash val="solid"/>
-                      <a:round/>
-                      <a:headEnd len="sm" w="sm" type="none"/>
-                      <a:tailEnd len="sm" w="sm" type="none"/>
-                    </a:lnT>
-                    <a:lnB cap="flat" cmpd="sng" w="9525">
-                      <a:solidFill>
-                        <a:srgbClr val="CCCCCC"/>
-                      </a:solidFill>
-                      <a:prstDash val="solid"/>
-                      <a:round/>
-                      <a:headEnd len="sm" w="sm" type="none"/>
-                      <a:tailEnd len="sm" w="sm" type="none"/>
-                    </a:lnB>
-                  </a:tcPr>
-                </a:tc>
-                <a:tc>
-                  <a:txBody>
-                    <a:bodyPr/>
-                    <a:lstStyle/>
-                    <a:p>
-                      <a:pPr indent="0" lvl="0" marL="0" rtl="0" algn="l">
-                        <a:spcBef>
-                          <a:spcPts val="0"/>
-                        </a:spcBef>
-                        <a:spcAft>
-                          <a:spcPts val="0"/>
-                        </a:spcAft>
-                        <a:buNone/>
-                      </a:pPr>
-                      <a:r>
-                        <a:rPr lang="en">
-                          <a:solidFill>
-                            <a:schemeClr val="dk1"/>
-                          </a:solidFill>
-                        </a:rPr>
-                        <a:t>0.001</a:t>
-                      </a:r>
-                      <a:endParaRPr>
-                        <a:solidFill>
-                          <a:schemeClr val="dk1"/>
-                        </a:solidFill>
-                      </a:endParaRPr>
-                    </a:p>
-                  </a:txBody>
-                  <a:tcPr marT="19050" marB="19050" marR="28575" marL="28575" anchor="b">
-                    <a:lnL cap="flat" cmpd="sng" w="9525">
-                      <a:solidFill>
-                        <a:srgbClr val="CCCCCC"/>
-                      </a:solidFill>
-                      <a:prstDash val="solid"/>
-                      <a:round/>
-                      <a:headEnd len="sm" w="sm" type="none"/>
-                      <a:tailEnd len="sm" w="sm" type="none"/>
-                    </a:lnL>
-                    <a:lnR cap="flat" cmpd="sng" w="9525">
-                      <a:solidFill>
-                        <a:srgbClr val="CCCCCC"/>
-                      </a:solidFill>
-                      <a:prstDash val="solid"/>
-                      <a:round/>
-                      <a:headEnd len="sm" w="sm" type="none"/>
-                      <a:tailEnd len="sm" w="sm" type="none"/>
-                    </a:lnR>
-                    <a:lnT cap="flat" cmpd="sng" w="9525">
-                      <a:solidFill>
-                        <a:srgbClr val="CCCCCC"/>
-                      </a:solidFill>
-                      <a:prstDash val="solid"/>
-                      <a:round/>
-                      <a:headEnd len="sm" w="sm" type="none"/>
-                      <a:tailEnd len="sm" w="sm" type="none"/>
-                    </a:lnT>
-                    <a:lnB cap="flat" cmpd="sng" w="9525">
-                      <a:solidFill>
-                        <a:srgbClr val="CCCCCC"/>
-                      </a:solidFill>
-                      <a:prstDash val="solid"/>
-                      <a:round/>
-                      <a:headEnd len="sm" w="sm" type="none"/>
-                      <a:tailEnd len="sm" w="sm" type="none"/>
-                    </a:lnB>
-                  </a:tcPr>
-                </a:tc>
-                <a:tc>
-                  <a:txBody>
-                    <a:bodyPr/>
-                    <a:lstStyle/>
-                    <a:p>
-                      <a:pPr indent="0" lvl="0" marL="0" rtl="0" algn="l">
-                        <a:spcBef>
-                          <a:spcPts val="0"/>
-                        </a:spcBef>
-                        <a:spcAft>
-                          <a:spcPts val="0"/>
-                        </a:spcAft>
-                        <a:buNone/>
-                      </a:pPr>
-                      <a:r>
-                        <a:rPr lang="en">
-                          <a:solidFill>
-                            <a:schemeClr val="dk1"/>
-                          </a:solidFill>
-                        </a:rPr>
-                        <a:t>120</a:t>
-                      </a:r>
-                      <a:endParaRPr>
-                        <a:solidFill>
-                          <a:schemeClr val="dk1"/>
-                        </a:solidFill>
-                      </a:endParaRPr>
-                    </a:p>
-                  </a:txBody>
-                  <a:tcPr marT="19050" marB="19050" marR="28575" marL="28575" anchor="b">
-                    <a:lnL cap="flat" cmpd="sng" w="9525">
-                      <a:solidFill>
-                        <a:srgbClr val="CCCCCC"/>
-                      </a:solidFill>
-                      <a:prstDash val="solid"/>
-                      <a:round/>
-                      <a:headEnd len="sm" w="sm" type="none"/>
-                      <a:tailEnd len="sm" w="sm" type="none"/>
-                    </a:lnL>
-                    <a:lnR cap="flat" cmpd="sng" w="9525">
-                      <a:solidFill>
-                        <a:srgbClr val="CCCCCC"/>
-                      </a:solidFill>
-                      <a:prstDash val="solid"/>
-                      <a:round/>
-                      <a:headEnd len="sm" w="sm" type="none"/>
-                      <a:tailEnd len="sm" w="sm" type="none"/>
-                    </a:lnR>
-                    <a:lnT cap="flat" cmpd="sng" w="9525">
-                      <a:solidFill>
-                        <a:srgbClr val="CCCCCC"/>
-                      </a:solidFill>
-                      <a:prstDash val="solid"/>
-                      <a:round/>
-                      <a:headEnd len="sm" w="sm" type="none"/>
-                      <a:tailEnd len="sm" w="sm" type="none"/>
-                    </a:lnT>
-                    <a:lnB cap="flat" cmpd="sng" w="9525">
-                      <a:solidFill>
-                        <a:srgbClr val="CCCCCC"/>
-                      </a:solidFill>
-                      <a:prstDash val="solid"/>
-                      <a:round/>
-                      <a:headEnd len="sm" w="sm" type="none"/>
-                      <a:tailEnd len="sm" w="sm" type="none"/>
-                    </a:lnB>
-                  </a:tcPr>
-                </a:tc>
-                <a:tc>
-                  <a:txBody>
-                    <a:bodyPr/>
-                    <a:lstStyle/>
-                    <a:p>
-                      <a:pPr indent="0" lvl="0" marL="0" rtl="0" algn="l">
-                        <a:spcBef>
-                          <a:spcPts val="0"/>
-                        </a:spcBef>
-                        <a:spcAft>
-                          <a:spcPts val="0"/>
-                        </a:spcAft>
-                        <a:buNone/>
-                      </a:pPr>
-                      <a:r>
-                        <a:rPr lang="en">
-                          <a:solidFill>
-                            <a:schemeClr val="dk1"/>
-                          </a:solidFill>
-                        </a:rPr>
-                        <a:t>80</a:t>
-                      </a:r>
-                      <a:endParaRPr>
-                        <a:solidFill>
-                          <a:schemeClr val="dk1"/>
-                        </a:solidFill>
-                      </a:endParaRPr>
-                    </a:p>
-                  </a:txBody>
-                  <a:tcPr marT="19050" marB="19050" marR="28575" marL="28575" anchor="b">
-                    <a:lnL cap="flat" cmpd="sng" w="9525">
-                      <a:solidFill>
-                        <a:srgbClr val="CCCCCC"/>
-                      </a:solidFill>
-                      <a:prstDash val="solid"/>
-                      <a:round/>
-                      <a:headEnd len="sm" w="sm" type="none"/>
-                      <a:tailEnd len="sm" w="sm" type="none"/>
-                    </a:lnL>
-                    <a:lnR cap="flat" cmpd="sng" w="9525">
-                      <a:solidFill>
-                        <a:srgbClr val="CCCCCC"/>
-                      </a:solidFill>
-                      <a:prstDash val="solid"/>
-                      <a:round/>
-                      <a:headEnd len="sm" w="sm" type="none"/>
-                      <a:tailEnd len="sm" w="sm" type="none"/>
-                    </a:lnR>
-                    <a:lnT cap="flat" cmpd="sng" w="9525">
-                      <a:solidFill>
-                        <a:srgbClr val="CCCCCC"/>
-                      </a:solidFill>
-                      <a:prstDash val="solid"/>
-                      <a:round/>
-                      <a:headEnd len="sm" w="sm" type="none"/>
-                      <a:tailEnd len="sm" w="sm" type="none"/>
-                    </a:lnT>
-                    <a:lnB cap="flat" cmpd="sng" w="9525">
-                      <a:solidFill>
-                        <a:srgbClr val="CCCCCC"/>
-                      </a:solidFill>
-                      <a:prstDash val="solid"/>
-                      <a:round/>
-                      <a:headEnd len="sm" w="sm" type="none"/>
-                      <a:tailEnd len="sm" w="sm" type="none"/>
-                    </a:lnB>
-                  </a:tcPr>
-                </a:tc>
-              </a:tr>
-              <a:tr h="475600">
-                <a:tc>
-                  <a:txBody>
-                    <a:bodyPr/>
-                    <a:lstStyle/>
-                    <a:p>
-                      <a:pPr indent="0" lvl="0" marL="0" rtl="0" algn="l">
-                        <a:spcBef>
-                          <a:spcPts val="0"/>
-                        </a:spcBef>
-                        <a:spcAft>
-                          <a:spcPts val="0"/>
-                        </a:spcAft>
-                        <a:buNone/>
-                      </a:pPr>
-                      <a:r>
-                        <a:rPr lang="en">
-                          <a:solidFill>
-                            <a:schemeClr val="dk1"/>
-                          </a:solidFill>
-                        </a:rPr>
-                        <a:t>Roberta-base</a:t>
-                      </a:r>
-                      <a:endParaRPr>
-                        <a:solidFill>
-                          <a:schemeClr val="dk1"/>
-                        </a:solidFill>
-                      </a:endParaRPr>
-                    </a:p>
-                  </a:txBody>
-                  <a:tcPr marT="19050" marB="19050" marR="28575" marL="28575" anchor="b">
-                    <a:lnL cap="flat" cmpd="sng" w="9525">
-                      <a:solidFill>
-                        <a:srgbClr val="CCCCCC"/>
-                      </a:solidFill>
-                      <a:prstDash val="solid"/>
-                      <a:round/>
-                      <a:headEnd len="sm" w="sm" type="none"/>
-                      <a:tailEnd len="sm" w="sm" type="none"/>
-                    </a:lnL>
-                    <a:lnR cap="flat" cmpd="sng" w="9525">
-                      <a:solidFill>
-                        <a:srgbClr val="CCCCCC"/>
-                      </a:solidFill>
-                      <a:prstDash val="solid"/>
-                      <a:round/>
-                      <a:headEnd len="sm" w="sm" type="none"/>
-                      <a:tailEnd len="sm" w="sm" type="none"/>
-                    </a:lnR>
-                    <a:lnT cap="flat" cmpd="sng" w="9525">
-                      <a:solidFill>
-                        <a:srgbClr val="CCCCCC"/>
-                      </a:solidFill>
-                      <a:prstDash val="solid"/>
-                      <a:round/>
-                      <a:headEnd len="sm" w="sm" type="none"/>
-                      <a:tailEnd len="sm" w="sm" type="none"/>
-                    </a:lnT>
-                    <a:lnB cap="flat" cmpd="sng" w="9525">
-                      <a:solidFill>
-                        <a:srgbClr val="CCCCCC"/>
-                      </a:solidFill>
-                      <a:prstDash val="solid"/>
-                      <a:round/>
-                      <a:headEnd len="sm" w="sm" type="none"/>
-                      <a:tailEnd len="sm" w="sm" type="none"/>
-                    </a:lnB>
-                  </a:tcPr>
-                </a:tc>
-                <a:tc>
-                  <a:txBody>
-                    <a:bodyPr/>
-                    <a:lstStyle/>
-                    <a:p>
-                      <a:pPr indent="0" lvl="0" marL="0" rtl="0" algn="l">
-                        <a:spcBef>
-                          <a:spcPts val="0"/>
-                        </a:spcBef>
-                        <a:spcAft>
-                          <a:spcPts val="0"/>
-                        </a:spcAft>
-                        <a:buNone/>
-                      </a:pPr>
-                      <a:r>
-                        <a:rPr lang="en">
-                          <a:solidFill>
-                            <a:schemeClr val="dk1"/>
-                          </a:solidFill>
-                        </a:rPr>
-                        <a:t>30k</a:t>
-                      </a:r>
-                      <a:endParaRPr>
-                        <a:solidFill>
-                          <a:schemeClr val="dk1"/>
-                        </a:solidFill>
-                      </a:endParaRPr>
-                    </a:p>
-                  </a:txBody>
-                  <a:tcPr marT="19050" marB="19050" marR="28575" marL="28575" anchor="b">
-                    <a:lnL cap="flat" cmpd="sng" w="9525">
-                      <a:solidFill>
-                        <a:srgbClr val="CCCCCC"/>
-                      </a:solidFill>
-                      <a:prstDash val="solid"/>
-                      <a:round/>
-                      <a:headEnd len="sm" w="sm" type="none"/>
-                      <a:tailEnd len="sm" w="sm" type="none"/>
-                    </a:lnL>
-                    <a:lnR cap="flat" cmpd="sng" w="9525">
-                      <a:solidFill>
-                        <a:srgbClr val="CCCCCC"/>
-                      </a:solidFill>
-                      <a:prstDash val="solid"/>
-                      <a:round/>
-                      <a:headEnd len="sm" w="sm" type="none"/>
-                      <a:tailEnd len="sm" w="sm" type="none"/>
-                    </a:lnR>
-                    <a:lnT cap="flat" cmpd="sng" w="9525">
-                      <a:solidFill>
-                        <a:srgbClr val="CCCCCC"/>
-                      </a:solidFill>
-                      <a:prstDash val="solid"/>
-                      <a:round/>
-                      <a:headEnd len="sm" w="sm" type="none"/>
-                      <a:tailEnd len="sm" w="sm" type="none"/>
-                    </a:lnT>
-                    <a:lnB cap="flat" cmpd="sng" w="9525">
-                      <a:solidFill>
-                        <a:srgbClr val="CCCCCC"/>
-                      </a:solidFill>
-                      <a:prstDash val="solid"/>
-                      <a:round/>
-                      <a:headEnd len="sm" w="sm" type="none"/>
-                      <a:tailEnd len="sm" w="sm" type="none"/>
-                    </a:lnB>
-                  </a:tcPr>
-                </a:tc>
-                <a:tc>
-                  <a:txBody>
-                    <a:bodyPr/>
-                    <a:lstStyle/>
-                    <a:p>
-                      <a:pPr indent="0" lvl="0" marL="0" rtl="0" algn="l">
-                        <a:spcBef>
-                          <a:spcPts val="0"/>
-                        </a:spcBef>
-                        <a:spcAft>
-                          <a:spcPts val="0"/>
-                        </a:spcAft>
-                        <a:buNone/>
-                      </a:pPr>
-                      <a:r>
-                        <a:rPr lang="en">
-                          <a:solidFill>
-                            <a:schemeClr val="dk1"/>
-                          </a:solidFill>
-                        </a:rPr>
-                        <a:t>10</a:t>
-                      </a:r>
-                      <a:endParaRPr>
-                        <a:solidFill>
-                          <a:schemeClr val="dk1"/>
-                        </a:solidFill>
-                      </a:endParaRPr>
-                    </a:p>
-                  </a:txBody>
-                  <a:tcPr marT="19050" marB="19050" marR="28575" marL="28575" anchor="b">
-                    <a:lnL cap="flat" cmpd="sng" w="9525">
-                      <a:solidFill>
-                        <a:srgbClr val="CCCCCC"/>
-                      </a:solidFill>
-                      <a:prstDash val="solid"/>
-                      <a:round/>
-                      <a:headEnd len="sm" w="sm" type="none"/>
-                      <a:tailEnd len="sm" w="sm" type="none"/>
-                    </a:lnL>
-                    <a:lnR cap="flat" cmpd="sng" w="9525">
-                      <a:solidFill>
-                        <a:srgbClr val="CCCCCC"/>
-                      </a:solidFill>
-                      <a:prstDash val="solid"/>
-                      <a:round/>
-                      <a:headEnd len="sm" w="sm" type="none"/>
-                      <a:tailEnd len="sm" w="sm" type="none"/>
-                    </a:lnR>
-                    <a:lnT cap="flat" cmpd="sng" w="9525">
-                      <a:solidFill>
-                        <a:srgbClr val="CCCCCC"/>
-                      </a:solidFill>
-                      <a:prstDash val="solid"/>
-                      <a:round/>
-                      <a:headEnd len="sm" w="sm" type="none"/>
-                      <a:tailEnd len="sm" w="sm" type="none"/>
-                    </a:lnT>
-                    <a:lnB cap="flat" cmpd="sng" w="9525">
-                      <a:solidFill>
-                        <a:srgbClr val="CCCCCC"/>
-                      </a:solidFill>
-                      <a:prstDash val="solid"/>
-                      <a:round/>
-                      <a:headEnd len="sm" w="sm" type="none"/>
-                      <a:tailEnd len="sm" w="sm" type="none"/>
-                    </a:lnB>
-                  </a:tcPr>
-                </a:tc>
-                <a:tc>
-                  <a:txBody>
-                    <a:bodyPr/>
-                    <a:lstStyle/>
-                    <a:p>
-                      <a:pPr indent="0" lvl="0" marL="0" rtl="0" algn="l">
-                        <a:spcBef>
-                          <a:spcPts val="0"/>
-                        </a:spcBef>
-                        <a:spcAft>
-                          <a:spcPts val="0"/>
-                        </a:spcAft>
-                        <a:buClr>
-                          <a:schemeClr val="dk1"/>
-                        </a:buClr>
-                        <a:buSzPts val="1100"/>
-                        <a:buFont typeface="Arial"/>
-                        <a:buNone/>
-                      </a:pPr>
-                      <a:r>
-                        <a:rPr lang="en">
-                          <a:solidFill>
-                            <a:schemeClr val="dk1"/>
-                          </a:solidFill>
-                        </a:rPr>
-                        <a:t>Adam</a:t>
-                      </a:r>
-                      <a:endParaRPr>
-                        <a:solidFill>
-                          <a:schemeClr val="dk1"/>
-                        </a:solidFill>
-                      </a:endParaRPr>
-                    </a:p>
-                  </a:txBody>
-                  <a:tcPr marT="19050" marB="19050" marR="28575" marL="28575" anchor="b">
-                    <a:lnL cap="flat" cmpd="sng" w="9525">
-                      <a:solidFill>
-                        <a:srgbClr val="CCCCCC"/>
-                      </a:solidFill>
-                      <a:prstDash val="solid"/>
-                      <a:round/>
-                      <a:headEnd len="sm" w="sm" type="none"/>
-                      <a:tailEnd len="sm" w="sm" type="none"/>
-                    </a:lnL>
-                    <a:lnR cap="flat" cmpd="sng" w="9525">
-                      <a:solidFill>
-                        <a:srgbClr val="CCCCCC"/>
-                      </a:solidFill>
-                      <a:prstDash val="solid"/>
-                      <a:round/>
-                      <a:headEnd len="sm" w="sm" type="none"/>
-                      <a:tailEnd len="sm" w="sm" type="none"/>
-                    </a:lnR>
-                    <a:lnT cap="flat" cmpd="sng" w="9525">
-                      <a:solidFill>
-                        <a:srgbClr val="CCCCCC"/>
-                      </a:solidFill>
-                      <a:prstDash val="solid"/>
-                      <a:round/>
-                      <a:headEnd len="sm" w="sm" type="none"/>
-                      <a:tailEnd len="sm" w="sm" type="none"/>
-                    </a:lnT>
-                    <a:lnB cap="flat" cmpd="sng" w="9525">
-                      <a:solidFill>
-                        <a:srgbClr val="CCCCCC"/>
-                      </a:solidFill>
-                      <a:prstDash val="solid"/>
-                      <a:round/>
-                      <a:headEnd len="sm" w="sm" type="none"/>
-                      <a:tailEnd len="sm" w="sm" type="none"/>
-                    </a:lnB>
-                  </a:tcPr>
-                </a:tc>
-                <a:tc>
-                  <a:txBody>
-                    <a:bodyPr/>
-                    <a:lstStyle/>
-                    <a:p>
-                      <a:pPr indent="0" lvl="0" marL="0" rtl="0" algn="l">
-                        <a:spcBef>
-                          <a:spcPts val="0"/>
-                        </a:spcBef>
-                        <a:spcAft>
-                          <a:spcPts val="0"/>
-                        </a:spcAft>
-                        <a:buNone/>
-                      </a:pPr>
-                      <a:r>
-                        <a:rPr lang="en">
-                          <a:solidFill>
-                            <a:schemeClr val="dk1"/>
-                          </a:solidFill>
-                        </a:rPr>
-                        <a:t>1e-6</a:t>
-                      </a:r>
-                      <a:endParaRPr>
-                        <a:solidFill>
-                          <a:schemeClr val="dk1"/>
-                        </a:solidFill>
-                      </a:endParaRPr>
-                    </a:p>
-                  </a:txBody>
-                  <a:tcPr marT="19050" marB="19050" marR="28575" marL="28575" anchor="b">
-                    <a:lnL cap="flat" cmpd="sng" w="9525">
-                      <a:solidFill>
-                        <a:srgbClr val="CCCCCC"/>
-                      </a:solidFill>
-                      <a:prstDash val="solid"/>
-                      <a:round/>
-                      <a:headEnd len="sm" w="sm" type="none"/>
-                      <a:tailEnd len="sm" w="sm" type="none"/>
-                    </a:lnL>
-                    <a:lnR cap="flat" cmpd="sng" w="9525">
-                      <a:solidFill>
-                        <a:srgbClr val="CCCCCC"/>
-                      </a:solidFill>
-                      <a:prstDash val="solid"/>
-                      <a:round/>
-                      <a:headEnd len="sm" w="sm" type="none"/>
-                      <a:tailEnd len="sm" w="sm" type="none"/>
-                    </a:lnR>
-                    <a:lnT cap="flat" cmpd="sng" w="9525">
-                      <a:solidFill>
-                        <a:srgbClr val="CCCCCC"/>
-                      </a:solidFill>
-                      <a:prstDash val="solid"/>
-                      <a:round/>
-                      <a:headEnd len="sm" w="sm" type="none"/>
-                      <a:tailEnd len="sm" w="sm" type="none"/>
-                    </a:lnT>
-                    <a:lnB cap="flat" cmpd="sng" w="9525">
-                      <a:solidFill>
-                        <a:srgbClr val="CCCCCC"/>
-                      </a:solidFill>
-                      <a:prstDash val="solid"/>
-                      <a:round/>
-                      <a:headEnd len="sm" w="sm" type="none"/>
-                      <a:tailEnd len="sm" w="sm" type="none"/>
-                    </a:lnB>
-                  </a:tcPr>
-                </a:tc>
-                <a:tc>
-                  <a:txBody>
-                    <a:bodyPr/>
-                    <a:lstStyle/>
-                    <a:p>
-                      <a:pPr indent="0" lvl="0" marL="0" rtl="0" algn="l">
-                        <a:spcBef>
-                          <a:spcPts val="0"/>
-                        </a:spcBef>
-                        <a:spcAft>
-                          <a:spcPts val="0"/>
-                        </a:spcAft>
-                        <a:buNone/>
-                      </a:pPr>
-                      <a:r>
-                        <a:rPr lang="en">
-                          <a:solidFill>
-                            <a:schemeClr val="dk1"/>
-                          </a:solidFill>
-                        </a:rPr>
-                        <a:t>16</a:t>
-                      </a:r>
-                      <a:endParaRPr>
-                        <a:solidFill>
-                          <a:schemeClr val="dk1"/>
-                        </a:solidFill>
-                      </a:endParaRPr>
-                    </a:p>
-                  </a:txBody>
-                  <a:tcPr marT="19050" marB="19050" marR="28575" marL="28575" anchor="b">
-                    <a:lnL cap="flat" cmpd="sng" w="9525">
-                      <a:solidFill>
-                        <a:srgbClr val="CCCCCC"/>
-                      </a:solidFill>
-                      <a:prstDash val="solid"/>
-                      <a:round/>
-                      <a:headEnd len="sm" w="sm" type="none"/>
-                      <a:tailEnd len="sm" w="sm" type="none"/>
-                    </a:lnL>
-                    <a:lnR cap="flat" cmpd="sng" w="9525">
-                      <a:solidFill>
-                        <a:srgbClr val="CCCCCC"/>
-                      </a:solidFill>
-                      <a:prstDash val="solid"/>
-                      <a:round/>
-                      <a:headEnd len="sm" w="sm" type="none"/>
-                      <a:tailEnd len="sm" w="sm" type="none"/>
-                    </a:lnR>
-                    <a:lnT cap="flat" cmpd="sng" w="9525">
-                      <a:solidFill>
-                        <a:srgbClr val="CCCCCC"/>
-                      </a:solidFill>
-                      <a:prstDash val="solid"/>
-                      <a:round/>
-                      <a:headEnd len="sm" w="sm" type="none"/>
-                      <a:tailEnd len="sm" w="sm" type="none"/>
-                    </a:lnT>
-                    <a:lnB cap="flat" cmpd="sng" w="9525">
-                      <a:solidFill>
-                        <a:srgbClr val="CCCCCC"/>
-                      </a:solidFill>
-                      <a:prstDash val="solid"/>
-                      <a:round/>
-                      <a:headEnd len="sm" w="sm" type="none"/>
-                      <a:tailEnd len="sm" w="sm" type="none"/>
-                    </a:lnB>
-                  </a:tcPr>
-                </a:tc>
-                <a:tc>
-                  <a:txBody>
-                    <a:bodyPr/>
-                    <a:lstStyle/>
-                    <a:p>
-                      <a:pPr indent="0" lvl="0" marL="0" rtl="0" algn="l">
-                        <a:spcBef>
-                          <a:spcPts val="0"/>
-                        </a:spcBef>
-                        <a:spcAft>
-                          <a:spcPts val="0"/>
-                        </a:spcAft>
-                        <a:buNone/>
-                      </a:pPr>
-                      <a:r>
-                        <a:rPr lang="en">
-                          <a:solidFill>
-                            <a:schemeClr val="dk1"/>
-                          </a:solidFill>
-                        </a:rPr>
-                        <a:t>77</a:t>
-                      </a:r>
-                      <a:endParaRPr>
-                        <a:solidFill>
-                          <a:schemeClr val="dk1"/>
-                        </a:solidFill>
-                      </a:endParaRPr>
-                    </a:p>
-                  </a:txBody>
-                  <a:tcPr marT="19050" marB="19050" marR="28575" marL="28575" anchor="b">
-                    <a:lnL cap="flat" cmpd="sng" w="9525">
-                      <a:solidFill>
-                        <a:srgbClr val="CCCCCC"/>
-                      </a:solidFill>
-                      <a:prstDash val="solid"/>
-                      <a:round/>
-                      <a:headEnd len="sm" w="sm" type="none"/>
-                      <a:tailEnd len="sm" w="sm" type="none"/>
-                    </a:lnL>
-                    <a:lnR cap="flat" cmpd="sng" w="9525">
-                      <a:solidFill>
-                        <a:srgbClr val="CCCCCC"/>
-                      </a:solidFill>
-                      <a:prstDash val="solid"/>
-                      <a:round/>
-                      <a:headEnd len="sm" w="sm" type="none"/>
-                      <a:tailEnd len="sm" w="sm" type="none"/>
-                    </a:lnR>
-                    <a:lnT cap="flat" cmpd="sng" w="9525">
-                      <a:solidFill>
-                        <a:srgbClr val="CCCCCC"/>
-                      </a:solidFill>
-                      <a:prstDash val="solid"/>
-                      <a:round/>
-                      <a:headEnd len="sm" w="sm" type="none"/>
-                      <a:tailEnd len="sm" w="sm" type="none"/>
-                    </a:lnT>
-                    <a:lnB cap="flat" cmpd="sng" w="9525">
-                      <a:solidFill>
-                        <a:srgbClr val="CCCCCC"/>
-                      </a:solidFill>
-                      <a:prstDash val="solid"/>
-                      <a:round/>
-                      <a:headEnd len="sm" w="sm" type="none"/>
-                      <a:tailEnd len="sm" w="sm" type="none"/>
-                    </a:lnB>
-                  </a:tcPr>
-                </a:tc>
-              </a:tr>
-              <a:tr h="475600">
-                <a:tc>
-                  <a:txBody>
-                    <a:bodyPr/>
-                    <a:lstStyle/>
-                    <a:p>
-                      <a:pPr indent="0" lvl="0" marL="0" rtl="0" algn="l">
-                        <a:spcBef>
-                          <a:spcPts val="0"/>
-                        </a:spcBef>
-                        <a:spcAft>
-                          <a:spcPts val="0"/>
-                        </a:spcAft>
-                        <a:buNone/>
-                      </a:pPr>
-                      <a:r>
-                        <a:rPr lang="en">
-                          <a:solidFill>
-                            <a:schemeClr val="dk1"/>
-                          </a:solidFill>
-                        </a:rPr>
-                        <a:t>Roberta</a:t>
-                      </a:r>
-                      <a:endParaRPr>
-                        <a:solidFill>
-                          <a:schemeClr val="dk1"/>
-                        </a:solidFill>
-                      </a:endParaRPr>
-                    </a:p>
-                    <a:p>
-                      <a:pPr indent="0" lvl="0" marL="0" rtl="0" algn="l">
-                        <a:spcBef>
-                          <a:spcPts val="0"/>
-                        </a:spcBef>
-                        <a:spcAft>
-                          <a:spcPts val="0"/>
-                        </a:spcAft>
-                        <a:buNone/>
-                      </a:pPr>
-                      <a:r>
-                        <a:rPr lang="en">
-                          <a:solidFill>
-                            <a:schemeClr val="dk1"/>
-                          </a:solidFill>
-                        </a:rPr>
-                        <a:t>sentiment</a:t>
-                      </a:r>
-                      <a:endParaRPr>
-                        <a:solidFill>
-                          <a:schemeClr val="dk1"/>
-                        </a:solidFill>
-                      </a:endParaRPr>
-                    </a:p>
-                  </a:txBody>
-                  <a:tcPr marT="19050" marB="19050" marR="28575" marL="28575" anchor="b">
-                    <a:lnL cap="flat" cmpd="sng" w="9525">
-                      <a:solidFill>
-                        <a:srgbClr val="CCCCCC"/>
-                      </a:solidFill>
-                      <a:prstDash val="solid"/>
-                      <a:round/>
-                      <a:headEnd len="sm" w="sm" type="none"/>
-                      <a:tailEnd len="sm" w="sm" type="none"/>
-                    </a:lnL>
-                    <a:lnR cap="flat" cmpd="sng" w="9525">
-                      <a:solidFill>
-                        <a:srgbClr val="CCCCCC"/>
-                      </a:solidFill>
-                      <a:prstDash val="solid"/>
-                      <a:round/>
-                      <a:headEnd len="sm" w="sm" type="none"/>
-                      <a:tailEnd len="sm" w="sm" type="none"/>
-                    </a:lnR>
-                    <a:lnT cap="flat" cmpd="sng" w="9525">
-                      <a:solidFill>
-                        <a:srgbClr val="CCCCCC"/>
-                      </a:solidFill>
-                      <a:prstDash val="solid"/>
-                      <a:round/>
-                      <a:headEnd len="sm" w="sm" type="none"/>
-                      <a:tailEnd len="sm" w="sm" type="none"/>
-                    </a:lnT>
-                    <a:lnB cap="flat" cmpd="sng" w="9525">
-                      <a:solidFill>
-                        <a:srgbClr val="CCCCCC"/>
-                      </a:solidFill>
-                      <a:prstDash val="solid"/>
-                      <a:round/>
-                      <a:headEnd len="sm" w="sm" type="none"/>
-                      <a:tailEnd len="sm" w="sm" type="none"/>
-                    </a:lnB>
-                  </a:tcPr>
-                </a:tc>
-                <a:tc>
-                  <a:txBody>
-                    <a:bodyPr/>
-                    <a:lstStyle/>
-                    <a:p>
-                      <a:pPr indent="0" lvl="0" marL="0" rtl="0" algn="l">
-                        <a:spcBef>
-                          <a:spcPts val="0"/>
-                        </a:spcBef>
-                        <a:spcAft>
-                          <a:spcPts val="0"/>
-                        </a:spcAft>
-                        <a:buNone/>
-                      </a:pPr>
-                      <a:r>
-                        <a:rPr lang="en">
-                          <a:solidFill>
-                            <a:schemeClr val="dk1"/>
-                          </a:solidFill>
-                        </a:rPr>
-                        <a:t>170k</a:t>
-                      </a:r>
-                      <a:endParaRPr>
-                        <a:solidFill>
-                          <a:schemeClr val="dk1"/>
-                        </a:solidFill>
-                      </a:endParaRPr>
-                    </a:p>
-                  </a:txBody>
-                  <a:tcPr marT="19050" marB="19050" marR="28575" marL="28575" anchor="b">
-                    <a:lnL cap="flat" cmpd="sng" w="9525">
-                      <a:solidFill>
-                        <a:srgbClr val="CCCCCC"/>
-                      </a:solidFill>
-                      <a:prstDash val="solid"/>
-                      <a:round/>
-                      <a:headEnd len="sm" w="sm" type="none"/>
-                      <a:tailEnd len="sm" w="sm" type="none"/>
-                    </a:lnL>
-                    <a:lnR cap="flat" cmpd="sng" w="9525">
-                      <a:solidFill>
-                        <a:srgbClr val="CCCCCC"/>
-                      </a:solidFill>
-                      <a:prstDash val="solid"/>
-                      <a:round/>
-                      <a:headEnd len="sm" w="sm" type="none"/>
-                      <a:tailEnd len="sm" w="sm" type="none"/>
-                    </a:lnR>
-                    <a:lnT cap="flat" cmpd="sng" w="9525">
-                      <a:solidFill>
-                        <a:srgbClr val="CCCCCC"/>
-                      </a:solidFill>
-                      <a:prstDash val="solid"/>
-                      <a:round/>
-                      <a:headEnd len="sm" w="sm" type="none"/>
-                      <a:tailEnd len="sm" w="sm" type="none"/>
-                    </a:lnT>
-                    <a:lnB cap="flat" cmpd="sng" w="9525">
-                      <a:solidFill>
-                        <a:srgbClr val="CCCCCC"/>
-                      </a:solidFill>
-                      <a:prstDash val="solid"/>
-                      <a:round/>
-                      <a:headEnd len="sm" w="sm" type="none"/>
-                      <a:tailEnd len="sm" w="sm" type="none"/>
-                    </a:lnB>
-                  </a:tcPr>
-                </a:tc>
-                <a:tc>
-                  <a:txBody>
-                    <a:bodyPr/>
-                    <a:lstStyle/>
-                    <a:p>
-                      <a:pPr indent="0" lvl="0" marL="0" rtl="0" algn="l">
-                        <a:spcBef>
-                          <a:spcPts val="0"/>
-                        </a:spcBef>
-                        <a:spcAft>
-                          <a:spcPts val="0"/>
-                        </a:spcAft>
-                        <a:buNone/>
-                      </a:pPr>
-                      <a:r>
-                        <a:rPr lang="en">
-                          <a:solidFill>
-                            <a:schemeClr val="dk1"/>
-                          </a:solidFill>
-                        </a:rPr>
-                        <a:t>4</a:t>
-                      </a:r>
-                      <a:endParaRPr>
-                        <a:solidFill>
-                          <a:schemeClr val="dk1"/>
-                        </a:solidFill>
-                      </a:endParaRPr>
-                    </a:p>
-                  </a:txBody>
-                  <a:tcPr marT="19050" marB="19050" marR="28575" marL="28575" anchor="b">
-                    <a:lnL cap="flat" cmpd="sng" w="9525">
-                      <a:solidFill>
-                        <a:srgbClr val="CCCCCC"/>
-                      </a:solidFill>
-                      <a:prstDash val="solid"/>
-                      <a:round/>
-                      <a:headEnd len="sm" w="sm" type="none"/>
-                      <a:tailEnd len="sm" w="sm" type="none"/>
-                    </a:lnL>
-                    <a:lnR cap="flat" cmpd="sng" w="9525">
-                      <a:solidFill>
-                        <a:srgbClr val="CCCCCC"/>
-                      </a:solidFill>
-                      <a:prstDash val="solid"/>
-                      <a:round/>
-                      <a:headEnd len="sm" w="sm" type="none"/>
-                      <a:tailEnd len="sm" w="sm" type="none"/>
-                    </a:lnR>
-                    <a:lnT cap="flat" cmpd="sng" w="9525">
-                      <a:solidFill>
-                        <a:srgbClr val="CCCCCC"/>
-                      </a:solidFill>
-                      <a:prstDash val="solid"/>
-                      <a:round/>
-                      <a:headEnd len="sm" w="sm" type="none"/>
-                      <a:tailEnd len="sm" w="sm" type="none"/>
-                    </a:lnT>
-                    <a:lnB cap="flat" cmpd="sng" w="9525">
-                      <a:solidFill>
-                        <a:srgbClr val="CCCCCC"/>
-                      </a:solidFill>
-                      <a:prstDash val="solid"/>
-                      <a:round/>
-                      <a:headEnd len="sm" w="sm" type="none"/>
-                      <a:tailEnd len="sm" w="sm" type="none"/>
-                    </a:lnB>
-                  </a:tcPr>
-                </a:tc>
-                <a:tc>
-                  <a:txBody>
-                    <a:bodyPr/>
-                    <a:lstStyle/>
-                    <a:p>
-                      <a:pPr indent="0" lvl="0" marL="0" rtl="0" algn="l">
-                        <a:spcBef>
-                          <a:spcPts val="0"/>
-                        </a:spcBef>
-                        <a:spcAft>
-                          <a:spcPts val="0"/>
-                        </a:spcAft>
-                        <a:buClr>
-                          <a:schemeClr val="dk1"/>
-                        </a:buClr>
-                        <a:buSzPts val="1100"/>
-                        <a:buFont typeface="Arial"/>
-                        <a:buNone/>
-                      </a:pPr>
-                      <a:r>
-                        <a:rPr lang="en">
-                          <a:solidFill>
-                            <a:schemeClr val="dk1"/>
-                          </a:solidFill>
-                        </a:rPr>
-                        <a:t>Adam</a:t>
-                      </a:r>
-                      <a:endParaRPr>
-                        <a:solidFill>
-                          <a:schemeClr val="dk1"/>
-                        </a:solidFill>
-                      </a:endParaRPr>
-                    </a:p>
-                  </a:txBody>
-                  <a:tcPr marT="19050" marB="19050" marR="28575" marL="28575" anchor="b">
-                    <a:lnL cap="flat" cmpd="sng" w="9525">
-                      <a:solidFill>
-                        <a:srgbClr val="CCCCCC"/>
-                      </a:solidFill>
-                      <a:prstDash val="solid"/>
-                      <a:round/>
-                      <a:headEnd len="sm" w="sm" type="none"/>
-                      <a:tailEnd len="sm" w="sm" type="none"/>
-                    </a:lnL>
-                    <a:lnR cap="flat" cmpd="sng" w="9525">
-                      <a:solidFill>
-                        <a:srgbClr val="CCCCCC"/>
-                      </a:solidFill>
-                      <a:prstDash val="solid"/>
-                      <a:round/>
-                      <a:headEnd len="sm" w="sm" type="none"/>
-                      <a:tailEnd len="sm" w="sm" type="none"/>
-                    </a:lnR>
-                    <a:lnT cap="flat" cmpd="sng" w="9525">
-                      <a:solidFill>
-                        <a:srgbClr val="CCCCCC"/>
-                      </a:solidFill>
-                      <a:prstDash val="solid"/>
-                      <a:round/>
-                      <a:headEnd len="sm" w="sm" type="none"/>
-                      <a:tailEnd len="sm" w="sm" type="none"/>
-                    </a:lnT>
-                    <a:lnB cap="flat" cmpd="sng" w="9525">
-                      <a:solidFill>
-                        <a:srgbClr val="CCCCCC"/>
-                      </a:solidFill>
-                      <a:prstDash val="solid"/>
-                      <a:round/>
-                      <a:headEnd len="sm" w="sm" type="none"/>
-                      <a:tailEnd len="sm" w="sm" type="none"/>
-                    </a:lnB>
-                  </a:tcPr>
-                </a:tc>
-                <a:tc>
-                  <a:txBody>
-                    <a:bodyPr/>
-                    <a:lstStyle/>
-                    <a:p>
-                      <a:pPr indent="0" lvl="0" marL="0" rtl="0" algn="l">
-                        <a:spcBef>
-                          <a:spcPts val="0"/>
-                        </a:spcBef>
-                        <a:spcAft>
-                          <a:spcPts val="0"/>
-                        </a:spcAft>
-                        <a:buNone/>
-                      </a:pPr>
-                      <a:r>
-                        <a:rPr lang="en">
-                          <a:solidFill>
-                            <a:schemeClr val="dk1"/>
-                          </a:solidFill>
-                        </a:rPr>
-                        <a:t>2e-15</a:t>
-                      </a:r>
-                      <a:endParaRPr>
-                        <a:solidFill>
-                          <a:schemeClr val="dk1"/>
-                        </a:solidFill>
-                      </a:endParaRPr>
-                    </a:p>
-                  </a:txBody>
-                  <a:tcPr marT="19050" marB="19050" marR="28575" marL="28575" anchor="b">
-                    <a:lnL cap="flat" cmpd="sng" w="9525">
-                      <a:solidFill>
-                        <a:srgbClr val="CCCCCC"/>
-                      </a:solidFill>
-                      <a:prstDash val="solid"/>
-                      <a:round/>
-                      <a:headEnd len="sm" w="sm" type="none"/>
-                      <a:tailEnd len="sm" w="sm" type="none"/>
-                    </a:lnL>
-                    <a:lnR cap="flat" cmpd="sng" w="9525">
-                      <a:solidFill>
-                        <a:srgbClr val="CCCCCC"/>
-                      </a:solidFill>
-                      <a:prstDash val="solid"/>
-                      <a:round/>
-                      <a:headEnd len="sm" w="sm" type="none"/>
-                      <a:tailEnd len="sm" w="sm" type="none"/>
-                    </a:lnR>
-                    <a:lnT cap="flat" cmpd="sng" w="9525">
-                      <a:solidFill>
-                        <a:srgbClr val="CCCCCC"/>
-                      </a:solidFill>
-                      <a:prstDash val="solid"/>
-                      <a:round/>
-                      <a:headEnd len="sm" w="sm" type="none"/>
-                      <a:tailEnd len="sm" w="sm" type="none"/>
-                    </a:lnT>
-                    <a:lnB cap="flat" cmpd="sng" w="9525">
-                      <a:solidFill>
-                        <a:srgbClr val="CCCCCC"/>
-                      </a:solidFill>
-                      <a:prstDash val="solid"/>
-                      <a:round/>
-                      <a:headEnd len="sm" w="sm" type="none"/>
-                      <a:tailEnd len="sm" w="sm" type="none"/>
-                    </a:lnB>
-                  </a:tcPr>
-                </a:tc>
-                <a:tc>
-                  <a:txBody>
-                    <a:bodyPr/>
-                    <a:lstStyle/>
-                    <a:p>
-                      <a:pPr indent="0" lvl="0" marL="0" rtl="0" algn="l">
-                        <a:spcBef>
-                          <a:spcPts val="0"/>
-                        </a:spcBef>
-                        <a:spcAft>
-                          <a:spcPts val="0"/>
-                        </a:spcAft>
-                        <a:buNone/>
-                      </a:pPr>
-                      <a:r>
-                        <a:rPr lang="en">
-                          <a:solidFill>
-                            <a:schemeClr val="dk1"/>
-                          </a:solidFill>
-                        </a:rPr>
-                        <a:t>16</a:t>
-                      </a:r>
-                      <a:endParaRPr>
-                        <a:solidFill>
-                          <a:schemeClr val="dk1"/>
-                        </a:solidFill>
-                      </a:endParaRPr>
-                    </a:p>
-                  </a:txBody>
-                  <a:tcPr marT="19050" marB="19050" marR="28575" marL="28575" anchor="b">
-                    <a:lnL cap="flat" cmpd="sng" w="9525">
-                      <a:solidFill>
-                        <a:srgbClr val="CCCCCC"/>
-                      </a:solidFill>
-                      <a:prstDash val="solid"/>
-                      <a:round/>
-                      <a:headEnd len="sm" w="sm" type="none"/>
-                      <a:tailEnd len="sm" w="sm" type="none"/>
-                    </a:lnL>
-                    <a:lnR cap="flat" cmpd="sng" w="9525">
-                      <a:solidFill>
-                        <a:srgbClr val="CCCCCC"/>
-                      </a:solidFill>
-                      <a:prstDash val="solid"/>
-                      <a:round/>
-                      <a:headEnd len="sm" w="sm" type="none"/>
-                      <a:tailEnd len="sm" w="sm" type="none"/>
-                    </a:lnR>
-                    <a:lnT cap="flat" cmpd="sng" w="9525">
-                      <a:solidFill>
-                        <a:srgbClr val="CCCCCC"/>
-                      </a:solidFill>
-                      <a:prstDash val="solid"/>
-                      <a:round/>
-                      <a:headEnd len="sm" w="sm" type="none"/>
-                      <a:tailEnd len="sm" w="sm" type="none"/>
-                    </a:lnT>
-                    <a:lnB cap="flat" cmpd="sng" w="9525">
-                      <a:solidFill>
-                        <a:srgbClr val="CCCCCC"/>
-                      </a:solidFill>
-                      <a:prstDash val="solid"/>
-                      <a:round/>
-                      <a:headEnd len="sm" w="sm" type="none"/>
-                      <a:tailEnd len="sm" w="sm" type="none"/>
-                    </a:lnB>
-                  </a:tcPr>
-                </a:tc>
-                <a:tc>
-                  <a:txBody>
-                    <a:bodyPr/>
-                    <a:lstStyle/>
-                    <a:p>
-                      <a:pPr indent="0" lvl="0" marL="0" rtl="0" algn="l">
-                        <a:spcBef>
-                          <a:spcPts val="0"/>
-                        </a:spcBef>
-                        <a:spcAft>
-                          <a:spcPts val="0"/>
-                        </a:spcAft>
-                        <a:buNone/>
-                      </a:pPr>
-                      <a:r>
-                        <a:rPr lang="en">
-                          <a:solidFill>
-                            <a:schemeClr val="dk1"/>
-                          </a:solidFill>
-                        </a:rPr>
-                        <a:t>92</a:t>
-                      </a:r>
-                      <a:endParaRPr>
-                        <a:solidFill>
-                          <a:schemeClr val="dk1"/>
-                        </a:solidFill>
-                      </a:endParaRPr>
-                    </a:p>
-                  </a:txBody>
-                  <a:tcPr marT="19050" marB="19050" marR="28575" marL="28575" anchor="b">
-                    <a:lnL cap="flat" cmpd="sng" w="9525">
-                      <a:solidFill>
-                        <a:srgbClr val="CCCCCC"/>
-                      </a:solidFill>
-                      <a:prstDash val="solid"/>
-                      <a:round/>
-                      <a:headEnd len="sm" w="sm" type="none"/>
-                      <a:tailEnd len="sm" w="sm" type="none"/>
-                    </a:lnL>
-                    <a:lnR cap="flat" cmpd="sng" w="9525">
-                      <a:solidFill>
-                        <a:srgbClr val="CCCCCC"/>
-                      </a:solidFill>
-                      <a:prstDash val="solid"/>
-                      <a:round/>
-                      <a:headEnd len="sm" w="sm" type="none"/>
-                      <a:tailEnd len="sm" w="sm" type="none"/>
-                    </a:lnR>
-                    <a:lnT cap="flat" cmpd="sng" w="9525">
-                      <a:solidFill>
-                        <a:srgbClr val="CCCCCC"/>
-                      </a:solidFill>
-                      <a:prstDash val="solid"/>
-                      <a:round/>
-                      <a:headEnd len="sm" w="sm" type="none"/>
-                      <a:tailEnd len="sm" w="sm" type="none"/>
-                    </a:lnT>
-                    <a:lnB cap="flat" cmpd="sng" w="9525">
-                      <a:solidFill>
-                        <a:srgbClr val="CCCCCC"/>
-                      </a:solidFill>
-                      <a:prstDash val="solid"/>
-                      <a:round/>
-                      <a:headEnd len="sm" w="sm" type="none"/>
-                      <a:tailEnd len="sm" w="sm" type="none"/>
-                    </a:lnB>
-                  </a:tcPr>
-                </a:tc>
-              </a:tr>
-              <a:tr h="475600">
-                <a:tc>
-                  <a:txBody>
-                    <a:bodyPr/>
-                    <a:lstStyle/>
-                    <a:p>
-                      <a:pPr indent="0" lvl="0" marL="0" rtl="0" algn="l">
-                        <a:spcBef>
-                          <a:spcPts val="0"/>
-                        </a:spcBef>
-                        <a:spcAft>
-                          <a:spcPts val="0"/>
-                        </a:spcAft>
-                        <a:buNone/>
-                      </a:pPr>
-                      <a:r>
-                        <a:rPr lang="en">
-                          <a:solidFill>
-                            <a:schemeClr val="dk1"/>
-                          </a:solidFill>
-                        </a:rPr>
-                        <a:t>Distilroberta-base</a:t>
-                      </a:r>
-                      <a:endParaRPr>
-                        <a:solidFill>
-                          <a:schemeClr val="dk1"/>
-                        </a:solidFill>
-                      </a:endParaRPr>
-                    </a:p>
-                  </a:txBody>
-                  <a:tcPr marT="19050" marB="19050" marR="28575" marL="28575" anchor="b">
-                    <a:lnL cap="flat" cmpd="sng" w="9525">
-                      <a:solidFill>
-                        <a:srgbClr val="CCCCCC"/>
-                      </a:solidFill>
-                      <a:prstDash val="solid"/>
-                      <a:round/>
-                      <a:headEnd len="sm" w="sm" type="none"/>
-                      <a:tailEnd len="sm" w="sm" type="none"/>
-                    </a:lnL>
-                    <a:lnR cap="flat" cmpd="sng" w="9525">
-                      <a:solidFill>
-                        <a:srgbClr val="CCCCCC"/>
-                      </a:solidFill>
-                      <a:prstDash val="solid"/>
-                      <a:round/>
-                      <a:headEnd len="sm" w="sm" type="none"/>
-                      <a:tailEnd len="sm" w="sm" type="none"/>
-                    </a:lnR>
-                    <a:lnT cap="flat" cmpd="sng" w="9525">
-                      <a:solidFill>
-                        <a:srgbClr val="CCCCCC"/>
-                      </a:solidFill>
-                      <a:prstDash val="solid"/>
-                      <a:round/>
-                      <a:headEnd len="sm" w="sm" type="none"/>
-                      <a:tailEnd len="sm" w="sm" type="none"/>
-                    </a:lnT>
-                    <a:lnB cap="flat" cmpd="sng" w="9525">
-                      <a:solidFill>
-                        <a:srgbClr val="CCCCCC"/>
-                      </a:solidFill>
-                      <a:prstDash val="solid"/>
-                      <a:round/>
-                      <a:headEnd len="sm" w="sm" type="none"/>
-                      <a:tailEnd len="sm" w="sm" type="none"/>
-                    </a:lnB>
-                  </a:tcPr>
-                </a:tc>
-                <a:tc>
-                  <a:txBody>
-                    <a:bodyPr/>
-                    <a:lstStyle/>
-                    <a:p>
-                      <a:pPr indent="0" lvl="0" marL="0" rtl="0" algn="l">
-                        <a:spcBef>
-                          <a:spcPts val="0"/>
-                        </a:spcBef>
-                        <a:spcAft>
-                          <a:spcPts val="0"/>
-                        </a:spcAft>
-                        <a:buNone/>
-                      </a:pPr>
-                      <a:r>
-                        <a:rPr lang="en">
-                          <a:solidFill>
-                            <a:schemeClr val="dk1"/>
-                          </a:solidFill>
-                        </a:rPr>
-                        <a:t>15k</a:t>
-                      </a:r>
-                      <a:endParaRPr>
-                        <a:solidFill>
-                          <a:schemeClr val="dk1"/>
-                        </a:solidFill>
-                      </a:endParaRPr>
-                    </a:p>
-                  </a:txBody>
-                  <a:tcPr marT="19050" marB="19050" marR="28575" marL="28575" anchor="b">
-                    <a:lnL cap="flat" cmpd="sng" w="9525">
-                      <a:solidFill>
-                        <a:srgbClr val="CCCCCC"/>
-                      </a:solidFill>
-                      <a:prstDash val="solid"/>
-                      <a:round/>
-                      <a:headEnd len="sm" w="sm" type="none"/>
-                      <a:tailEnd len="sm" w="sm" type="none"/>
-                    </a:lnL>
-                    <a:lnR cap="flat" cmpd="sng" w="9525">
-                      <a:solidFill>
-                        <a:srgbClr val="CCCCCC"/>
-                      </a:solidFill>
-                      <a:prstDash val="solid"/>
-                      <a:round/>
-                      <a:headEnd len="sm" w="sm" type="none"/>
-                      <a:tailEnd len="sm" w="sm" type="none"/>
-                    </a:lnR>
-                    <a:lnT cap="flat" cmpd="sng" w="9525">
-                      <a:solidFill>
-                        <a:srgbClr val="CCCCCC"/>
-                      </a:solidFill>
-                      <a:prstDash val="solid"/>
-                      <a:round/>
-                      <a:headEnd len="sm" w="sm" type="none"/>
-                      <a:tailEnd len="sm" w="sm" type="none"/>
-                    </a:lnT>
-                    <a:lnB cap="flat" cmpd="sng" w="9525">
-                      <a:solidFill>
-                        <a:srgbClr val="CCCCCC"/>
-                      </a:solidFill>
-                      <a:prstDash val="solid"/>
-                      <a:round/>
-                      <a:headEnd len="sm" w="sm" type="none"/>
-                      <a:tailEnd len="sm" w="sm" type="none"/>
-                    </a:lnB>
-                  </a:tcPr>
-                </a:tc>
-                <a:tc>
-                  <a:txBody>
-                    <a:bodyPr/>
-                    <a:lstStyle/>
-                    <a:p>
-                      <a:pPr indent="0" lvl="0" marL="0" rtl="0" algn="l">
-                        <a:spcBef>
-                          <a:spcPts val="0"/>
-                        </a:spcBef>
-                        <a:spcAft>
-                          <a:spcPts val="0"/>
-                        </a:spcAft>
-                        <a:buNone/>
-                      </a:pPr>
-                      <a:r>
-                        <a:rPr lang="en">
-                          <a:solidFill>
-                            <a:schemeClr val="dk1"/>
-                          </a:solidFill>
-                        </a:rPr>
-                        <a:t>7</a:t>
-                      </a:r>
-                      <a:endParaRPr>
-                        <a:solidFill>
-                          <a:schemeClr val="dk1"/>
-                        </a:solidFill>
-                      </a:endParaRPr>
-                    </a:p>
-                  </a:txBody>
-                  <a:tcPr marT="19050" marB="19050" marR="28575" marL="28575" anchor="b">
-                    <a:lnL cap="flat" cmpd="sng" w="9525">
-                      <a:solidFill>
-                        <a:srgbClr val="CCCCCC"/>
-                      </a:solidFill>
-                      <a:prstDash val="solid"/>
-                      <a:round/>
-                      <a:headEnd len="sm" w="sm" type="none"/>
-                      <a:tailEnd len="sm" w="sm" type="none"/>
-                    </a:lnL>
-                    <a:lnR cap="flat" cmpd="sng" w="9525">
-                      <a:solidFill>
-                        <a:srgbClr val="CCCCCC"/>
-                      </a:solidFill>
-                      <a:prstDash val="solid"/>
-                      <a:round/>
-                      <a:headEnd len="sm" w="sm" type="none"/>
-                      <a:tailEnd len="sm" w="sm" type="none"/>
-                    </a:lnR>
-                    <a:lnT cap="flat" cmpd="sng" w="9525">
-                      <a:solidFill>
-                        <a:srgbClr val="CCCCCC"/>
-                      </a:solidFill>
-                      <a:prstDash val="solid"/>
-                      <a:round/>
-                      <a:headEnd len="sm" w="sm" type="none"/>
-                      <a:tailEnd len="sm" w="sm" type="none"/>
-                    </a:lnT>
-                    <a:lnB cap="flat" cmpd="sng" w="9525">
-                      <a:solidFill>
-                        <a:srgbClr val="CCCCCC"/>
-                      </a:solidFill>
-                      <a:prstDash val="solid"/>
-                      <a:round/>
-                      <a:headEnd len="sm" w="sm" type="none"/>
-                      <a:tailEnd len="sm" w="sm" type="none"/>
-                    </a:lnB>
-                  </a:tcPr>
-                </a:tc>
-                <a:tc>
-                  <a:txBody>
-                    <a:bodyPr/>
-                    <a:lstStyle/>
-                    <a:p>
-                      <a:pPr indent="0" lvl="0" marL="0" rtl="0" algn="l">
-                        <a:spcBef>
-                          <a:spcPts val="0"/>
-                        </a:spcBef>
-                        <a:spcAft>
-                          <a:spcPts val="0"/>
-                        </a:spcAft>
-                        <a:buClr>
-                          <a:schemeClr val="dk1"/>
-                        </a:buClr>
-                        <a:buSzPts val="1100"/>
-                        <a:buFont typeface="Arial"/>
-                        <a:buNone/>
-                      </a:pPr>
-                      <a:r>
-                        <a:rPr lang="en">
-                          <a:solidFill>
-                            <a:schemeClr val="dk1"/>
-                          </a:solidFill>
-                        </a:rPr>
-                        <a:t>Adam</a:t>
-                      </a:r>
-                      <a:endParaRPr>
-                        <a:solidFill>
-                          <a:schemeClr val="dk1"/>
-                        </a:solidFill>
-                      </a:endParaRPr>
-                    </a:p>
-                  </a:txBody>
-                  <a:tcPr marT="19050" marB="19050" marR="28575" marL="28575" anchor="b">
-                    <a:lnL cap="flat" cmpd="sng" w="9525">
-                      <a:solidFill>
-                        <a:srgbClr val="CCCCCC"/>
-                      </a:solidFill>
-                      <a:prstDash val="solid"/>
-                      <a:round/>
-                      <a:headEnd len="sm" w="sm" type="none"/>
-                      <a:tailEnd len="sm" w="sm" type="none"/>
-                    </a:lnL>
-                    <a:lnR cap="flat" cmpd="sng" w="9525">
-                      <a:solidFill>
-                        <a:srgbClr val="CCCCCC"/>
-                      </a:solidFill>
-                      <a:prstDash val="solid"/>
-                      <a:round/>
-                      <a:headEnd len="sm" w="sm" type="none"/>
-                      <a:tailEnd len="sm" w="sm" type="none"/>
-                    </a:lnR>
-                    <a:lnT cap="flat" cmpd="sng" w="9525">
-                      <a:solidFill>
-                        <a:srgbClr val="CCCCCC"/>
-                      </a:solidFill>
-                      <a:prstDash val="solid"/>
-                      <a:round/>
-                      <a:headEnd len="sm" w="sm" type="none"/>
-                      <a:tailEnd len="sm" w="sm" type="none"/>
-                    </a:lnT>
-                    <a:lnB cap="flat" cmpd="sng" w="9525">
-                      <a:solidFill>
-                        <a:srgbClr val="CCCCCC"/>
-                      </a:solidFill>
-                      <a:prstDash val="solid"/>
-                      <a:round/>
-                      <a:headEnd len="sm" w="sm" type="none"/>
-                      <a:tailEnd len="sm" w="sm" type="none"/>
-                    </a:lnB>
-                  </a:tcPr>
-                </a:tc>
-                <a:tc>
-                  <a:txBody>
-                    <a:bodyPr/>
-                    <a:lstStyle/>
-                    <a:p>
-                      <a:pPr indent="0" lvl="0" marL="0" rtl="0" algn="l">
-                        <a:spcBef>
-                          <a:spcPts val="0"/>
-                        </a:spcBef>
-                        <a:spcAft>
-                          <a:spcPts val="0"/>
-                        </a:spcAft>
-                        <a:buNone/>
-                      </a:pPr>
-                      <a:r>
-                        <a:rPr lang="en">
-                          <a:solidFill>
-                            <a:schemeClr val="dk1"/>
-                          </a:solidFill>
-                        </a:rPr>
-                        <a:t>2e-5</a:t>
-                      </a:r>
-                      <a:endParaRPr>
-                        <a:solidFill>
-                          <a:schemeClr val="dk1"/>
-                        </a:solidFill>
-                      </a:endParaRPr>
-                    </a:p>
-                  </a:txBody>
-                  <a:tcPr marT="19050" marB="19050" marR="28575" marL="28575" anchor="b">
-                    <a:lnL cap="flat" cmpd="sng" w="9525">
-                      <a:solidFill>
-                        <a:srgbClr val="CCCCCC"/>
-                      </a:solidFill>
-                      <a:prstDash val="solid"/>
-                      <a:round/>
-                      <a:headEnd len="sm" w="sm" type="none"/>
-                      <a:tailEnd len="sm" w="sm" type="none"/>
-                    </a:lnL>
-                    <a:lnR cap="flat" cmpd="sng" w="9525">
-                      <a:solidFill>
-                        <a:srgbClr val="CCCCCC"/>
-                      </a:solidFill>
-                      <a:prstDash val="solid"/>
-                      <a:round/>
-                      <a:headEnd len="sm" w="sm" type="none"/>
-                      <a:tailEnd len="sm" w="sm" type="none"/>
-                    </a:lnR>
-                    <a:lnT cap="flat" cmpd="sng" w="9525">
-                      <a:solidFill>
-                        <a:srgbClr val="CCCCCC"/>
-                      </a:solidFill>
-                      <a:prstDash val="solid"/>
-                      <a:round/>
-                      <a:headEnd len="sm" w="sm" type="none"/>
-                      <a:tailEnd len="sm" w="sm" type="none"/>
-                    </a:lnT>
-                    <a:lnB cap="flat" cmpd="sng" w="9525">
-                      <a:solidFill>
-                        <a:srgbClr val="CCCCCC"/>
-                      </a:solidFill>
-                      <a:prstDash val="solid"/>
-                      <a:round/>
-                      <a:headEnd len="sm" w="sm" type="none"/>
-                      <a:tailEnd len="sm" w="sm" type="none"/>
-                    </a:lnB>
-                  </a:tcPr>
-                </a:tc>
-                <a:tc>
-                  <a:txBody>
-                    <a:bodyPr/>
-                    <a:lstStyle/>
-                    <a:p>
-                      <a:pPr indent="0" lvl="0" marL="0" rtl="0" algn="l">
-                        <a:spcBef>
-                          <a:spcPts val="0"/>
-                        </a:spcBef>
-                        <a:spcAft>
-                          <a:spcPts val="0"/>
-                        </a:spcAft>
-                        <a:buNone/>
-                      </a:pPr>
-                      <a:r>
-                        <a:rPr lang="en">
-                          <a:solidFill>
-                            <a:schemeClr val="dk1"/>
-                          </a:solidFill>
-                        </a:rPr>
-                        <a:t>16</a:t>
-                      </a:r>
-                      <a:endParaRPr>
-                        <a:solidFill>
-                          <a:schemeClr val="dk1"/>
-                        </a:solidFill>
-                      </a:endParaRPr>
-                    </a:p>
-                  </a:txBody>
-                  <a:tcPr marT="19050" marB="19050" marR="28575" marL="28575" anchor="b">
-                    <a:lnL cap="flat" cmpd="sng" w="9525">
-                      <a:solidFill>
-                        <a:srgbClr val="CCCCCC"/>
-                      </a:solidFill>
-                      <a:prstDash val="solid"/>
-                      <a:round/>
-                      <a:headEnd len="sm" w="sm" type="none"/>
-                      <a:tailEnd len="sm" w="sm" type="none"/>
-                    </a:lnL>
-                    <a:lnR cap="flat" cmpd="sng" w="9525">
-                      <a:solidFill>
-                        <a:srgbClr val="CCCCCC"/>
-                      </a:solidFill>
-                      <a:prstDash val="solid"/>
-                      <a:round/>
-                      <a:headEnd len="sm" w="sm" type="none"/>
-                      <a:tailEnd len="sm" w="sm" type="none"/>
-                    </a:lnR>
-                    <a:lnT cap="flat" cmpd="sng" w="9525">
-                      <a:solidFill>
-                        <a:srgbClr val="CCCCCC"/>
-                      </a:solidFill>
-                      <a:prstDash val="solid"/>
-                      <a:round/>
-                      <a:headEnd len="sm" w="sm" type="none"/>
-                      <a:tailEnd len="sm" w="sm" type="none"/>
-                    </a:lnT>
-                    <a:lnB cap="flat" cmpd="sng" w="9525">
-                      <a:solidFill>
-                        <a:srgbClr val="CCCCCC"/>
-                      </a:solidFill>
-                      <a:prstDash val="solid"/>
-                      <a:round/>
-                      <a:headEnd len="sm" w="sm" type="none"/>
-                      <a:tailEnd len="sm" w="sm" type="none"/>
-                    </a:lnB>
-                  </a:tcPr>
-                </a:tc>
-                <a:tc>
-                  <a:txBody>
-                    <a:bodyPr/>
-                    <a:lstStyle/>
-                    <a:p>
-                      <a:pPr indent="0" lvl="0" marL="0" rtl="0" algn="l">
-                        <a:spcBef>
-                          <a:spcPts val="0"/>
-                        </a:spcBef>
-                        <a:spcAft>
-                          <a:spcPts val="0"/>
-                        </a:spcAft>
-                        <a:buNone/>
-                      </a:pPr>
-                      <a:r>
-                        <a:rPr lang="en">
-                          <a:solidFill>
-                            <a:schemeClr val="dk1"/>
-                          </a:solidFill>
-                        </a:rPr>
-                        <a:t>73</a:t>
-                      </a:r>
-                      <a:endParaRPr>
-                        <a:solidFill>
-                          <a:schemeClr val="dk1"/>
-                        </a:solidFill>
-                      </a:endParaRPr>
-                    </a:p>
-                  </a:txBody>
-                  <a:tcPr marT="19050" marB="19050" marR="28575" marL="28575" anchor="b">
-                    <a:lnL cap="flat" cmpd="sng" w="9525">
-                      <a:solidFill>
-                        <a:srgbClr val="CCCCCC"/>
-                      </a:solidFill>
-                      <a:prstDash val="solid"/>
-                      <a:round/>
-                      <a:headEnd len="sm" w="sm" type="none"/>
-                      <a:tailEnd len="sm" w="sm" type="none"/>
-                    </a:lnL>
-                    <a:lnR cap="flat" cmpd="sng" w="9525">
-                      <a:solidFill>
-                        <a:srgbClr val="CCCCCC"/>
-                      </a:solidFill>
-                      <a:prstDash val="solid"/>
-                      <a:round/>
-                      <a:headEnd len="sm" w="sm" type="none"/>
-                      <a:tailEnd len="sm" w="sm" type="none"/>
-                    </a:lnR>
-                    <a:lnT cap="flat" cmpd="sng" w="9525">
-                      <a:solidFill>
-                        <a:srgbClr val="CCCCCC"/>
-                      </a:solidFill>
-                      <a:prstDash val="solid"/>
-                      <a:round/>
-                      <a:headEnd len="sm" w="sm" type="none"/>
-                      <a:tailEnd len="sm" w="sm" type="none"/>
-                    </a:lnT>
-                    <a:lnB cap="flat" cmpd="sng" w="9525">
-                      <a:solidFill>
-                        <a:srgbClr val="CCCCCC"/>
-                      </a:solidFill>
-                      <a:prstDash val="solid"/>
-                      <a:round/>
-                      <a:headEnd len="sm" w="sm" type="none"/>
-                      <a:tailEnd len="sm" w="sm" type="none"/>
-                    </a:lnB>
-                  </a:tcPr>
-                </a:tc>
-              </a:tr>
-            </a:tbl>
-          </a:graphicData>
-        </a:graphic>
-      </p:graphicFrame>
-      <p:sp>
-        <p:nvSpPr>
-          <p:cNvPr id="106" name="Google Shape;106;p19"/>
-          <p:cNvSpPr txBox="1"/>
-          <p:nvPr>
-            <p:ph idx="12" type="sldNum"/>
-          </p:nvPr>
-        </p:nvSpPr>
-        <p:spPr>
-          <a:xfrm>
-            <a:off x="8490250" y="4681009"/>
-            <a:ext cx="548700" cy="393600"/>
-          </a:xfrm>
-          <a:prstGeom prst="rect">
-            <a:avLst/>
-          </a:prstGeom>
-        </p:spPr>
-        <p:txBody>
-          <a:bodyPr anchorCtr="0" anchor="ctr" bIns="91425" lIns="91425" spcFirstLastPara="1" rIns="91425" wrap="square" tIns="91425">
-            <a:normAutofit/>
-          </a:bodyPr>
-          <a:lstStyle/>
-          <a:p>
-            <a:pPr indent="0" lvl="0" marL="0" rtl="0" algn="r">
-              <a:spcBef>
-                <a:spcPts val="0"/>
-              </a:spcBef>
-              <a:spcAft>
-                <a:spcPts val="0"/>
-              </a:spcAft>
-              <a:buNone/>
-            </a:pPr>
-            <a:fld id="{00000000-1234-1234-1234-123412341234}" type="slidenum">
-              <a:rPr lang="en"/>
-              <a:t>‹#›</a:t>
-            </a:fld>
-            <a:endParaRPr/>
-          </a:p>
-        </p:txBody>
-      </p:sp>
-    </p:spTree>
-  </p:cSld>
-  <p:clrMapOvr>
-    <a:masterClrMapping/>
-  </p:clrMapOvr>
-</p:sld>
-</file>
-
-<file path=ppt/slides/slide8.xml><?xml version="1.0" encoding="utf-8"?>
-<p:sld xmlns:a="http://schemas.openxmlformats.org/drawingml/2006/main" xmlns:r="http://schemas.openxmlformats.org/officeDocument/2006/relationships" xmlns:mc="http://schemas.openxmlformats.org/markup-compatibility/2006" xmlns:mv="urn:schemas-microsoft-com:mac:vml" xmlns:p="http://schemas.openxmlformats.org/presentationml/2006/main" xmlns:c="http://schemas.openxmlformats.org/drawingml/2006/chart" xmlns:dgm="http://schemas.openxmlformats.org/drawingml/2006/diagram" xmlns:o="urn:schemas-microsoft-com:office:office" xmlns:v="urn:schemas-microsoft-com:vml" xmlns:pvml="urn:schemas-microsoft-com:office:powerpoint" xmlns:com="http://schemas.openxmlformats.org/drawingml/2006/compatibility" xmlns:p14="http://schemas.microsoft.com/office/powerpoint/2010/main" xmlns:p15="http://schemas.microsoft.com/office/powerpoint/2012/main" xmlns:ahyp="http://schemas.microsoft.com/office/drawing/2018/hyperlinkcolor">
-  <p:cSld>
-    <p:spTree>
-      <p:nvGrpSpPr>
-        <p:cNvPr id="110" name="Shape 110"/>
-        <p:cNvGrpSpPr/>
-        <p:nvPr/>
-      </p:nvGrpSpPr>
-      <p:grpSpPr>
-        <a:xfrm>
-          <a:off x="0" y="0"/>
-          <a:ext cx="0" cy="0"/>
-          <a:chOff x="0" y="0"/>
-          <a:chExt cx="0" cy="0"/>
-        </a:xfrm>
-      </p:grpSpPr>
-      <p:sp>
-        <p:nvSpPr>
-          <p:cNvPr id="111" name="Google Shape;111;p20"/>
-          <p:cNvSpPr txBox="1"/>
-          <p:nvPr>
-            <p:ph type="title"/>
-          </p:nvPr>
-        </p:nvSpPr>
-        <p:spPr>
-          <a:xfrm>
-            <a:off x="311700" y="445025"/>
-            <a:ext cx="8520600" cy="572700"/>
-          </a:xfrm>
-          <a:prstGeom prst="rect">
-            <a:avLst/>
-          </a:prstGeom>
-        </p:spPr>
-        <p:txBody>
-          <a:bodyPr anchorCtr="0" anchor="t" bIns="91425" lIns="91425" spcFirstLastPara="1" rIns="91425" wrap="square" tIns="91425">
-            <a:normAutofit fontScale="90000"/>
-          </a:bodyPr>
-          <a:lstStyle/>
-          <a:p>
-            <a:pPr indent="0" lvl="0" marL="0" rtl="0" algn="l">
-              <a:spcBef>
-                <a:spcPts val="0"/>
-              </a:spcBef>
-              <a:spcAft>
-                <a:spcPts val="0"/>
-              </a:spcAft>
-              <a:buNone/>
-            </a:pPr>
-            <a:r>
-              <a:rPr lang="en"/>
-              <a:t>roberta-base</a:t>
-            </a:r>
-            <a:endParaRPr/>
-          </a:p>
-        </p:txBody>
-      </p:sp>
-      <p:sp>
-        <p:nvSpPr>
-          <p:cNvPr id="112" name="Google Shape;112;p20"/>
-          <p:cNvSpPr txBox="1"/>
-          <p:nvPr>
-            <p:ph idx="12" type="sldNum"/>
-          </p:nvPr>
-        </p:nvSpPr>
-        <p:spPr>
-          <a:xfrm>
-            <a:off x="8490250" y="4681009"/>
-            <a:ext cx="548700" cy="393600"/>
-          </a:xfrm>
-          <a:prstGeom prst="rect">
-            <a:avLst/>
-          </a:prstGeom>
-        </p:spPr>
-        <p:txBody>
-          <a:bodyPr anchorCtr="0" anchor="ctr" bIns="91425" lIns="91425" spcFirstLastPara="1" rIns="91425" wrap="square" tIns="91425">
-            <a:normAutofit/>
-          </a:bodyPr>
-          <a:lstStyle/>
-          <a:p>
-            <a:pPr indent="0" lvl="0" marL="0" rtl="0" algn="r">
-              <a:spcBef>
-                <a:spcPts val="0"/>
-              </a:spcBef>
-              <a:spcAft>
-                <a:spcPts val="0"/>
-              </a:spcAft>
-              <a:buNone/>
-            </a:pPr>
-            <a:fld id="{00000000-1234-1234-1234-123412341234}" type="slidenum">
-              <a:rPr lang="en"/>
-              <a:t>‹#›</a:t>
-            </a:fld>
-            <a:endParaRPr/>
-          </a:p>
-        </p:txBody>
-      </p:sp>
-      <p:pic>
-        <p:nvPicPr>
-          <p:cNvPr id="113" name="Google Shape;113;p20"/>
-          <p:cNvPicPr preferRelativeResize="0"/>
-          <p:nvPr/>
-        </p:nvPicPr>
-        <p:blipFill>
-          <a:blip r:embed="rId3">
-            <a:alphaModFix/>
-          </a:blip>
-          <a:stretch>
-            <a:fillRect/>
-          </a:stretch>
-        </p:blipFill>
-        <p:spPr>
-          <a:xfrm>
-            <a:off x="384950" y="1156450"/>
-            <a:ext cx="8185450" cy="3796655"/>
-          </a:xfrm>
-          <a:prstGeom prst="rect">
-            <a:avLst/>
-          </a:prstGeom>
-          <a:noFill/>
-          <a:ln>
-            <a:noFill/>
-          </a:ln>
-        </p:spPr>
-      </p:pic>
     </p:spTree>
   </p:cSld>
   <p:clrMapOvr>
@@ -12729,7 +12740,7 @@
             </a:pPr>
             <a:r>
               <a:rPr lang="en"/>
-              <a:t>Bidirectional LSTM</a:t>
+              <a:t>Distilroberta-base</a:t>
             </a:r>
             <a:endParaRPr/>
           </a:p>
@@ -12791,8 +12802,36 @@
         </p:blipFill>
         <p:spPr>
           <a:xfrm>
-            <a:off x="2277891" y="1152475"/>
-            <a:ext cx="4588222" cy="3416400"/>
+            <a:off x="4572000" y="1140900"/>
+            <a:ext cx="4184091" cy="3820975"/>
+          </a:xfrm>
+          <a:prstGeom prst="rect">
+            <a:avLst/>
+          </a:prstGeom>
+          <a:noFill/>
+          <a:ln>
+            <a:noFill/>
+          </a:ln>
+        </p:spPr>
+      </p:pic>
+      <p:pic>
+        <p:nvPicPr>
+          <p:cNvPr id="121" name="Google Shape;121;p21"/>
+          <p:cNvPicPr preferRelativeResize="0"/>
+          <p:nvPr/>
+        </p:nvPicPr>
+        <p:blipFill>
+          <a:blip r:embed="rId4">
+            <a:alphaModFix/>
+          </a:blip>
+          <a:stretch>
+            <a:fillRect/>
+          </a:stretch>
+        </p:blipFill>
+        <p:spPr>
+          <a:xfrm>
+            <a:off x="152400" y="1170125"/>
+            <a:ext cx="4267200" cy="3291840"/>
           </a:xfrm>
           <a:prstGeom prst="rect">
             <a:avLst/>
@@ -12812,6 +12851,285 @@
 </file>
 
 <file path=ppt/theme/theme1.xml><?xml version="1.0" encoding="utf-8"?>
+<a:theme xmlns:a="http://schemas.openxmlformats.org/drawingml/2006/main" xmlns:r="http://schemas.openxmlformats.org/officeDocument/2006/relationships" name="Slate">
+  <a:themeElements>
+    <a:clrScheme name="Slate">
+      <a:dk1>
+        <a:srgbClr val="FFFFFF"/>
+      </a:dk1>
+      <a:lt1>
+        <a:srgbClr val="37474F"/>
+      </a:lt1>
+      <a:dk2>
+        <a:srgbClr val="9E9E9E"/>
+      </a:dk2>
+      <a:lt2>
+        <a:srgbClr val="E0E0E0"/>
+      </a:lt2>
+      <a:accent1>
+        <a:srgbClr val="616161"/>
+      </a:accent1>
+      <a:accent2>
+        <a:srgbClr val="78909C"/>
+      </a:accent2>
+      <a:accent3>
+        <a:srgbClr val="CACACA"/>
+      </a:accent3>
+      <a:accent4>
+        <a:srgbClr val="64FFDA"/>
+      </a:accent4>
+      <a:accent5>
+        <a:srgbClr val="FFD966"/>
+      </a:accent5>
+      <a:accent6>
+        <a:srgbClr val="F5F5F5"/>
+      </a:accent6>
+      <a:hlink>
+        <a:srgbClr val="FFD966"/>
+      </a:hlink>
+      <a:folHlink>
+        <a:srgbClr val="FFD966"/>
+      </a:folHlink>
+    </a:clrScheme>
+    <a:fontScheme name="Office">
+      <a:majorFont>
+        <a:latin typeface="Arial"/>
+        <a:ea typeface=""/>
+        <a:cs typeface=""/>
+        <a:font script="Jpan" typeface="ＭＳ Ｐゴシック"/>
+        <a:font script="Hang" typeface="맑은 고딕"/>
+        <a:font script="Hans" typeface="宋体"/>
+        <a:font script="Hant" typeface="新細明體"/>
+        <a:font script="Arab" typeface="Times New Roman"/>
+        <a:font script="Hebr" typeface="Times New Roman"/>
+        <a:font script="Thai" typeface="Angsana New"/>
+        <a:font script="Ethi" typeface="Nyala"/>
+        <a:font script="Beng" typeface="Vrinda"/>
+        <a:font script="Gujr" typeface="Shruti"/>
+        <a:font script="Khmr" typeface="MoolBoran"/>
+        <a:font script="Knda" typeface="Tunga"/>
+        <a:font script="Guru" typeface="Raavi"/>
+        <a:font script="Cans" typeface="Euphemia"/>
+        <a:font script="Cher" typeface="Plantagenet Cherokee"/>
+        <a:font script="Yiii" typeface="Microsoft Yi Baiti"/>
+        <a:font script="Tibt" typeface="Microsoft Himalaya"/>
+        <a:font script="Thaa" typeface="MV Boli"/>
+        <a:font script="Deva" typeface="Mangal"/>
+        <a:font script="Telu" typeface="Gautami"/>
+        <a:font script="Taml" typeface="Latha"/>
+        <a:font script="Syrc" typeface="Estrangelo Edessa"/>
+        <a:font script="Orya" typeface="Kalinga"/>
+        <a:font script="Mlym" typeface="Kartika"/>
+        <a:font script="Laoo" typeface="DokChampa"/>
+        <a:font script="Sinh" typeface="Iskoola Pota"/>
+        <a:font script="Mong" typeface="Mongolian Baiti"/>
+        <a:font script="Viet" typeface="Times New Roman"/>
+        <a:font script="Uigh" typeface="Microsoft Uighur"/>
+        <a:font script="Geor" typeface="Sylfaen"/>
+      </a:majorFont>
+      <a:minorFont>
+        <a:latin typeface="Arial"/>
+        <a:ea typeface=""/>
+        <a:cs typeface=""/>
+        <a:font script="Jpan" typeface="ＭＳ Ｐゴシック"/>
+        <a:font script="Hang" typeface="맑은 고딕"/>
+        <a:font script="Hans" typeface="宋体"/>
+        <a:font script="Hant" typeface="新細明體"/>
+        <a:font script="Arab" typeface="Arial"/>
+        <a:font script="Hebr" typeface="Arial"/>
+        <a:font script="Thai" typeface="Cordia New"/>
+        <a:font script="Ethi" typeface="Nyala"/>
+        <a:font script="Beng" typeface="Vrinda"/>
+        <a:font script="Gujr" typeface="Shruti"/>
+        <a:font script="Khmr" typeface="DaunPenh"/>
+        <a:font script="Knda" typeface="Tunga"/>
+        <a:font script="Guru" typeface="Raavi"/>
+        <a:font script="Cans" typeface="Euphemia"/>
+        <a:font script="Cher" typeface="Plantagenet Cherokee"/>
+        <a:font script="Yiii" typeface="Microsoft Yi Baiti"/>
+        <a:font script="Tibt" typeface="Microsoft Himalaya"/>
+        <a:font script="Thaa" typeface="MV Boli"/>
+        <a:font script="Deva" typeface="Mangal"/>
+        <a:font script="Telu" typeface="Gautami"/>
+        <a:font script="Taml" typeface="Latha"/>
+        <a:font script="Syrc" typeface="Estrangelo Edessa"/>
+        <a:font script="Orya" typeface="Kalinga"/>
+        <a:font script="Mlym" typeface="Kartika"/>
+        <a:font script="Laoo" typeface="DokChampa"/>
+        <a:font script="Sinh" typeface="Iskoola Pota"/>
+        <a:font script="Mong" typeface="Mongolian Baiti"/>
+        <a:font script="Viet" typeface="Arial"/>
+        <a:font script="Uigh" typeface="Microsoft Uighur"/>
+        <a:font script="Geor" typeface="Sylfaen"/>
+      </a:minorFont>
+    </a:fontScheme>
+    <a:fmtScheme name="Office">
+      <a:fillStyleLst>
+        <a:solidFill>
+          <a:schemeClr val="phClr"/>
+        </a:solidFill>
+        <a:gradFill rotWithShape="1">
+          <a:gsLst>
+            <a:gs pos="0">
+              <a:schemeClr val="phClr">
+                <a:tint val="50000"/>
+                <a:satMod val="300000"/>
+              </a:schemeClr>
+            </a:gs>
+            <a:gs pos="35000">
+              <a:schemeClr val="phClr">
+                <a:tint val="37000"/>
+                <a:satMod val="300000"/>
+              </a:schemeClr>
+            </a:gs>
+            <a:gs pos="100000">
+              <a:schemeClr val="phClr">
+                <a:tint val="15000"/>
+                <a:satMod val="350000"/>
+              </a:schemeClr>
+            </a:gs>
+          </a:gsLst>
+          <a:lin ang="16200000" scaled="1"/>
+        </a:gradFill>
+        <a:gradFill rotWithShape="1">
+          <a:gsLst>
+            <a:gs pos="0">
+              <a:schemeClr val="phClr">
+                <a:tint val="100000"/>
+                <a:shade val="100000"/>
+                <a:satMod val="130000"/>
+              </a:schemeClr>
+            </a:gs>
+            <a:gs pos="100000">
+              <a:schemeClr val="phClr">
+                <a:tint val="50000"/>
+                <a:shade val="100000"/>
+                <a:satMod val="350000"/>
+              </a:schemeClr>
+            </a:gs>
+          </a:gsLst>
+          <a:lin ang="16200000" scaled="0"/>
+        </a:gradFill>
+      </a:fillStyleLst>
+      <a:lnStyleLst>
+        <a:ln w="9525" cap="flat" cmpd="sng" algn="ctr">
+          <a:solidFill>
+            <a:schemeClr val="phClr">
+              <a:shade val="95000"/>
+              <a:satMod val="105000"/>
+            </a:schemeClr>
+          </a:solidFill>
+          <a:prstDash val="solid"/>
+        </a:ln>
+        <a:ln w="25400" cap="flat" cmpd="sng" algn="ctr">
+          <a:solidFill>
+            <a:schemeClr val="phClr"/>
+          </a:solidFill>
+          <a:prstDash val="solid"/>
+        </a:ln>
+        <a:ln w="38100" cap="flat" cmpd="sng" algn="ctr">
+          <a:solidFill>
+            <a:schemeClr val="phClr"/>
+          </a:solidFill>
+          <a:prstDash val="solid"/>
+        </a:ln>
+      </a:lnStyleLst>
+      <a:effectStyleLst>
+        <a:effectStyle>
+          <a:effectLst>
+            <a:outerShdw blurRad="40000" dist="20000" dir="5400000" rotWithShape="0">
+              <a:srgbClr val="000000">
+                <a:alpha val="38000"/>
+              </a:srgbClr>
+            </a:outerShdw>
+          </a:effectLst>
+        </a:effectStyle>
+        <a:effectStyle>
+          <a:effectLst>
+            <a:outerShdw blurRad="40000" dist="23000" dir="5400000" rotWithShape="0">
+              <a:srgbClr val="000000">
+                <a:alpha val="35000"/>
+              </a:srgbClr>
+            </a:outerShdw>
+          </a:effectLst>
+        </a:effectStyle>
+        <a:effectStyle>
+          <a:effectLst>
+            <a:outerShdw blurRad="40000" dist="23000" dir="5400000" rotWithShape="0">
+              <a:srgbClr val="000000">
+                <a:alpha val="35000"/>
+              </a:srgbClr>
+            </a:outerShdw>
+          </a:effectLst>
+          <a:scene3d>
+            <a:camera prst="orthographicFront">
+              <a:rot lat="0" lon="0" rev="0"/>
+            </a:camera>
+            <a:lightRig rig="threePt" dir="t">
+              <a:rot lat="0" lon="0" rev="1200000"/>
+            </a:lightRig>
+          </a:scene3d>
+          <a:sp3d>
+            <a:bevelT w="63500" h="25400"/>
+          </a:sp3d>
+        </a:effectStyle>
+      </a:effectStyleLst>
+      <a:bgFillStyleLst>
+        <a:solidFill>
+          <a:schemeClr val="phClr"/>
+        </a:solidFill>
+        <a:gradFill rotWithShape="1">
+          <a:gsLst>
+            <a:gs pos="0">
+              <a:schemeClr val="phClr">
+                <a:tint val="40000"/>
+                <a:satMod val="350000"/>
+              </a:schemeClr>
+            </a:gs>
+            <a:gs pos="40000">
+              <a:schemeClr val="phClr">
+                <a:tint val="45000"/>
+                <a:shade val="99000"/>
+                <a:satMod val="350000"/>
+              </a:schemeClr>
+            </a:gs>
+            <a:gs pos="100000">
+              <a:schemeClr val="phClr">
+                <a:shade val="20000"/>
+                <a:satMod val="255000"/>
+              </a:schemeClr>
+            </a:gs>
+          </a:gsLst>
+          <a:path path="circle">
+            <a:fillToRect l="50000" t="-80000" r="50000" b="180000"/>
+          </a:path>
+        </a:gradFill>
+        <a:gradFill rotWithShape="1">
+          <a:gsLst>
+            <a:gs pos="0">
+              <a:schemeClr val="phClr">
+                <a:tint val="80000"/>
+                <a:satMod val="300000"/>
+              </a:schemeClr>
+            </a:gs>
+            <a:gs pos="100000">
+              <a:schemeClr val="phClr">
+                <a:shade val="30000"/>
+                <a:satMod val="200000"/>
+              </a:schemeClr>
+            </a:gs>
+          </a:gsLst>
+          <a:path path="circle">
+            <a:fillToRect l="50000" t="50000" r="50000" b="50000"/>
+          </a:path>
+        </a:gradFill>
+      </a:bgFillStyleLst>
+    </a:fmtScheme>
+  </a:themeElements>
+</a:theme>
+</file>
+
+<file path=ppt/theme/theme2.xml><?xml version="1.0" encoding="utf-8"?>
 <a:theme xmlns:a="http://schemas.openxmlformats.org/drawingml/2006/main" xmlns:r="http://schemas.openxmlformats.org/officeDocument/2006/relationships">
   <a:themeElements>
     <a:clrScheme name="Default">
@@ -13088,283 +13406,4 @@
     </a:fmtScheme>
   </a:themeElements>
 </a:theme>
-</file>
-
-<file path=ppt/theme/theme2.xml><?xml version="1.0" encoding="utf-8"?>
-<a:theme xmlns:a="http://schemas.openxmlformats.org/drawingml/2006/main" xmlns:r="http://schemas.openxmlformats.org/officeDocument/2006/relationships" name="Slate">
-  <a:themeElements>
-    <a:clrScheme name="Slate">
-      <a:dk1>
-        <a:srgbClr val="FFFFFF"/>
-      </a:dk1>
-      <a:lt1>
-        <a:srgbClr val="37474F"/>
-      </a:lt1>
-      <a:dk2>
-        <a:srgbClr val="9E9E9E"/>
-      </a:dk2>
-      <a:lt2>
-        <a:srgbClr val="E0E0E0"/>
-      </a:lt2>
-      <a:accent1>
-        <a:srgbClr val="616161"/>
-      </a:accent1>
-      <a:accent2>
-        <a:srgbClr val="78909C"/>
-      </a:accent2>
-      <a:accent3>
-        <a:srgbClr val="CACACA"/>
-      </a:accent3>
-      <a:accent4>
-        <a:srgbClr val="64FFDA"/>
-      </a:accent4>
-      <a:accent5>
-        <a:srgbClr val="FFD966"/>
-      </a:accent5>
-      <a:accent6>
-        <a:srgbClr val="F5F5F5"/>
-      </a:accent6>
-      <a:hlink>
-        <a:srgbClr val="FFD966"/>
-      </a:hlink>
-      <a:folHlink>
-        <a:srgbClr val="FFD966"/>
-      </a:folHlink>
-    </a:clrScheme>
-    <a:fontScheme name="Office">
-      <a:majorFont>
-        <a:latin typeface="Arial"/>
-        <a:ea typeface=""/>
-        <a:cs typeface=""/>
-        <a:font script="Jpan" typeface="ＭＳ Ｐゴシック"/>
-        <a:font script="Hang" typeface="맑은 고딕"/>
-        <a:font script="Hans" typeface="宋体"/>
-        <a:font script="Hant" typeface="新細明體"/>
-        <a:font script="Arab" typeface="Times New Roman"/>
-        <a:font script="Hebr" typeface="Times New Roman"/>
-        <a:font script="Thai" typeface="Angsana New"/>
-        <a:font script="Ethi" typeface="Nyala"/>
-        <a:font script="Beng" typeface="Vrinda"/>
-        <a:font script="Gujr" typeface="Shruti"/>
-        <a:font script="Khmr" typeface="MoolBoran"/>
-        <a:font script="Knda" typeface="Tunga"/>
-        <a:font script="Guru" typeface="Raavi"/>
-        <a:font script="Cans" typeface="Euphemia"/>
-        <a:font script="Cher" typeface="Plantagenet Cherokee"/>
-        <a:font script="Yiii" typeface="Microsoft Yi Baiti"/>
-        <a:font script="Tibt" typeface="Microsoft Himalaya"/>
-        <a:font script="Thaa" typeface="MV Boli"/>
-        <a:font script="Deva" typeface="Mangal"/>
-        <a:font script="Telu" typeface="Gautami"/>
-        <a:font script="Taml" typeface="Latha"/>
-        <a:font script="Syrc" typeface="Estrangelo Edessa"/>
-        <a:font script="Orya" typeface="Kalinga"/>
-        <a:font script="Mlym" typeface="Kartika"/>
-        <a:font script="Laoo" typeface="DokChampa"/>
-        <a:font script="Sinh" typeface="Iskoola Pota"/>
-        <a:font script="Mong" typeface="Mongolian Baiti"/>
-        <a:font script="Viet" typeface="Times New Roman"/>
-        <a:font script="Uigh" typeface="Microsoft Uighur"/>
-        <a:font script="Geor" typeface="Sylfaen"/>
-      </a:majorFont>
-      <a:minorFont>
-        <a:latin typeface="Arial"/>
-        <a:ea typeface=""/>
-        <a:cs typeface=""/>
-        <a:font script="Jpan" typeface="ＭＳ Ｐゴシック"/>
-        <a:font script="Hang" typeface="맑은 고딕"/>
-        <a:font script="Hans" typeface="宋体"/>
-        <a:font script="Hant" typeface="新細明體"/>
-        <a:font script="Arab" typeface="Arial"/>
-        <a:font script="Hebr" typeface="Arial"/>
-        <a:font script="Thai" typeface="Cordia New"/>
-        <a:font script="Ethi" typeface="Nyala"/>
-        <a:font script="Beng" typeface="Vrinda"/>
-        <a:font script="Gujr" typeface="Shruti"/>
-        <a:font script="Khmr" typeface="DaunPenh"/>
-        <a:font script="Knda" typeface="Tunga"/>
-        <a:font script="Guru" typeface="Raavi"/>
-        <a:font script="Cans" typeface="Euphemia"/>
-        <a:font script="Cher" typeface="Plantagenet Cherokee"/>
-        <a:font script="Yiii" typeface="Microsoft Yi Baiti"/>
-        <a:font script="Tibt" typeface="Microsoft Himalaya"/>
-        <a:font script="Thaa" typeface="MV Boli"/>
-        <a:font script="Deva" typeface="Mangal"/>
-        <a:font script="Telu" typeface="Gautami"/>
-        <a:font script="Taml" typeface="Latha"/>
-        <a:font script="Syrc" typeface="Estrangelo Edessa"/>
-        <a:font script="Orya" typeface="Kalinga"/>
-        <a:font script="Mlym" typeface="Kartika"/>
-        <a:font script="Laoo" typeface="DokChampa"/>
-        <a:font script="Sinh" typeface="Iskoola Pota"/>
-        <a:font script="Mong" typeface="Mongolian Baiti"/>
-        <a:font script="Viet" typeface="Arial"/>
-        <a:font script="Uigh" typeface="Microsoft Uighur"/>
-        <a:font script="Geor" typeface="Sylfaen"/>
-      </a:minorFont>
-    </a:fontScheme>
-    <a:fmtScheme name="Office">
-      <a:fillStyleLst>
-        <a:solidFill>
-          <a:schemeClr val="phClr"/>
-        </a:solidFill>
-        <a:gradFill rotWithShape="1">
-          <a:gsLst>
-            <a:gs pos="0">
-              <a:schemeClr val="phClr">
-                <a:tint val="50000"/>
-                <a:satMod val="300000"/>
-              </a:schemeClr>
-            </a:gs>
-            <a:gs pos="35000">
-              <a:schemeClr val="phClr">
-                <a:tint val="37000"/>
-                <a:satMod val="300000"/>
-              </a:schemeClr>
-            </a:gs>
-            <a:gs pos="100000">
-              <a:schemeClr val="phClr">
-                <a:tint val="15000"/>
-                <a:satMod val="350000"/>
-              </a:schemeClr>
-            </a:gs>
-          </a:gsLst>
-          <a:lin ang="16200000" scaled="1"/>
-        </a:gradFill>
-        <a:gradFill rotWithShape="1">
-          <a:gsLst>
-            <a:gs pos="0">
-              <a:schemeClr val="phClr">
-                <a:tint val="100000"/>
-                <a:shade val="100000"/>
-                <a:satMod val="130000"/>
-              </a:schemeClr>
-            </a:gs>
-            <a:gs pos="100000">
-              <a:schemeClr val="phClr">
-                <a:tint val="50000"/>
-                <a:shade val="100000"/>
-                <a:satMod val="350000"/>
-              </a:schemeClr>
-            </a:gs>
-          </a:gsLst>
-          <a:lin ang="16200000" scaled="0"/>
-        </a:gradFill>
-      </a:fillStyleLst>
-      <a:lnStyleLst>
-        <a:ln w="9525" cap="flat" cmpd="sng" algn="ctr">
-          <a:solidFill>
-            <a:schemeClr val="phClr">
-              <a:shade val="95000"/>
-              <a:satMod val="105000"/>
-            </a:schemeClr>
-          </a:solidFill>
-          <a:prstDash val="solid"/>
-        </a:ln>
-        <a:ln w="25400" cap="flat" cmpd="sng" algn="ctr">
-          <a:solidFill>
-            <a:schemeClr val="phClr"/>
-          </a:solidFill>
-          <a:prstDash val="solid"/>
-        </a:ln>
-        <a:ln w="38100" cap="flat" cmpd="sng" algn="ctr">
-          <a:solidFill>
-            <a:schemeClr val="phClr"/>
-          </a:solidFill>
-          <a:prstDash val="solid"/>
-        </a:ln>
-      </a:lnStyleLst>
-      <a:effectStyleLst>
-        <a:effectStyle>
-          <a:effectLst>
-            <a:outerShdw blurRad="40000" dist="20000" dir="5400000" rotWithShape="0">
-              <a:srgbClr val="000000">
-                <a:alpha val="38000"/>
-              </a:srgbClr>
-            </a:outerShdw>
-          </a:effectLst>
-        </a:effectStyle>
-        <a:effectStyle>
-          <a:effectLst>
-            <a:outerShdw blurRad="40000" dist="23000" dir="5400000" rotWithShape="0">
-              <a:srgbClr val="000000">
-                <a:alpha val="35000"/>
-              </a:srgbClr>
-            </a:outerShdw>
-          </a:effectLst>
-        </a:effectStyle>
-        <a:effectStyle>
-          <a:effectLst>
-            <a:outerShdw blurRad="40000" dist="23000" dir="5400000" rotWithShape="0">
-              <a:srgbClr val="000000">
-                <a:alpha val="35000"/>
-              </a:srgbClr>
-            </a:outerShdw>
-          </a:effectLst>
-          <a:scene3d>
-            <a:camera prst="orthographicFront">
-              <a:rot lat="0" lon="0" rev="0"/>
-            </a:camera>
-            <a:lightRig rig="threePt" dir="t">
-              <a:rot lat="0" lon="0" rev="1200000"/>
-            </a:lightRig>
-          </a:scene3d>
-          <a:sp3d>
-            <a:bevelT w="63500" h="25400"/>
-          </a:sp3d>
-        </a:effectStyle>
-      </a:effectStyleLst>
-      <a:bgFillStyleLst>
-        <a:solidFill>
-          <a:schemeClr val="phClr"/>
-        </a:solidFill>
-        <a:gradFill rotWithShape="1">
-          <a:gsLst>
-            <a:gs pos="0">
-              <a:schemeClr val="phClr">
-                <a:tint val="40000"/>
-                <a:satMod val="350000"/>
-              </a:schemeClr>
-            </a:gs>
-            <a:gs pos="40000">
-              <a:schemeClr val="phClr">
-                <a:tint val="45000"/>
-                <a:shade val="99000"/>
-                <a:satMod val="350000"/>
-              </a:schemeClr>
-            </a:gs>
-            <a:gs pos="100000">
-              <a:schemeClr val="phClr">
-                <a:shade val="20000"/>
-                <a:satMod val="255000"/>
-              </a:schemeClr>
-            </a:gs>
-          </a:gsLst>
-          <a:path path="circle">
-            <a:fillToRect l="50000" t="-80000" r="50000" b="180000"/>
-          </a:path>
-        </a:gradFill>
-        <a:gradFill rotWithShape="1">
-          <a:gsLst>
-            <a:gs pos="0">
-              <a:schemeClr val="phClr">
-                <a:tint val="80000"/>
-                <a:satMod val="300000"/>
-              </a:schemeClr>
-            </a:gs>
-            <a:gs pos="100000">
-              <a:schemeClr val="phClr">
-                <a:shade val="30000"/>
-                <a:satMod val="200000"/>
-              </a:schemeClr>
-            </a:gs>
-          </a:gsLst>
-          <a:path path="circle">
-            <a:fillToRect l="50000" t="50000" r="50000" b="50000"/>
-          </a:path>
-        </a:gradFill>
-      </a:bgFillStyleLst>
-    </a:fmtScheme>
-  </a:themeElements>
-</a:theme>
 </file>